--- a/outlier_detection/presentation_outlier_rejection.pptx
+++ b/outlier_detection/presentation_outlier_rejection.pptx
@@ -7,6 +7,7 @@
   <p:sldIdLst>
     <p:sldId id="256" r:id="rId2"/>
     <p:sldId id="257" r:id="rId3"/>
+    <p:sldId id="258" r:id="rId4"/>
   </p:sldIdLst>
   <p:sldSz cx="9144000" cy="6858000" type="screen4x3"/>
   <p:notesSz cx="6858000" cy="9144000"/>
@@ -3290,6 +3291,66 @@
     <p:extLst>
       <p:ext uri="{BB962C8B-B14F-4D97-AF65-F5344CB8AC3E}">
         <p14:creationId xmlns:p14="http://schemas.microsoft.com/office/powerpoint/2010/main" val="2851200968"/>
+      </p:ext>
+    </p:extLst>
+  </p:cSld>
+  <p:clrMapOvr>
+    <a:masterClrMapping/>
+  </p:clrMapOvr>
+</p:sld>
+</file>
+
+<file path=ppt/slides/slide3.xml><?xml version="1.0" encoding="utf-8"?>
+<p:sld xmlns:a="http://schemas.openxmlformats.org/drawingml/2006/main" xmlns:r="http://schemas.openxmlformats.org/officeDocument/2006/relationships" xmlns:p="http://schemas.openxmlformats.org/presentationml/2006/main">
+  <p:cSld>
+    <p:spTree>
+      <p:nvGrpSpPr>
+        <p:cNvPr id="1" name=""/>
+        <p:cNvGrpSpPr/>
+        <p:nvPr/>
+      </p:nvGrpSpPr>
+      <p:grpSpPr>
+        <a:xfrm>
+          <a:off x="0" y="0"/>
+          <a:ext cx="0" cy="0"/>
+          <a:chOff x="0" y="0"/>
+          <a:chExt cx="0" cy="0"/>
+        </a:xfrm>
+      </p:grpSpPr>
+      <p:pic>
+        <p:nvPicPr>
+          <p:cNvPr id="4" name="Picture 3" descr="Screen Shot 2018-09-12 at 17.28.20.png"/>
+          <p:cNvPicPr>
+            <a:picLocks noChangeAspect="1"/>
+          </p:cNvPicPr>
+          <p:nvPr/>
+        </p:nvPicPr>
+        <p:blipFill>
+          <a:blip r:embed="rId2">
+            <a:extLst>
+              <a:ext uri="{28A0092B-C50C-407E-A947-70E740481C1C}">
+                <a14:useLocalDpi xmlns:a14="http://schemas.microsoft.com/office/drawing/2010/main" val="0"/>
+              </a:ext>
+            </a:extLst>
+          </a:blip>
+          <a:stretch>
+            <a:fillRect/>
+          </a:stretch>
+        </p:blipFill>
+        <p:spPr>
+          <a:xfrm>
+            <a:off x="0" y="0"/>
+            <a:ext cx="9144000" cy="5488886"/>
+          </a:xfrm>
+          <a:prstGeom prst="rect">
+            <a:avLst/>
+          </a:prstGeom>
+        </p:spPr>
+      </p:pic>
+    </p:spTree>
+    <p:extLst>
+      <p:ext uri="{BB962C8B-B14F-4D97-AF65-F5344CB8AC3E}">
+        <p14:creationId xmlns:p14="http://schemas.microsoft.com/office/powerpoint/2010/main" val="2825714680"/>
       </p:ext>
     </p:extLst>
   </p:cSld>

--- a/outlier_detection/presentation_outlier_rejection.pptx
+++ b/outlier_detection/presentation_outlier_rejection.pptx
@@ -6,8 +6,15 @@
   </p:sldMasterIdLst>
   <p:sldIdLst>
     <p:sldId id="256" r:id="rId2"/>
-    <p:sldId id="257" r:id="rId3"/>
+    <p:sldId id="259" r:id="rId3"/>
     <p:sldId id="258" r:id="rId4"/>
+    <p:sldId id="260" r:id="rId5"/>
+    <p:sldId id="261" r:id="rId6"/>
+    <p:sldId id="262" r:id="rId7"/>
+    <p:sldId id="263" r:id="rId8"/>
+    <p:sldId id="264" r:id="rId9"/>
+    <p:sldId id="265" r:id="rId10"/>
+    <p:sldId id="266" r:id="rId11"/>
   </p:sldIdLst>
   <p:sldSz cx="9144000" cy="6858000" type="screen4x3"/>
   <p:notesSz cx="6858000" cy="9144000"/>
@@ -290,7 +297,7 @@
           <a:p>
             <a:fld id="{159055E4-D836-F04A-ADB3-053F5949DAC8}" type="datetimeFigureOut">
               <a:rPr lang="en-US" smtClean="0"/>
-              <a:t>12/09/18</a:t>
+              <a:t>16/09/18</a:t>
             </a:fld>
             <a:endParaRPr lang="en-US"/>
           </a:p>
@@ -460,7 +467,7 @@
           <a:p>
             <a:fld id="{159055E4-D836-F04A-ADB3-053F5949DAC8}" type="datetimeFigureOut">
               <a:rPr lang="en-US" smtClean="0"/>
-              <a:t>12/09/18</a:t>
+              <a:t>16/09/18</a:t>
             </a:fld>
             <a:endParaRPr lang="en-US"/>
           </a:p>
@@ -640,7 +647,7 @@
           <a:p>
             <a:fld id="{159055E4-D836-F04A-ADB3-053F5949DAC8}" type="datetimeFigureOut">
               <a:rPr lang="en-US" smtClean="0"/>
-              <a:t>12/09/18</a:t>
+              <a:t>16/09/18</a:t>
             </a:fld>
             <a:endParaRPr lang="en-US"/>
           </a:p>
@@ -810,7 +817,7 @@
           <a:p>
             <a:fld id="{159055E4-D836-F04A-ADB3-053F5949DAC8}" type="datetimeFigureOut">
               <a:rPr lang="en-US" smtClean="0"/>
-              <a:t>12/09/18</a:t>
+              <a:t>16/09/18</a:t>
             </a:fld>
             <a:endParaRPr lang="en-US"/>
           </a:p>
@@ -1056,7 +1063,7 @@
           <a:p>
             <a:fld id="{159055E4-D836-F04A-ADB3-053F5949DAC8}" type="datetimeFigureOut">
               <a:rPr lang="en-US" smtClean="0"/>
-              <a:t>12/09/18</a:t>
+              <a:t>16/09/18</a:t>
             </a:fld>
             <a:endParaRPr lang="en-US"/>
           </a:p>
@@ -1344,7 +1351,7 @@
           <a:p>
             <a:fld id="{159055E4-D836-F04A-ADB3-053F5949DAC8}" type="datetimeFigureOut">
               <a:rPr lang="en-US" smtClean="0"/>
-              <a:t>12/09/18</a:t>
+              <a:t>16/09/18</a:t>
             </a:fld>
             <a:endParaRPr lang="en-US"/>
           </a:p>
@@ -1766,7 +1773,7 @@
           <a:p>
             <a:fld id="{159055E4-D836-F04A-ADB3-053F5949DAC8}" type="datetimeFigureOut">
               <a:rPr lang="en-US" smtClean="0"/>
-              <a:t>12/09/18</a:t>
+              <a:t>16/09/18</a:t>
             </a:fld>
             <a:endParaRPr lang="en-US"/>
           </a:p>
@@ -1884,7 +1891,7 @@
           <a:p>
             <a:fld id="{159055E4-D836-F04A-ADB3-053F5949DAC8}" type="datetimeFigureOut">
               <a:rPr lang="en-US" smtClean="0"/>
-              <a:t>12/09/18</a:t>
+              <a:t>16/09/18</a:t>
             </a:fld>
             <a:endParaRPr lang="en-US"/>
           </a:p>
@@ -1979,7 +1986,7 @@
           <a:p>
             <a:fld id="{159055E4-D836-F04A-ADB3-053F5949DAC8}" type="datetimeFigureOut">
               <a:rPr lang="en-US" smtClean="0"/>
-              <a:t>12/09/18</a:t>
+              <a:t>16/09/18</a:t>
             </a:fld>
             <a:endParaRPr lang="en-US"/>
           </a:p>
@@ -2256,7 +2263,7 @@
           <a:p>
             <a:fld id="{159055E4-D836-F04A-ADB3-053F5949DAC8}" type="datetimeFigureOut">
               <a:rPr lang="en-US" smtClean="0"/>
-              <a:t>12/09/18</a:t>
+              <a:t>16/09/18</a:t>
             </a:fld>
             <a:endParaRPr lang="en-US"/>
           </a:p>
@@ -2509,7 +2516,7 @@
           <a:p>
             <a:fld id="{159055E4-D836-F04A-ADB3-053F5949DAC8}" type="datetimeFigureOut">
               <a:rPr lang="en-US" smtClean="0"/>
-              <a:t>12/09/18</a:t>
+              <a:t>16/09/18</a:t>
             </a:fld>
             <a:endParaRPr lang="en-US"/>
           </a:p>
@@ -2722,7 +2729,7 @@
           <a:p>
             <a:fld id="{159055E4-D836-F04A-ADB3-053F5949DAC8}" type="datetimeFigureOut">
               <a:rPr lang="en-US" smtClean="0"/>
-              <a:t>12/09/18</a:t>
+              <a:t>16/09/18</a:t>
             </a:fld>
             <a:endParaRPr lang="en-US"/>
           </a:p>
@@ -3183,6 +3190,78 @@
 </p:sld>
 </file>
 
+<file path=ppt/slides/slide10.xml><?xml version="1.0" encoding="utf-8"?>
+<p:sld xmlns:a="http://schemas.openxmlformats.org/drawingml/2006/main" xmlns:r="http://schemas.openxmlformats.org/officeDocument/2006/relationships" xmlns:p="http://schemas.openxmlformats.org/presentationml/2006/main">
+  <p:cSld>
+    <p:spTree>
+      <p:nvGrpSpPr>
+        <p:cNvPr id="1" name=""/>
+        <p:cNvGrpSpPr/>
+        <p:nvPr/>
+      </p:nvGrpSpPr>
+      <p:grpSpPr>
+        <a:xfrm>
+          <a:off x="0" y="0"/>
+          <a:ext cx="0" cy="0"/>
+          <a:chOff x="0" y="0"/>
+          <a:chExt cx="0" cy="0"/>
+        </a:xfrm>
+      </p:grpSpPr>
+      <p:sp>
+        <p:nvSpPr>
+          <p:cNvPr id="2" name="Title 1"/>
+          <p:cNvSpPr>
+            <a:spLocks noGrp="1"/>
+          </p:cNvSpPr>
+          <p:nvPr>
+            <p:ph type="title"/>
+          </p:nvPr>
+        </p:nvSpPr>
+        <p:spPr/>
+        <p:txBody>
+          <a:bodyPr/>
+          <a:lstStyle/>
+          <a:p>
+            <a:r>
+              <a:rPr lang="en-US" dirty="0" err="1" smtClean="0"/>
+              <a:t>Recipee</a:t>
+            </a:r>
+            <a:endParaRPr lang="en-US" dirty="0"/>
+          </a:p>
+        </p:txBody>
+      </p:sp>
+      <p:sp>
+        <p:nvSpPr>
+          <p:cNvPr id="3" name="Content Placeholder 2"/>
+          <p:cNvSpPr>
+            <a:spLocks noGrp="1"/>
+          </p:cNvSpPr>
+          <p:nvPr>
+            <p:ph idx="1"/>
+          </p:nvPr>
+        </p:nvSpPr>
+        <p:spPr/>
+        <p:txBody>
+          <a:bodyPr/>
+          <a:lstStyle/>
+          <a:p>
+            <a:endParaRPr lang="en-US" dirty="0"/>
+          </a:p>
+        </p:txBody>
+      </p:sp>
+    </p:spTree>
+    <p:extLst>
+      <p:ext uri="{BB962C8B-B14F-4D97-AF65-F5344CB8AC3E}">
+        <p14:creationId xmlns:p14="http://schemas.microsoft.com/office/powerpoint/2010/main" val="3701016152"/>
+      </p:ext>
+    </p:extLst>
+  </p:cSld>
+  <p:clrMapOvr>
+    <a:masterClrMapping/>
+  </p:clrMapOvr>
+</p:sld>
+</file>
+
 <file path=ppt/slides/slide2.xml><?xml version="1.0" encoding="utf-8"?>
 <p:sld xmlns:a="http://schemas.openxmlformats.org/drawingml/2006/main" xmlns:r="http://schemas.openxmlformats.org/officeDocument/2006/relationships" xmlns:p="http://schemas.openxmlformats.org/presentationml/2006/main">
   <p:cSld>
@@ -3210,7 +3289,12 @@
             <p:ph type="title"/>
           </p:nvPr>
         </p:nvSpPr>
-        <p:spPr/>
+        <p:spPr>
+          <a:xfrm>
+            <a:off x="325828" y="-41836"/>
+            <a:ext cx="8229600" cy="1143000"/>
+          </a:xfrm>
+        </p:spPr>
         <p:txBody>
           <a:bodyPr/>
           <a:lstStyle/>
@@ -3225,7 +3309,7 @@
       </p:sp>
       <p:sp>
         <p:nvSpPr>
-          <p:cNvPr id="5" name="Content Placeholder 4"/>
+          <p:cNvPr id="3" name="Content Placeholder 2"/>
           <p:cNvSpPr>
             <a:spLocks noGrp="1"/>
           </p:cNvSpPr>
@@ -3233,64 +3317,439 @@
             <p:ph idx="1"/>
           </p:nvPr>
         </p:nvSpPr>
-        <p:spPr/>
+        <p:spPr>
+          <a:xfrm>
+            <a:off x="457200" y="1101164"/>
+            <a:ext cx="8229600" cy="2209192"/>
+          </a:xfrm>
+        </p:spPr>
         <p:txBody>
           <a:bodyPr>
-            <a:normAutofit lnSpcReduction="10000"/>
+            <a:normAutofit fontScale="92500" lnSpcReduction="20000"/>
           </a:bodyPr>
           <a:lstStyle/>
           <a:p>
             <a:r>
               <a:rPr lang="en-US" dirty="0" smtClean="0"/>
-              <a:t>Review some basic concepts (time series, anomaly, </a:t>
-            </a:r>
-            <a:r>
-              <a:rPr lang="en-US" dirty="0" err="1" smtClean="0"/>
-              <a:t>stationarity</a:t>
-            </a:r>
-            <a:r>
-              <a:rPr lang="en-US" dirty="0" smtClean="0"/>
-              <a:t>)</a:t>
-            </a:r>
-          </a:p>
-          <a:p>
-            <a:endParaRPr lang="en-US" dirty="0"/>
-          </a:p>
-          <a:p>
-            <a:r>
-              <a:rPr lang="en-US" dirty="0" smtClean="0"/>
-              <a:t>Discus the types of anomalies typically found in </a:t>
-            </a:r>
-            <a:r>
-              <a:rPr lang="en-US" dirty="0" err="1" smtClean="0"/>
+              <a:t>Concept review:</a:t>
+            </a:r>
+          </a:p>
+          <a:p>
+            <a:pPr lvl="1"/>
+            <a:r>
+              <a:rPr lang="en-US" sz="2000" dirty="0" smtClean="0"/>
+              <a:t>Types of </a:t>
+            </a:r>
+            <a:r>
+              <a:rPr lang="en-US" sz="2000" dirty="0" err="1" smtClean="0"/>
               <a:t>timeseries</a:t>
             </a:r>
             <a:r>
-              <a:rPr lang="en-US" dirty="0" smtClean="0"/>
-              <a:t> data (article studies three forms).</a:t>
-            </a:r>
-          </a:p>
-          <a:p>
-            <a:endParaRPr lang="en-US" dirty="0"/>
-          </a:p>
-          <a:p>
-            <a:r>
-              <a:rPr lang="en-US" dirty="0" smtClean="0"/>
-              <a:t>Suggests three algorithms to identify these anomalies.</a:t>
-            </a:r>
-          </a:p>
-          <a:p>
-            <a:endParaRPr lang="en-US" dirty="0"/>
-          </a:p>
-          <a:p>
-            <a:endParaRPr lang="en-US" dirty="0"/>
+              <a:rPr lang="en-US" sz="2000" dirty="0" smtClean="0"/>
+              <a:t> observations (single/multi </a:t>
+            </a:r>
+            <a:r>
+              <a:rPr lang="en-US" sz="2000" dirty="0" err="1" smtClean="0"/>
+              <a:t>variate</a:t>
+            </a:r>
+            <a:r>
+              <a:rPr lang="en-US" sz="2000" dirty="0" smtClean="0"/>
+              <a:t>, batch, streams)</a:t>
+            </a:r>
+          </a:p>
+          <a:p>
+            <a:pPr lvl="1"/>
+            <a:r>
+              <a:rPr lang="en-US" sz="2000" dirty="0" smtClean="0"/>
+              <a:t>Types of anomalies (single contextual anomalous points, clusters of anomalies within single time series, or entire anomalous time series in multivariate data)</a:t>
+            </a:r>
+          </a:p>
+          <a:p>
+            <a:pPr lvl="1"/>
+            <a:r>
+              <a:rPr lang="en-US" sz="2000" dirty="0" smtClean="0"/>
+              <a:t>Review of extreme value distributions</a:t>
+            </a:r>
+          </a:p>
+          <a:p>
+            <a:pPr lvl="1"/>
+            <a:r>
+              <a:rPr lang="en-US" sz="2000" dirty="0" smtClean="0"/>
+              <a:t>draw backs of previous models </a:t>
+            </a:r>
+          </a:p>
+          <a:p>
+            <a:pPr marL="457200" lvl="1" indent="0">
+              <a:buNone/>
+            </a:pPr>
+            <a:endParaRPr lang="en-US" sz="2000" dirty="0"/>
+          </a:p>
+        </p:txBody>
+      </p:sp>
+      <p:sp>
+        <p:nvSpPr>
+          <p:cNvPr id="4" name="Content Placeholder 2"/>
+          <p:cNvSpPr txBox="1">
+            <a:spLocks/>
+          </p:cNvSpPr>
+          <p:nvPr/>
+        </p:nvSpPr>
+        <p:spPr>
+          <a:xfrm>
+            <a:off x="457200" y="5316305"/>
+            <a:ext cx="8229600" cy="2209192"/>
+          </a:xfrm>
+          <a:prstGeom prst="rect">
+            <a:avLst/>
+          </a:prstGeom>
+        </p:spPr>
+        <p:txBody>
+          <a:bodyPr vert="horz" lIns="91440" tIns="45720" rIns="91440" bIns="45720" rtlCol="0">
+            <a:normAutofit/>
+          </a:bodyPr>
+          <a:lstStyle>
+            <a:lvl1pPr marL="342900" indent="-342900" algn="l" defTabSz="457200" rtl="0" eaLnBrk="1" latinLnBrk="0" hangingPunct="1">
+              <a:spcBef>
+                <a:spcPct val="20000"/>
+              </a:spcBef>
+              <a:buFont typeface="Arial"/>
+              <a:buChar char="•"/>
+              <a:defRPr sz="3200" kern="1200">
+                <a:solidFill>
+                  <a:schemeClr val="tx1"/>
+                </a:solidFill>
+                <a:latin typeface="+mn-lt"/>
+                <a:ea typeface="+mn-ea"/>
+                <a:cs typeface="+mn-cs"/>
+              </a:defRPr>
+            </a:lvl1pPr>
+            <a:lvl2pPr marL="742950" indent="-285750" algn="l" defTabSz="457200" rtl="0" eaLnBrk="1" latinLnBrk="0" hangingPunct="1">
+              <a:spcBef>
+                <a:spcPct val="20000"/>
+              </a:spcBef>
+              <a:buFont typeface="Arial"/>
+              <a:buChar char="–"/>
+              <a:defRPr sz="2800" kern="1200">
+                <a:solidFill>
+                  <a:schemeClr val="tx1"/>
+                </a:solidFill>
+                <a:latin typeface="+mn-lt"/>
+                <a:ea typeface="+mn-ea"/>
+                <a:cs typeface="+mn-cs"/>
+              </a:defRPr>
+            </a:lvl2pPr>
+            <a:lvl3pPr marL="1143000" indent="-228600" algn="l" defTabSz="457200" rtl="0" eaLnBrk="1" latinLnBrk="0" hangingPunct="1">
+              <a:spcBef>
+                <a:spcPct val="20000"/>
+              </a:spcBef>
+              <a:buFont typeface="Arial"/>
+              <a:buChar char="•"/>
+              <a:defRPr sz="2400" kern="1200">
+                <a:solidFill>
+                  <a:schemeClr val="tx1"/>
+                </a:solidFill>
+                <a:latin typeface="+mn-lt"/>
+                <a:ea typeface="+mn-ea"/>
+                <a:cs typeface="+mn-cs"/>
+              </a:defRPr>
+            </a:lvl3pPr>
+            <a:lvl4pPr marL="1600200" indent="-228600" algn="l" defTabSz="457200" rtl="0" eaLnBrk="1" latinLnBrk="0" hangingPunct="1">
+              <a:spcBef>
+                <a:spcPct val="20000"/>
+              </a:spcBef>
+              <a:buFont typeface="Arial"/>
+              <a:buChar char="–"/>
+              <a:defRPr sz="2000" kern="1200">
+                <a:solidFill>
+                  <a:schemeClr val="tx1"/>
+                </a:solidFill>
+                <a:latin typeface="+mn-lt"/>
+                <a:ea typeface="+mn-ea"/>
+                <a:cs typeface="+mn-cs"/>
+              </a:defRPr>
+            </a:lvl4pPr>
+            <a:lvl5pPr marL="2057400" indent="-228600" algn="l" defTabSz="457200" rtl="0" eaLnBrk="1" latinLnBrk="0" hangingPunct="1">
+              <a:spcBef>
+                <a:spcPct val="20000"/>
+              </a:spcBef>
+              <a:buFont typeface="Arial"/>
+              <a:buChar char="»"/>
+              <a:defRPr sz="2000" kern="1200">
+                <a:solidFill>
+                  <a:schemeClr val="tx1"/>
+                </a:solidFill>
+                <a:latin typeface="+mn-lt"/>
+                <a:ea typeface="+mn-ea"/>
+                <a:cs typeface="+mn-cs"/>
+              </a:defRPr>
+            </a:lvl5pPr>
+            <a:lvl6pPr marL="2514600" indent="-228600" algn="l" defTabSz="457200" rtl="0" eaLnBrk="1" latinLnBrk="0" hangingPunct="1">
+              <a:spcBef>
+                <a:spcPct val="20000"/>
+              </a:spcBef>
+              <a:buFont typeface="Arial"/>
+              <a:buChar char="•"/>
+              <a:defRPr sz="2000" kern="1200">
+                <a:solidFill>
+                  <a:schemeClr val="tx1"/>
+                </a:solidFill>
+                <a:latin typeface="+mn-lt"/>
+                <a:ea typeface="+mn-ea"/>
+                <a:cs typeface="+mn-cs"/>
+              </a:defRPr>
+            </a:lvl6pPr>
+            <a:lvl7pPr marL="2971800" indent="-228600" algn="l" defTabSz="457200" rtl="0" eaLnBrk="1" latinLnBrk="0" hangingPunct="1">
+              <a:spcBef>
+                <a:spcPct val="20000"/>
+              </a:spcBef>
+              <a:buFont typeface="Arial"/>
+              <a:buChar char="•"/>
+              <a:defRPr sz="2000" kern="1200">
+                <a:solidFill>
+                  <a:schemeClr val="tx1"/>
+                </a:solidFill>
+                <a:latin typeface="+mn-lt"/>
+                <a:ea typeface="+mn-ea"/>
+                <a:cs typeface="+mn-cs"/>
+              </a:defRPr>
+            </a:lvl7pPr>
+            <a:lvl8pPr marL="3429000" indent="-228600" algn="l" defTabSz="457200" rtl="0" eaLnBrk="1" latinLnBrk="0" hangingPunct="1">
+              <a:spcBef>
+                <a:spcPct val="20000"/>
+              </a:spcBef>
+              <a:buFont typeface="Arial"/>
+              <a:buChar char="•"/>
+              <a:defRPr sz="2000" kern="1200">
+                <a:solidFill>
+                  <a:schemeClr val="tx1"/>
+                </a:solidFill>
+                <a:latin typeface="+mn-lt"/>
+                <a:ea typeface="+mn-ea"/>
+                <a:cs typeface="+mn-cs"/>
+              </a:defRPr>
+            </a:lvl8pPr>
+            <a:lvl9pPr marL="3886200" indent="-228600" algn="l" defTabSz="457200" rtl="0" eaLnBrk="1" latinLnBrk="0" hangingPunct="1">
+              <a:spcBef>
+                <a:spcPct val="20000"/>
+              </a:spcBef>
+              <a:buFont typeface="Arial"/>
+              <a:buChar char="•"/>
+              <a:defRPr sz="2000" kern="1200">
+                <a:solidFill>
+                  <a:schemeClr val="tx1"/>
+                </a:solidFill>
+                <a:latin typeface="+mn-lt"/>
+                <a:ea typeface="+mn-ea"/>
+                <a:cs typeface="+mn-cs"/>
+              </a:defRPr>
+            </a:lvl9pPr>
+          </a:lstStyle>
+          <a:p>
+            <a:r>
+              <a:rPr lang="en-US" sz="2800" dirty="0" smtClean="0"/>
+              <a:t>Performance testing on synthetic observations</a:t>
+            </a:r>
+            <a:endParaRPr lang="en-US" sz="1800" dirty="0" smtClean="0"/>
+          </a:p>
+          <a:p>
+            <a:pPr marL="457200" lvl="1" indent="0">
+              <a:buFont typeface="Arial"/>
+              <a:buNone/>
+            </a:pPr>
+            <a:endParaRPr lang="en-US" sz="1800" dirty="0" smtClean="0"/>
+          </a:p>
+        </p:txBody>
+      </p:sp>
+      <p:sp>
+        <p:nvSpPr>
+          <p:cNvPr id="5" name="Content Placeholder 2"/>
+          <p:cNvSpPr txBox="1">
+            <a:spLocks/>
+          </p:cNvSpPr>
+          <p:nvPr/>
+        </p:nvSpPr>
+        <p:spPr>
+          <a:xfrm>
+            <a:off x="609600" y="3566867"/>
+            <a:ext cx="8229600" cy="1534215"/>
+          </a:xfrm>
+          <a:prstGeom prst="rect">
+            <a:avLst/>
+          </a:prstGeom>
+        </p:spPr>
+        <p:txBody>
+          <a:bodyPr vert="horz" lIns="91440" tIns="45720" rIns="91440" bIns="45720" rtlCol="0">
+            <a:normAutofit/>
+          </a:bodyPr>
+          <a:lstStyle>
+            <a:lvl1pPr marL="342900" indent="-342900" algn="l" defTabSz="457200" rtl="0" eaLnBrk="1" latinLnBrk="0" hangingPunct="1">
+              <a:spcBef>
+                <a:spcPct val="20000"/>
+              </a:spcBef>
+              <a:buFont typeface="Arial"/>
+              <a:buChar char="•"/>
+              <a:defRPr sz="3200" kern="1200">
+                <a:solidFill>
+                  <a:schemeClr val="tx1"/>
+                </a:solidFill>
+                <a:latin typeface="+mn-lt"/>
+                <a:ea typeface="+mn-ea"/>
+                <a:cs typeface="+mn-cs"/>
+              </a:defRPr>
+            </a:lvl1pPr>
+            <a:lvl2pPr marL="742950" indent="-285750" algn="l" defTabSz="457200" rtl="0" eaLnBrk="1" latinLnBrk="0" hangingPunct="1">
+              <a:spcBef>
+                <a:spcPct val="20000"/>
+              </a:spcBef>
+              <a:buFont typeface="Arial"/>
+              <a:buChar char="–"/>
+              <a:defRPr sz="2800" kern="1200">
+                <a:solidFill>
+                  <a:schemeClr val="tx1"/>
+                </a:solidFill>
+                <a:latin typeface="+mn-lt"/>
+                <a:ea typeface="+mn-ea"/>
+                <a:cs typeface="+mn-cs"/>
+              </a:defRPr>
+            </a:lvl2pPr>
+            <a:lvl3pPr marL="1143000" indent="-228600" algn="l" defTabSz="457200" rtl="0" eaLnBrk="1" latinLnBrk="0" hangingPunct="1">
+              <a:spcBef>
+                <a:spcPct val="20000"/>
+              </a:spcBef>
+              <a:buFont typeface="Arial"/>
+              <a:buChar char="•"/>
+              <a:defRPr sz="2400" kern="1200">
+                <a:solidFill>
+                  <a:schemeClr val="tx1"/>
+                </a:solidFill>
+                <a:latin typeface="+mn-lt"/>
+                <a:ea typeface="+mn-ea"/>
+                <a:cs typeface="+mn-cs"/>
+              </a:defRPr>
+            </a:lvl3pPr>
+            <a:lvl4pPr marL="1600200" indent="-228600" algn="l" defTabSz="457200" rtl="0" eaLnBrk="1" latinLnBrk="0" hangingPunct="1">
+              <a:spcBef>
+                <a:spcPct val="20000"/>
+              </a:spcBef>
+              <a:buFont typeface="Arial"/>
+              <a:buChar char="–"/>
+              <a:defRPr sz="2000" kern="1200">
+                <a:solidFill>
+                  <a:schemeClr val="tx1"/>
+                </a:solidFill>
+                <a:latin typeface="+mn-lt"/>
+                <a:ea typeface="+mn-ea"/>
+                <a:cs typeface="+mn-cs"/>
+              </a:defRPr>
+            </a:lvl4pPr>
+            <a:lvl5pPr marL="2057400" indent="-228600" algn="l" defTabSz="457200" rtl="0" eaLnBrk="1" latinLnBrk="0" hangingPunct="1">
+              <a:spcBef>
+                <a:spcPct val="20000"/>
+              </a:spcBef>
+              <a:buFont typeface="Arial"/>
+              <a:buChar char="»"/>
+              <a:defRPr sz="2000" kern="1200">
+                <a:solidFill>
+                  <a:schemeClr val="tx1"/>
+                </a:solidFill>
+                <a:latin typeface="+mn-lt"/>
+                <a:ea typeface="+mn-ea"/>
+                <a:cs typeface="+mn-cs"/>
+              </a:defRPr>
+            </a:lvl5pPr>
+            <a:lvl6pPr marL="2514600" indent="-228600" algn="l" defTabSz="457200" rtl="0" eaLnBrk="1" latinLnBrk="0" hangingPunct="1">
+              <a:spcBef>
+                <a:spcPct val="20000"/>
+              </a:spcBef>
+              <a:buFont typeface="Arial"/>
+              <a:buChar char="•"/>
+              <a:defRPr sz="2000" kern="1200">
+                <a:solidFill>
+                  <a:schemeClr val="tx1"/>
+                </a:solidFill>
+                <a:latin typeface="+mn-lt"/>
+                <a:ea typeface="+mn-ea"/>
+                <a:cs typeface="+mn-cs"/>
+              </a:defRPr>
+            </a:lvl6pPr>
+            <a:lvl7pPr marL="2971800" indent="-228600" algn="l" defTabSz="457200" rtl="0" eaLnBrk="1" latinLnBrk="0" hangingPunct="1">
+              <a:spcBef>
+                <a:spcPct val="20000"/>
+              </a:spcBef>
+              <a:buFont typeface="Arial"/>
+              <a:buChar char="•"/>
+              <a:defRPr sz="2000" kern="1200">
+                <a:solidFill>
+                  <a:schemeClr val="tx1"/>
+                </a:solidFill>
+                <a:latin typeface="+mn-lt"/>
+                <a:ea typeface="+mn-ea"/>
+                <a:cs typeface="+mn-cs"/>
+              </a:defRPr>
+            </a:lvl7pPr>
+            <a:lvl8pPr marL="3429000" indent="-228600" algn="l" defTabSz="457200" rtl="0" eaLnBrk="1" latinLnBrk="0" hangingPunct="1">
+              <a:spcBef>
+                <a:spcPct val="20000"/>
+              </a:spcBef>
+              <a:buFont typeface="Arial"/>
+              <a:buChar char="•"/>
+              <a:defRPr sz="2000" kern="1200">
+                <a:solidFill>
+                  <a:schemeClr val="tx1"/>
+                </a:solidFill>
+                <a:latin typeface="+mn-lt"/>
+                <a:ea typeface="+mn-ea"/>
+                <a:cs typeface="+mn-cs"/>
+              </a:defRPr>
+            </a:lvl8pPr>
+            <a:lvl9pPr marL="3886200" indent="-228600" algn="l" defTabSz="457200" rtl="0" eaLnBrk="1" latinLnBrk="0" hangingPunct="1">
+              <a:spcBef>
+                <a:spcPct val="20000"/>
+              </a:spcBef>
+              <a:buFont typeface="Arial"/>
+              <a:buChar char="•"/>
+              <a:defRPr sz="2000" kern="1200">
+                <a:solidFill>
+                  <a:schemeClr val="tx1"/>
+                </a:solidFill>
+                <a:latin typeface="+mn-lt"/>
+                <a:ea typeface="+mn-ea"/>
+                <a:cs typeface="+mn-cs"/>
+              </a:defRPr>
+            </a:lvl9pPr>
+          </a:lstStyle>
+          <a:p>
+            <a:r>
+              <a:rPr lang="en-US" sz="2800" dirty="0" smtClean="0"/>
+              <a:t>New algorithm for multivariate anomaly detection for time series streams:</a:t>
+            </a:r>
+          </a:p>
+          <a:p>
+            <a:pPr lvl="1"/>
+            <a:r>
+              <a:rPr lang="en-US" sz="1800" dirty="0" smtClean="0"/>
+              <a:t>Mathematical framework.</a:t>
+            </a:r>
+          </a:p>
+          <a:p>
+            <a:pPr marL="457200" lvl="1" indent="0">
+              <a:buNone/>
+            </a:pPr>
+            <a:endParaRPr lang="en-US" sz="1800" dirty="0" smtClean="0"/>
+          </a:p>
+          <a:p>
+            <a:pPr marL="457200" lvl="1" indent="0">
+              <a:buFont typeface="Arial"/>
+              <a:buNone/>
+            </a:pPr>
+            <a:endParaRPr lang="en-US" sz="1800" dirty="0" smtClean="0"/>
           </a:p>
         </p:txBody>
       </p:sp>
     </p:spTree>
     <p:extLst>
       <p:ext uri="{BB962C8B-B14F-4D97-AF65-F5344CB8AC3E}">
-        <p14:creationId xmlns:p14="http://schemas.microsoft.com/office/powerpoint/2010/main" val="2851200968"/>
+        <p14:creationId xmlns:p14="http://schemas.microsoft.com/office/powerpoint/2010/main" val="28602671"/>
       </p:ext>
     </p:extLst>
   </p:cSld>
@@ -3339,7 +3798,7 @@
         </p:blipFill>
         <p:spPr>
           <a:xfrm>
-            <a:off x="0" y="0"/>
+            <a:off x="0" y="1369114"/>
             <a:ext cx="9144000" cy="5488886"/>
           </a:xfrm>
           <a:prstGeom prst="rect">
@@ -3347,6 +3806,36 @@
           </a:prstGeom>
         </p:spPr>
       </p:pic>
+      <p:sp>
+        <p:nvSpPr>
+          <p:cNvPr id="2" name="TextBox 1"/>
+          <p:cNvSpPr txBox="1"/>
+          <p:nvPr/>
+        </p:nvSpPr>
+        <p:spPr>
+          <a:xfrm>
+            <a:off x="1029076" y="197038"/>
+            <a:ext cx="7269220" cy="584776"/>
+          </a:xfrm>
+          <a:prstGeom prst="rect">
+            <a:avLst/>
+          </a:prstGeom>
+          <a:noFill/>
+        </p:spPr>
+        <p:txBody>
+          <a:bodyPr wrap="square" rtlCol="0">
+            <a:spAutoFit/>
+          </a:bodyPr>
+          <a:lstStyle/>
+          <a:p>
+            <a:r>
+              <a:rPr lang="en-US" sz="3200" dirty="0" smtClean="0"/>
+              <a:t>Types of time series data and anomalies</a:t>
+            </a:r>
+            <a:endParaRPr lang="en-US" sz="3200" dirty="0"/>
+          </a:p>
+        </p:txBody>
+      </p:sp>
     </p:spTree>
     <p:extLst>
       <p:ext uri="{BB962C8B-B14F-4D97-AF65-F5344CB8AC3E}">
@@ -3357,6 +3846,1362 @@
   <p:clrMapOvr>
     <a:masterClrMapping/>
   </p:clrMapOvr>
+</p:sld>
+</file>
+
+<file path=ppt/slides/slide4.xml><?xml version="1.0" encoding="utf-8"?>
+<p:sld xmlns:a="http://schemas.openxmlformats.org/drawingml/2006/main" xmlns:r="http://schemas.openxmlformats.org/officeDocument/2006/relationships" xmlns:p="http://schemas.openxmlformats.org/presentationml/2006/main">
+  <p:cSld>
+    <p:spTree>
+      <p:nvGrpSpPr>
+        <p:cNvPr id="1" name=""/>
+        <p:cNvGrpSpPr/>
+        <p:nvPr/>
+      </p:nvGrpSpPr>
+      <p:grpSpPr>
+        <a:xfrm>
+          <a:off x="0" y="0"/>
+          <a:ext cx="0" cy="0"/>
+          <a:chOff x="0" y="0"/>
+          <a:chExt cx="0" cy="0"/>
+        </a:xfrm>
+      </p:grpSpPr>
+      <p:pic>
+        <p:nvPicPr>
+          <p:cNvPr id="4" name="Picture 3" descr="Screen Shot 2018-09-16 at 14.16.10.png"/>
+          <p:cNvPicPr>
+            <a:picLocks noChangeAspect="1"/>
+          </p:cNvPicPr>
+          <p:nvPr/>
+        </p:nvPicPr>
+        <p:blipFill>
+          <a:blip r:embed="rId2">
+            <a:extLst>
+              <a:ext uri="{28A0092B-C50C-407E-A947-70E740481C1C}">
+                <a14:useLocalDpi xmlns:a14="http://schemas.microsoft.com/office/drawing/2010/main" val="0"/>
+              </a:ext>
+            </a:extLst>
+          </a:blip>
+          <a:stretch>
+            <a:fillRect/>
+          </a:stretch>
+        </p:blipFill>
+        <p:spPr>
+          <a:xfrm>
+            <a:off x="212601" y="1804899"/>
+            <a:ext cx="8561945" cy="5122373"/>
+          </a:xfrm>
+          <a:prstGeom prst="rect">
+            <a:avLst/>
+          </a:prstGeom>
+        </p:spPr>
+      </p:pic>
+      <p:sp>
+        <p:nvSpPr>
+          <p:cNvPr id="5" name="TextBox 4"/>
+          <p:cNvSpPr txBox="1"/>
+          <p:nvPr/>
+        </p:nvSpPr>
+        <p:spPr>
+          <a:xfrm>
+            <a:off x="0" y="69605"/>
+            <a:ext cx="8793676" cy="1938992"/>
+          </a:xfrm>
+          <a:prstGeom prst="rect">
+            <a:avLst/>
+          </a:prstGeom>
+          <a:noFill/>
+        </p:spPr>
+        <p:txBody>
+          <a:bodyPr wrap="square" rtlCol="0">
+            <a:spAutoFit/>
+          </a:bodyPr>
+          <a:lstStyle/>
+          <a:p>
+            <a:pPr algn="ctr"/>
+            <a:r>
+              <a:rPr lang="en-US" sz="2400" dirty="0" smtClean="0"/>
+              <a:t>A new method to identify anomalous time-series use a feature space representation</a:t>
+            </a:r>
+          </a:p>
+          <a:p>
+            <a:endParaRPr lang="en-US" dirty="0"/>
+          </a:p>
+          <a:p>
+            <a:pPr marL="285750" indent="-285750">
+              <a:buFont typeface="Arial"/>
+              <a:buChar char="•"/>
+            </a:pPr>
+            <a:r>
+              <a:rPr lang="en-US" dirty="0" smtClean="0"/>
+              <a:t>Previous methods detect sudden changes of a single time-series relative to its nearest neighbors.  This is ok in the lower left picture but not in the lower right where anomalies are correlated across adjacent time series and evolve gradually. </a:t>
+            </a:r>
+            <a:endParaRPr lang="en-US" dirty="0"/>
+          </a:p>
+        </p:txBody>
+      </p:sp>
+    </p:spTree>
+    <p:extLst>
+      <p:ext uri="{BB962C8B-B14F-4D97-AF65-F5344CB8AC3E}">
+        <p14:creationId xmlns:p14="http://schemas.microsoft.com/office/powerpoint/2010/main" val="703529979"/>
+      </p:ext>
+    </p:extLst>
+  </p:cSld>
+  <p:clrMapOvr>
+    <a:masterClrMapping/>
+  </p:clrMapOvr>
+</p:sld>
+</file>
+
+<file path=ppt/slides/slide5.xml><?xml version="1.0" encoding="utf-8"?>
+<p:sld xmlns:a="http://schemas.openxmlformats.org/drawingml/2006/main" xmlns:r="http://schemas.openxmlformats.org/officeDocument/2006/relationships" xmlns:p="http://schemas.openxmlformats.org/presentationml/2006/main">
+  <p:cSld>
+    <p:spTree>
+      <p:nvGrpSpPr>
+        <p:cNvPr id="1" name=""/>
+        <p:cNvGrpSpPr/>
+        <p:nvPr/>
+      </p:nvGrpSpPr>
+      <p:grpSpPr>
+        <a:xfrm>
+          <a:off x="0" y="0"/>
+          <a:ext cx="0" cy="0"/>
+          <a:chOff x="0" y="0"/>
+          <a:chExt cx="0" cy="0"/>
+        </a:xfrm>
+      </p:grpSpPr>
+      <p:sp>
+        <p:nvSpPr>
+          <p:cNvPr id="2" name="Title 1"/>
+          <p:cNvSpPr>
+            <a:spLocks noGrp="1"/>
+          </p:cNvSpPr>
+          <p:nvPr>
+            <p:ph type="title"/>
+          </p:nvPr>
+        </p:nvSpPr>
+        <p:spPr>
+          <a:xfrm>
+            <a:off x="457200" y="-161637"/>
+            <a:ext cx="8229600" cy="1143000"/>
+          </a:xfrm>
+        </p:spPr>
+        <p:txBody>
+          <a:bodyPr/>
+          <a:lstStyle/>
+          <a:p>
+            <a:r>
+              <a:rPr lang="en-US" dirty="0" smtClean="0"/>
+              <a:t>Feature Space</a:t>
+            </a:r>
+            <a:endParaRPr lang="en-US" dirty="0"/>
+          </a:p>
+        </p:txBody>
+      </p:sp>
+      <p:sp>
+        <p:nvSpPr>
+          <p:cNvPr id="3" name="Content Placeholder 2"/>
+          <p:cNvSpPr>
+            <a:spLocks noGrp="1"/>
+          </p:cNvSpPr>
+          <p:nvPr>
+            <p:ph idx="1"/>
+          </p:nvPr>
+        </p:nvSpPr>
+        <p:spPr>
+          <a:xfrm>
+            <a:off x="457200" y="981363"/>
+            <a:ext cx="8229600" cy="4525963"/>
+          </a:xfrm>
+        </p:spPr>
+        <p:txBody>
+          <a:bodyPr>
+            <a:normAutofit/>
+          </a:bodyPr>
+          <a:lstStyle/>
+          <a:p>
+            <a:r>
+              <a:rPr lang="en-US" sz="2000" dirty="0" smtClean="0"/>
+              <a:t>A feature is a quantity measured for a single light curve that returns a single number (examples include the </a:t>
+            </a:r>
+            <a:r>
+              <a:rPr lang="en-US" sz="2000" b="1" dirty="0" smtClean="0"/>
+              <a:t>mean, variance, max/min, high-to-low-</a:t>
+            </a:r>
+            <a:r>
+              <a:rPr lang="en-US" sz="2000" b="1" dirty="0" err="1" smtClean="0"/>
+              <a:t>mean,lumpiness</a:t>
+            </a:r>
+            <a:r>
+              <a:rPr lang="en-US" sz="2000" dirty="0" smtClean="0"/>
+              <a:t> </a:t>
+            </a:r>
+            <a:r>
+              <a:rPr lang="en-US" sz="2000" dirty="0" err="1" smtClean="0"/>
+              <a:t>etc</a:t>
+            </a:r>
+            <a:r>
+              <a:rPr lang="en-US" sz="2000" dirty="0" smtClean="0"/>
+              <a:t>)</a:t>
+            </a:r>
+          </a:p>
+          <a:p>
+            <a:endParaRPr lang="en-US" sz="2000" dirty="0"/>
+          </a:p>
+          <a:p>
+            <a:r>
+              <a:rPr lang="en-US" sz="2000" dirty="0" smtClean="0"/>
+              <a:t>Computing M unique features for each time series in multivariate data returns an N x M matrix called a ‘feature matrix’.</a:t>
+            </a:r>
+          </a:p>
+          <a:p>
+            <a:pPr marL="0" indent="0">
+              <a:buNone/>
+            </a:pPr>
+            <a:endParaRPr lang="en-US" sz="2400" dirty="0"/>
+          </a:p>
+        </p:txBody>
+      </p:sp>
+      <p:pic>
+        <p:nvPicPr>
+          <p:cNvPr id="4" name="Picture 3" descr="Screen Shot 2018-09-16 at 14.23.34.png"/>
+          <p:cNvPicPr>
+            <a:picLocks noChangeAspect="1"/>
+          </p:cNvPicPr>
+          <p:nvPr/>
+        </p:nvPicPr>
+        <p:blipFill>
+          <a:blip r:embed="rId2">
+            <a:extLst>
+              <a:ext uri="{28A0092B-C50C-407E-A947-70E740481C1C}">
+                <a14:useLocalDpi xmlns:a14="http://schemas.microsoft.com/office/drawing/2010/main" val="0"/>
+              </a:ext>
+            </a:extLst>
+          </a:blip>
+          <a:stretch>
+            <a:fillRect/>
+          </a:stretch>
+        </p:blipFill>
+        <p:spPr>
+          <a:xfrm>
+            <a:off x="2540000" y="3303341"/>
+            <a:ext cx="6604000" cy="3554659"/>
+          </a:xfrm>
+          <a:prstGeom prst="rect">
+            <a:avLst/>
+          </a:prstGeom>
+        </p:spPr>
+      </p:pic>
+      <p:sp>
+        <p:nvSpPr>
+          <p:cNvPr id="5" name="TextBox 4"/>
+          <p:cNvSpPr txBox="1"/>
+          <p:nvPr/>
+        </p:nvSpPr>
+        <p:spPr>
+          <a:xfrm>
+            <a:off x="457200" y="3948543"/>
+            <a:ext cx="1736436" cy="2308324"/>
+          </a:xfrm>
+          <a:prstGeom prst="rect">
+            <a:avLst/>
+          </a:prstGeom>
+          <a:noFill/>
+        </p:spPr>
+        <p:txBody>
+          <a:bodyPr wrap="square" rtlCol="0">
+            <a:spAutoFit/>
+          </a:bodyPr>
+          <a:lstStyle/>
+          <a:p>
+            <a:pPr algn="ctr"/>
+            <a:r>
+              <a:rPr lang="en-US" i="1" dirty="0" smtClean="0"/>
+              <a:t>Example 100 x 8 feature matrix obtained from 100 time series using 9 features.</a:t>
+            </a:r>
+          </a:p>
+          <a:p>
+            <a:pPr algn="ctr"/>
+            <a:r>
+              <a:rPr lang="en-US" i="1" dirty="0" smtClean="0"/>
+              <a:t>uses ‘</a:t>
+            </a:r>
+            <a:r>
+              <a:rPr lang="en-US" i="1" dirty="0" err="1" smtClean="0"/>
+              <a:t>outrej_smooth</a:t>
+            </a:r>
+            <a:r>
+              <a:rPr lang="en-US" i="1" dirty="0" smtClean="0"/>
+              <a:t>’ routine</a:t>
+            </a:r>
+            <a:endParaRPr lang="en-US" i="1" dirty="0"/>
+          </a:p>
+        </p:txBody>
+      </p:sp>
+    </p:spTree>
+    <p:extLst>
+      <p:ext uri="{BB962C8B-B14F-4D97-AF65-F5344CB8AC3E}">
+        <p14:creationId xmlns:p14="http://schemas.microsoft.com/office/powerpoint/2010/main" val="4179838373"/>
+      </p:ext>
+    </p:extLst>
+  </p:cSld>
+  <p:clrMapOvr>
+    <a:masterClrMapping/>
+  </p:clrMapOvr>
+</p:sld>
+</file>
+
+<file path=ppt/slides/slide6.xml><?xml version="1.0" encoding="utf-8"?>
+<p:sld xmlns:a="http://schemas.openxmlformats.org/drawingml/2006/main" xmlns:r="http://schemas.openxmlformats.org/officeDocument/2006/relationships" xmlns:p="http://schemas.openxmlformats.org/presentationml/2006/main">
+  <p:cSld>
+    <p:spTree>
+      <p:nvGrpSpPr>
+        <p:cNvPr id="1" name=""/>
+        <p:cNvGrpSpPr/>
+        <p:nvPr/>
+      </p:nvGrpSpPr>
+      <p:grpSpPr>
+        <a:xfrm>
+          <a:off x="0" y="0"/>
+          <a:ext cx="0" cy="0"/>
+          <a:chOff x="0" y="0"/>
+          <a:chExt cx="0" cy="0"/>
+        </a:xfrm>
+      </p:grpSpPr>
+      <p:sp>
+        <p:nvSpPr>
+          <p:cNvPr id="4" name="Title 1"/>
+          <p:cNvSpPr>
+            <a:spLocks noGrp="1"/>
+          </p:cNvSpPr>
+          <p:nvPr>
+            <p:ph type="title"/>
+          </p:nvPr>
+        </p:nvSpPr>
+        <p:spPr>
+          <a:xfrm>
+            <a:off x="457200" y="-161637"/>
+            <a:ext cx="8229600" cy="1143000"/>
+          </a:xfrm>
+        </p:spPr>
+        <p:txBody>
+          <a:bodyPr/>
+          <a:lstStyle/>
+          <a:p>
+            <a:r>
+              <a:rPr lang="en-US" dirty="0" smtClean="0"/>
+              <a:t>Recipe</a:t>
+            </a:r>
+            <a:endParaRPr lang="en-US" dirty="0"/>
+          </a:p>
+        </p:txBody>
+      </p:sp>
+      <p:sp>
+        <p:nvSpPr>
+          <p:cNvPr id="5" name="TextBox 4"/>
+          <p:cNvSpPr txBox="1"/>
+          <p:nvPr/>
+        </p:nvSpPr>
+        <p:spPr>
+          <a:xfrm>
+            <a:off x="457200" y="981363"/>
+            <a:ext cx="8229600" cy="2308324"/>
+          </a:xfrm>
+          <a:prstGeom prst="rect">
+            <a:avLst/>
+          </a:prstGeom>
+          <a:noFill/>
+        </p:spPr>
+        <p:txBody>
+          <a:bodyPr wrap="square" rtlCol="0">
+            <a:spAutoFit/>
+          </a:bodyPr>
+          <a:lstStyle/>
+          <a:p>
+            <a:pPr marL="285750" indent="-285750">
+              <a:buFont typeface="Arial"/>
+              <a:buChar char="•"/>
+            </a:pPr>
+            <a:r>
+              <a:rPr lang="en-US" dirty="0" smtClean="0"/>
+              <a:t>Obtain a set of  </a:t>
+            </a:r>
+            <a:r>
+              <a:rPr lang="en-US" i="1" dirty="0" smtClean="0"/>
+              <a:t>N</a:t>
+            </a:r>
+            <a:r>
+              <a:rPr lang="en-US" dirty="0" smtClean="0"/>
+              <a:t> training </a:t>
+            </a:r>
+            <a:r>
+              <a:rPr lang="en-US" dirty="0" err="1" smtClean="0"/>
+              <a:t>timeseries</a:t>
+            </a:r>
+            <a:r>
+              <a:rPr lang="en-US" dirty="0" smtClean="0"/>
+              <a:t> free from anomalies.</a:t>
+            </a:r>
+          </a:p>
+          <a:p>
+            <a:pPr marL="285750" indent="-285750">
+              <a:buFont typeface="Arial"/>
+              <a:buChar char="•"/>
+            </a:pPr>
+            <a:endParaRPr lang="en-US" dirty="0"/>
+          </a:p>
+          <a:p>
+            <a:pPr marL="285750" indent="-285750">
+              <a:buFont typeface="Arial"/>
+              <a:buChar char="•"/>
+            </a:pPr>
+            <a:r>
+              <a:rPr lang="en-US" dirty="0" smtClean="0"/>
+              <a:t>Compute the N x M feature matrix and normalize (mean / </a:t>
+            </a:r>
+            <a:r>
+              <a:rPr lang="en-US" dirty="0" err="1" smtClean="0"/>
+              <a:t>rms</a:t>
+            </a:r>
+            <a:r>
+              <a:rPr lang="en-US" dirty="0" smtClean="0"/>
+              <a:t>).</a:t>
+            </a:r>
+          </a:p>
+          <a:p>
+            <a:pPr marL="285750" indent="-285750">
+              <a:buFont typeface="Arial"/>
+              <a:buChar char="•"/>
+            </a:pPr>
+            <a:endParaRPr lang="en-US" dirty="0"/>
+          </a:p>
+          <a:p>
+            <a:pPr marL="285750" indent="-285750">
+              <a:buFont typeface="Arial"/>
+              <a:buChar char="•"/>
+            </a:pPr>
+            <a:r>
+              <a:rPr lang="en-US" dirty="0" smtClean="0"/>
+              <a:t>The next step involves using </a:t>
+            </a:r>
+            <a:r>
+              <a:rPr lang="en-US" dirty="0" err="1" smtClean="0"/>
+              <a:t>kernal</a:t>
+            </a:r>
+            <a:r>
+              <a:rPr lang="en-US" dirty="0" smtClean="0"/>
+              <a:t> density estimation (KDE) to compute the most likely region in the feature space to find ‘good data’. This is difficult to do in an M dimensional sub-space, so Principal Component Analysis (PCA) is used to collapse this to a 2D problem.</a:t>
+            </a:r>
+            <a:endParaRPr lang="en-US" dirty="0"/>
+          </a:p>
+        </p:txBody>
+      </p:sp>
+      <p:pic>
+        <p:nvPicPr>
+          <p:cNvPr id="6" name="Picture 5" descr="Screen Shot 2018-09-16 at 14.32.59.png"/>
+          <p:cNvPicPr>
+            <a:picLocks noChangeAspect="1"/>
+          </p:cNvPicPr>
+          <p:nvPr/>
+        </p:nvPicPr>
+        <p:blipFill>
+          <a:blip r:embed="rId2">
+            <a:extLst>
+              <a:ext uri="{28A0092B-C50C-407E-A947-70E740481C1C}">
+                <a14:useLocalDpi xmlns:a14="http://schemas.microsoft.com/office/drawing/2010/main" val="0"/>
+              </a:ext>
+            </a:extLst>
+          </a:blip>
+          <a:stretch>
+            <a:fillRect/>
+          </a:stretch>
+        </p:blipFill>
+        <p:spPr>
+          <a:xfrm>
+            <a:off x="3031837" y="3289687"/>
+            <a:ext cx="5046615" cy="3568313"/>
+          </a:xfrm>
+          <a:prstGeom prst="rect">
+            <a:avLst/>
+          </a:prstGeom>
+        </p:spPr>
+      </p:pic>
+      <p:sp>
+        <p:nvSpPr>
+          <p:cNvPr id="7" name="TextBox 6"/>
+          <p:cNvSpPr txBox="1"/>
+          <p:nvPr/>
+        </p:nvSpPr>
+        <p:spPr>
+          <a:xfrm>
+            <a:off x="734291" y="3948543"/>
+            <a:ext cx="1736436" cy="2308324"/>
+          </a:xfrm>
+          <a:prstGeom prst="rect">
+            <a:avLst/>
+          </a:prstGeom>
+          <a:noFill/>
+        </p:spPr>
+        <p:txBody>
+          <a:bodyPr wrap="square" rtlCol="0">
+            <a:spAutoFit/>
+          </a:bodyPr>
+          <a:lstStyle/>
+          <a:p>
+            <a:pPr algn="ctr"/>
+            <a:r>
+              <a:rPr lang="en-US" i="1" dirty="0" smtClean="0"/>
+              <a:t>Example PCA 2D feature space obtained from 100 time series using 9 features.</a:t>
+            </a:r>
+          </a:p>
+          <a:p>
+            <a:pPr algn="ctr"/>
+            <a:r>
+              <a:rPr lang="en-US" i="1" dirty="0"/>
+              <a:t>U</a:t>
+            </a:r>
+            <a:r>
+              <a:rPr lang="en-US" i="1" dirty="0" smtClean="0"/>
+              <a:t>ses ‘</a:t>
+            </a:r>
+            <a:r>
+              <a:rPr lang="en-US" i="1" dirty="0" err="1" smtClean="0"/>
+              <a:t>outrej_smooth</a:t>
+            </a:r>
+            <a:r>
+              <a:rPr lang="en-US" i="1" dirty="0" smtClean="0"/>
+              <a:t>’ routine</a:t>
+            </a:r>
+            <a:endParaRPr lang="en-US" i="1" dirty="0"/>
+          </a:p>
+        </p:txBody>
+      </p:sp>
+    </p:spTree>
+    <p:extLst>
+      <p:ext uri="{BB962C8B-B14F-4D97-AF65-F5344CB8AC3E}">
+        <p14:creationId xmlns:p14="http://schemas.microsoft.com/office/powerpoint/2010/main" val="2519397413"/>
+      </p:ext>
+    </p:extLst>
+  </p:cSld>
+  <p:clrMapOvr>
+    <a:masterClrMapping/>
+  </p:clrMapOvr>
+</p:sld>
+</file>
+
+<file path=ppt/slides/slide7.xml><?xml version="1.0" encoding="utf-8"?>
+<p:sld xmlns:a="http://schemas.openxmlformats.org/drawingml/2006/main" xmlns:r="http://schemas.openxmlformats.org/officeDocument/2006/relationships" xmlns:p="http://schemas.openxmlformats.org/presentationml/2006/main">
+  <p:cSld>
+    <p:spTree>
+      <p:nvGrpSpPr>
+        <p:cNvPr id="1" name=""/>
+        <p:cNvGrpSpPr/>
+        <p:nvPr/>
+      </p:nvGrpSpPr>
+      <p:grpSpPr>
+        <a:xfrm>
+          <a:off x="0" y="0"/>
+          <a:ext cx="0" cy="0"/>
+          <a:chOff x="0" y="0"/>
+          <a:chExt cx="0" cy="0"/>
+        </a:xfrm>
+      </p:grpSpPr>
+      <p:sp>
+        <p:nvSpPr>
+          <p:cNvPr id="2" name="Title 1"/>
+          <p:cNvSpPr>
+            <a:spLocks noGrp="1"/>
+          </p:cNvSpPr>
+          <p:nvPr>
+            <p:ph type="title"/>
+          </p:nvPr>
+        </p:nvSpPr>
+        <p:spPr>
+          <a:xfrm>
+            <a:off x="457200" y="-279546"/>
+            <a:ext cx="8229600" cy="1143000"/>
+          </a:xfrm>
+        </p:spPr>
+        <p:txBody>
+          <a:bodyPr/>
+          <a:lstStyle/>
+          <a:p>
+            <a:r>
+              <a:rPr lang="en-US" dirty="0" smtClean="0"/>
+              <a:t>Recipe</a:t>
+            </a:r>
+            <a:r>
+              <a:rPr lang="mr-IN" dirty="0" smtClean="0"/>
+              <a:t>…</a:t>
+            </a:r>
+            <a:r>
+              <a:rPr lang="en-GB" dirty="0" smtClean="0"/>
+              <a:t> continued </a:t>
+            </a:r>
+            <a:endParaRPr lang="en-US" dirty="0"/>
+          </a:p>
+        </p:txBody>
+      </p:sp>
+      <p:sp>
+        <p:nvSpPr>
+          <p:cNvPr id="3" name="Content Placeholder 2"/>
+          <p:cNvSpPr>
+            <a:spLocks noGrp="1"/>
+          </p:cNvSpPr>
+          <p:nvPr>
+            <p:ph idx="1"/>
+          </p:nvPr>
+        </p:nvSpPr>
+        <p:spPr>
+          <a:xfrm>
+            <a:off x="0" y="699652"/>
+            <a:ext cx="9144000" cy="4525963"/>
+          </a:xfrm>
+        </p:spPr>
+        <p:txBody>
+          <a:bodyPr/>
+          <a:lstStyle/>
+          <a:p>
+            <a:r>
+              <a:rPr lang="en-US" sz="2000" dirty="0" smtClean="0"/>
+              <a:t>Identify a desired confidence interval (</a:t>
+            </a:r>
+            <a:r>
+              <a:rPr lang="en-US" sz="2000" dirty="0" err="1" smtClean="0"/>
+              <a:t>e.g</a:t>
+            </a:r>
+            <a:r>
+              <a:rPr lang="en-US" sz="2000" dirty="0" smtClean="0"/>
+              <a:t> </a:t>
+            </a:r>
+            <a:r>
+              <a:rPr lang="en-US" sz="2000" i="1" dirty="0" smtClean="0"/>
+              <a:t>F</a:t>
+            </a:r>
+            <a:r>
+              <a:rPr lang="en-US" sz="2000" i="1" baseline="-25000" dirty="0" smtClean="0"/>
+              <a:t>C</a:t>
+            </a:r>
+            <a:r>
+              <a:rPr lang="en-US" sz="2000" dirty="0" smtClean="0"/>
+              <a:t> = 0.99) as the region encompassing a fraction </a:t>
+            </a:r>
+            <a:r>
+              <a:rPr lang="en-US" sz="2000" i="1" dirty="0" smtClean="0"/>
+              <a:t>F</a:t>
+            </a:r>
+            <a:r>
+              <a:rPr lang="en-US" sz="2000" i="1" baseline="-25000" dirty="0" smtClean="0"/>
+              <a:t>c</a:t>
+            </a:r>
+            <a:r>
+              <a:rPr lang="en-US" sz="2000" dirty="0"/>
+              <a:t> </a:t>
+            </a:r>
+            <a:r>
+              <a:rPr lang="en-US" sz="2000" dirty="0" smtClean="0"/>
+              <a:t>of good points assuming the training data is representative of the true feature space behavior).</a:t>
+            </a:r>
+          </a:p>
+          <a:p>
+            <a:endParaRPr lang="en-US" sz="2000" dirty="0"/>
+          </a:p>
+          <a:p>
+            <a:r>
+              <a:rPr lang="en-US" sz="2000" dirty="0" smtClean="0"/>
+              <a:t>New data is then transformed into the same 2D PCA feature space and a </a:t>
+            </a:r>
+            <a:r>
+              <a:rPr lang="en-US" sz="2000" dirty="0" err="1" smtClean="0"/>
+              <a:t>timeseries</a:t>
+            </a:r>
+            <a:r>
+              <a:rPr lang="en-US" sz="2000" dirty="0" smtClean="0"/>
+              <a:t> is flagged as ‘outlying’ if it is outside the </a:t>
+            </a:r>
+            <a:r>
+              <a:rPr lang="en-US" sz="2000" i="1" dirty="0" smtClean="0"/>
+              <a:t>F</a:t>
+            </a:r>
+            <a:r>
+              <a:rPr lang="en-US" sz="2000" i="1" baseline="-25000" dirty="0" smtClean="0"/>
+              <a:t>c</a:t>
+            </a:r>
+            <a:r>
+              <a:rPr lang="en-US" sz="2000" dirty="0" smtClean="0"/>
+              <a:t> confidence region.</a:t>
+            </a:r>
+            <a:endParaRPr lang="en-US" sz="2000" dirty="0"/>
+          </a:p>
+          <a:p>
+            <a:endParaRPr lang="en-US" dirty="0"/>
+          </a:p>
+        </p:txBody>
+      </p:sp>
+      <p:pic>
+        <p:nvPicPr>
+          <p:cNvPr id="5" name="Picture 4" descr="Screen Shot 2018-09-16 at 14.33.12.png"/>
+          <p:cNvPicPr>
+            <a:picLocks noChangeAspect="1"/>
+          </p:cNvPicPr>
+          <p:nvPr/>
+        </p:nvPicPr>
+        <p:blipFill>
+          <a:blip r:embed="rId2">
+            <a:extLst>
+              <a:ext uri="{28A0092B-C50C-407E-A947-70E740481C1C}">
+                <a14:useLocalDpi xmlns:a14="http://schemas.microsoft.com/office/drawing/2010/main" val="0"/>
+              </a:ext>
+            </a:extLst>
+          </a:blip>
+          <a:stretch>
+            <a:fillRect/>
+          </a:stretch>
+        </p:blipFill>
+        <p:spPr>
+          <a:xfrm>
+            <a:off x="3037614" y="2747819"/>
+            <a:ext cx="5542545" cy="4174260"/>
+          </a:xfrm>
+          <a:prstGeom prst="rect">
+            <a:avLst/>
+          </a:prstGeom>
+        </p:spPr>
+      </p:pic>
+      <p:sp>
+        <p:nvSpPr>
+          <p:cNvPr id="6" name="TextBox 5"/>
+          <p:cNvSpPr txBox="1"/>
+          <p:nvPr/>
+        </p:nvSpPr>
+        <p:spPr>
+          <a:xfrm>
+            <a:off x="457200" y="3486725"/>
+            <a:ext cx="2580414" cy="2308324"/>
+          </a:xfrm>
+          <a:prstGeom prst="rect">
+            <a:avLst/>
+          </a:prstGeom>
+          <a:noFill/>
+        </p:spPr>
+        <p:txBody>
+          <a:bodyPr wrap="square" rtlCol="0">
+            <a:spAutoFit/>
+          </a:bodyPr>
+          <a:lstStyle/>
+          <a:p>
+            <a:pPr algn="ctr"/>
+            <a:r>
+              <a:rPr lang="en-US" i="1" dirty="0" smtClean="0"/>
+              <a:t>New streamed data is transformed into the PCA </a:t>
+            </a:r>
+            <a:r>
+              <a:rPr lang="en-US" i="1" dirty="0" err="1" smtClean="0"/>
+              <a:t>sapce</a:t>
+            </a:r>
+            <a:r>
+              <a:rPr lang="en-US" i="1" dirty="0" smtClean="0"/>
+              <a:t> and time series outside the confidence region are flagged as outliers</a:t>
+            </a:r>
+          </a:p>
+          <a:p>
+            <a:pPr algn="ctr"/>
+            <a:r>
+              <a:rPr lang="en-US" i="1" dirty="0" smtClean="0"/>
+              <a:t>Uses ‘</a:t>
+            </a:r>
+            <a:r>
+              <a:rPr lang="en-US" i="1" dirty="0" err="1" smtClean="0"/>
+              <a:t>outrej_smooth</a:t>
+            </a:r>
+            <a:r>
+              <a:rPr lang="en-US" i="1" dirty="0" smtClean="0"/>
+              <a:t>’ routine</a:t>
+            </a:r>
+            <a:endParaRPr lang="en-US" i="1" dirty="0"/>
+          </a:p>
+        </p:txBody>
+      </p:sp>
+    </p:spTree>
+    <p:extLst>
+      <p:ext uri="{BB962C8B-B14F-4D97-AF65-F5344CB8AC3E}">
+        <p14:creationId xmlns:p14="http://schemas.microsoft.com/office/powerpoint/2010/main" val="2752651670"/>
+      </p:ext>
+    </p:extLst>
+  </p:cSld>
+  <p:clrMapOvr>
+    <a:masterClrMapping/>
+  </p:clrMapOvr>
+  <p:timing>
+    <p:tnLst>
+      <p:par>
+        <p:cTn xmlns:p14="http://schemas.microsoft.com/office/powerpoint/2010/main" id="1" dur="indefinite" restart="never" nodeType="tmRoot"/>
+      </p:par>
+    </p:tnLst>
+  </p:timing>
+</p:sld>
+</file>
+
+<file path=ppt/slides/slide8.xml><?xml version="1.0" encoding="utf-8"?>
+<p:sld xmlns:a="http://schemas.openxmlformats.org/drawingml/2006/main" xmlns:r="http://schemas.openxmlformats.org/officeDocument/2006/relationships" xmlns:p="http://schemas.openxmlformats.org/presentationml/2006/main">
+  <p:cSld>
+    <p:spTree>
+      <p:nvGrpSpPr>
+        <p:cNvPr id="1" name=""/>
+        <p:cNvGrpSpPr/>
+        <p:nvPr/>
+      </p:nvGrpSpPr>
+      <p:grpSpPr>
+        <a:xfrm>
+          <a:off x="0" y="0"/>
+          <a:ext cx="0" cy="0"/>
+          <a:chOff x="0" y="0"/>
+          <a:chExt cx="0" cy="0"/>
+        </a:xfrm>
+      </p:grpSpPr>
+      <p:sp>
+        <p:nvSpPr>
+          <p:cNvPr id="2" name="Title 1"/>
+          <p:cNvSpPr>
+            <a:spLocks noGrp="1"/>
+          </p:cNvSpPr>
+          <p:nvPr>
+            <p:ph type="title"/>
+          </p:nvPr>
+        </p:nvSpPr>
+        <p:spPr/>
+        <p:txBody>
+          <a:bodyPr/>
+          <a:lstStyle/>
+          <a:p>
+            <a:r>
+              <a:rPr lang="en-US" dirty="0" smtClean="0"/>
+              <a:t>“</a:t>
+            </a:r>
+            <a:r>
+              <a:rPr lang="en-US" dirty="0" err="1" smtClean="0"/>
+              <a:t>outrej</a:t>
+            </a:r>
+            <a:r>
+              <a:rPr lang="en-US" dirty="0" smtClean="0"/>
+              <a:t> _smooth” full example</a:t>
+            </a:r>
+            <a:endParaRPr lang="en-US" dirty="0"/>
+          </a:p>
+        </p:txBody>
+      </p:sp>
+      <p:sp>
+        <p:nvSpPr>
+          <p:cNvPr id="5" name="TextBox 4"/>
+          <p:cNvSpPr txBox="1"/>
+          <p:nvPr/>
+        </p:nvSpPr>
+        <p:spPr>
+          <a:xfrm>
+            <a:off x="5564909" y="1727745"/>
+            <a:ext cx="2817091" cy="369332"/>
+          </a:xfrm>
+          <a:prstGeom prst="rect">
+            <a:avLst/>
+          </a:prstGeom>
+          <a:noFill/>
+        </p:spPr>
+        <p:txBody>
+          <a:bodyPr wrap="square" rtlCol="0">
+            <a:spAutoFit/>
+          </a:bodyPr>
+          <a:lstStyle/>
+          <a:p>
+            <a:pPr algn="ctr"/>
+            <a:r>
+              <a:rPr lang="en-US" b="1" dirty="0" smtClean="0"/>
+              <a:t>PCA feature space</a:t>
+            </a:r>
+            <a:endParaRPr lang="en-US" b="1" dirty="0"/>
+          </a:p>
+        </p:txBody>
+      </p:sp>
+      <p:sp>
+        <p:nvSpPr>
+          <p:cNvPr id="7" name="TextBox 6"/>
+          <p:cNvSpPr txBox="1"/>
+          <p:nvPr/>
+        </p:nvSpPr>
+        <p:spPr>
+          <a:xfrm>
+            <a:off x="194235" y="1712804"/>
+            <a:ext cx="4422589" cy="923330"/>
+          </a:xfrm>
+          <a:prstGeom prst="rect">
+            <a:avLst/>
+          </a:prstGeom>
+          <a:noFill/>
+        </p:spPr>
+        <p:txBody>
+          <a:bodyPr wrap="square" rtlCol="0">
+            <a:spAutoFit/>
+          </a:bodyPr>
+          <a:lstStyle/>
+          <a:p>
+            <a:pPr algn="ctr"/>
+            <a:r>
+              <a:rPr lang="en-US" b="1" dirty="0" smtClean="0"/>
+              <a:t>Test time series</a:t>
+            </a:r>
+          </a:p>
+          <a:p>
+            <a:pPr algn="ctr"/>
+            <a:r>
+              <a:rPr lang="en-US" dirty="0" smtClean="0"/>
+              <a:t>Gaussian background with 2D Gaussian ‘hump’ at 600 days</a:t>
+            </a:r>
+            <a:endParaRPr lang="en-US" dirty="0"/>
+          </a:p>
+        </p:txBody>
+      </p:sp>
+      <p:grpSp>
+        <p:nvGrpSpPr>
+          <p:cNvPr id="9" name="Group 8"/>
+          <p:cNvGrpSpPr/>
+          <p:nvPr/>
+        </p:nvGrpSpPr>
+        <p:grpSpPr>
+          <a:xfrm>
+            <a:off x="0" y="2586181"/>
+            <a:ext cx="5170088" cy="3388728"/>
+            <a:chOff x="0" y="2586181"/>
+            <a:chExt cx="5170088" cy="3388728"/>
+          </a:xfrm>
+        </p:grpSpPr>
+        <p:pic>
+          <p:nvPicPr>
+            <p:cNvPr id="6" name="Picture 5" descr="Screen Shot 2018-09-16 at 14.47.40.png"/>
+            <p:cNvPicPr>
+              <a:picLocks noChangeAspect="1"/>
+            </p:cNvPicPr>
+            <p:nvPr/>
+          </p:nvPicPr>
+          <p:blipFill>
+            <a:blip r:embed="rId2">
+              <a:extLst>
+                <a:ext uri="{28A0092B-C50C-407E-A947-70E740481C1C}">
+                  <a14:useLocalDpi xmlns:a14="http://schemas.microsoft.com/office/drawing/2010/main" val="0"/>
+                </a:ext>
+              </a:extLst>
+            </a:blip>
+            <a:stretch>
+              <a:fillRect/>
+            </a:stretch>
+          </p:blipFill>
+          <p:spPr>
+            <a:xfrm>
+              <a:off x="0" y="2586181"/>
+              <a:ext cx="5170088" cy="3388728"/>
+            </a:xfrm>
+            <a:prstGeom prst="rect">
+              <a:avLst/>
+            </a:prstGeom>
+          </p:spPr>
+        </p:pic>
+        <p:pic>
+          <p:nvPicPr>
+            <p:cNvPr id="8" name="Picture 7" descr="Screen Shot 2018-09-16 at 14.47.40.png"/>
+            <p:cNvPicPr>
+              <a:picLocks noChangeAspect="1"/>
+            </p:cNvPicPr>
+            <p:nvPr/>
+          </p:nvPicPr>
+          <p:blipFill rotWithShape="1">
+            <a:blip r:embed="rId2">
+              <a:extLst>
+                <a:ext uri="{28A0092B-C50C-407E-A947-70E740481C1C}">
+                  <a14:useLocalDpi xmlns:a14="http://schemas.microsoft.com/office/drawing/2010/main" val="0"/>
+                </a:ext>
+              </a:extLst>
+            </a:blip>
+            <a:srcRect l="13131" t="23698" r="24788" b="65403"/>
+            <a:stretch/>
+          </p:blipFill>
+          <p:spPr>
+            <a:xfrm>
+              <a:off x="638918" y="3094181"/>
+              <a:ext cx="3339258" cy="371989"/>
+            </a:xfrm>
+            <a:prstGeom prst="rect">
+              <a:avLst/>
+            </a:prstGeom>
+          </p:spPr>
+        </p:pic>
+      </p:grpSp>
+      <p:pic>
+        <p:nvPicPr>
+          <p:cNvPr id="4" name="Picture 3" descr="Screen Shot 2018-09-16 at 14.33.12.png"/>
+          <p:cNvPicPr>
+            <a:picLocks noChangeAspect="1"/>
+          </p:cNvPicPr>
+          <p:nvPr/>
+        </p:nvPicPr>
+        <p:blipFill>
+          <a:blip r:embed="rId3">
+            <a:extLst>
+              <a:ext uri="{28A0092B-C50C-407E-A947-70E740481C1C}">
+                <a14:useLocalDpi xmlns:a14="http://schemas.microsoft.com/office/drawing/2010/main" val="0"/>
+              </a:ext>
+            </a:extLst>
+          </a:blip>
+          <a:stretch>
+            <a:fillRect/>
+          </a:stretch>
+        </p:blipFill>
+        <p:spPr>
+          <a:xfrm>
+            <a:off x="4826000" y="2601158"/>
+            <a:ext cx="4479637" cy="3373751"/>
+          </a:xfrm>
+          <a:prstGeom prst="rect">
+            <a:avLst/>
+          </a:prstGeom>
+        </p:spPr>
+      </p:pic>
+    </p:spTree>
+    <p:extLst>
+      <p:ext uri="{BB962C8B-B14F-4D97-AF65-F5344CB8AC3E}">
+        <p14:creationId xmlns:p14="http://schemas.microsoft.com/office/powerpoint/2010/main" val="1501222311"/>
+      </p:ext>
+    </p:extLst>
+  </p:cSld>
+  <p:clrMapOvr>
+    <a:masterClrMapping/>
+  </p:clrMapOvr>
+  <p:timing>
+    <p:tnLst>
+      <p:par>
+        <p:cTn xmlns:p14="http://schemas.microsoft.com/office/powerpoint/2010/main" id="1" dur="indefinite" restart="never" nodeType="tmRoot"/>
+      </p:par>
+    </p:tnLst>
+  </p:timing>
+</p:sld>
+</file>
+
+<file path=ppt/slides/slide9.xml><?xml version="1.0" encoding="utf-8"?>
+<p:sld xmlns:a="http://schemas.openxmlformats.org/drawingml/2006/main" xmlns:r="http://schemas.openxmlformats.org/officeDocument/2006/relationships" xmlns:p="http://schemas.openxmlformats.org/presentationml/2006/main">
+  <p:cSld>
+    <p:spTree>
+      <p:nvGrpSpPr>
+        <p:cNvPr id="1" name=""/>
+        <p:cNvGrpSpPr/>
+        <p:nvPr/>
+      </p:nvGrpSpPr>
+      <p:grpSpPr>
+        <a:xfrm>
+          <a:off x="0" y="0"/>
+          <a:ext cx="0" cy="0"/>
+          <a:chOff x="0" y="0"/>
+          <a:chExt cx="0" cy="0"/>
+        </a:xfrm>
+      </p:grpSpPr>
+      <p:sp>
+        <p:nvSpPr>
+          <p:cNvPr id="2" name="Title 1"/>
+          <p:cNvSpPr>
+            <a:spLocks noGrp="1"/>
+          </p:cNvSpPr>
+          <p:nvPr>
+            <p:ph type="title"/>
+          </p:nvPr>
+        </p:nvSpPr>
+        <p:spPr>
+          <a:xfrm>
+            <a:off x="457200" y="-281921"/>
+            <a:ext cx="8229600" cy="1143000"/>
+          </a:xfrm>
+        </p:spPr>
+        <p:txBody>
+          <a:bodyPr/>
+          <a:lstStyle/>
+          <a:p>
+            <a:r>
+              <a:rPr lang="en-US" dirty="0" smtClean="0"/>
+              <a:t>Accounting for Non-</a:t>
+            </a:r>
+            <a:r>
+              <a:rPr lang="en-US" dirty="0" err="1" smtClean="0"/>
+              <a:t>stationarity</a:t>
+            </a:r>
+            <a:endParaRPr lang="en-US" dirty="0"/>
+          </a:p>
+        </p:txBody>
+      </p:sp>
+      <p:pic>
+        <p:nvPicPr>
+          <p:cNvPr id="4" name="Picture 3" descr="Screen Shot 2018-09-16 at 14.57.17.png"/>
+          <p:cNvPicPr>
+            <a:picLocks noChangeAspect="1"/>
+          </p:cNvPicPr>
+          <p:nvPr/>
+        </p:nvPicPr>
+        <p:blipFill rotWithShape="1">
+          <a:blip r:embed="rId2">
+            <a:extLst>
+              <a:ext uri="{28A0092B-C50C-407E-A947-70E740481C1C}">
+                <a14:useLocalDpi xmlns:a14="http://schemas.microsoft.com/office/drawing/2010/main" val="0"/>
+              </a:ext>
+            </a:extLst>
+          </a:blip>
+          <a:srcRect l="8894" b="17942"/>
+          <a:stretch/>
+        </p:blipFill>
+        <p:spPr>
+          <a:xfrm>
+            <a:off x="4371787" y="2797922"/>
+            <a:ext cx="5027993" cy="2026957"/>
+          </a:xfrm>
+          <a:prstGeom prst="rect">
+            <a:avLst/>
+          </a:prstGeom>
+        </p:spPr>
+      </p:pic>
+      <p:sp>
+        <p:nvSpPr>
+          <p:cNvPr id="5" name="TextBox 4"/>
+          <p:cNvSpPr txBox="1"/>
+          <p:nvPr/>
+        </p:nvSpPr>
+        <p:spPr>
+          <a:xfrm>
+            <a:off x="29882" y="4077889"/>
+            <a:ext cx="4602943" cy="369332"/>
+          </a:xfrm>
+          <a:prstGeom prst="rect">
+            <a:avLst/>
+          </a:prstGeom>
+          <a:noFill/>
+        </p:spPr>
+        <p:txBody>
+          <a:bodyPr wrap="none" rtlCol="0">
+            <a:spAutoFit/>
+          </a:bodyPr>
+          <a:lstStyle/>
+          <a:p>
+            <a:r>
+              <a:rPr lang="en-US" dirty="0" smtClean="0"/>
+              <a:t>Non-</a:t>
+            </a:r>
+            <a:r>
+              <a:rPr lang="en-US" dirty="0" err="1" smtClean="0"/>
+              <a:t>stationarity</a:t>
+            </a:r>
+            <a:r>
+              <a:rPr lang="en-US" dirty="0" smtClean="0"/>
+              <a:t> develops gradually over time</a:t>
+            </a:r>
+            <a:endParaRPr lang="en-US" dirty="0"/>
+          </a:p>
+        </p:txBody>
+      </p:sp>
+      <p:pic>
+        <p:nvPicPr>
+          <p:cNvPr id="6" name="Picture 5" descr="Screen Shot 2018-09-16 at 14.58.29.png"/>
+          <p:cNvPicPr>
+            <a:picLocks noChangeAspect="1"/>
+          </p:cNvPicPr>
+          <p:nvPr/>
+        </p:nvPicPr>
+        <p:blipFill>
+          <a:blip r:embed="rId3">
+            <a:extLst>
+              <a:ext uri="{28A0092B-C50C-407E-A947-70E740481C1C}">
+                <a14:useLocalDpi xmlns:a14="http://schemas.microsoft.com/office/drawing/2010/main" val="0"/>
+              </a:ext>
+            </a:extLst>
+          </a:blip>
+          <a:stretch>
+            <a:fillRect/>
+          </a:stretch>
+        </p:blipFill>
+        <p:spPr>
+          <a:xfrm>
+            <a:off x="263404" y="4824879"/>
+            <a:ext cx="4852015" cy="2033121"/>
+          </a:xfrm>
+          <a:prstGeom prst="rect">
+            <a:avLst/>
+          </a:prstGeom>
+        </p:spPr>
+      </p:pic>
+      <p:sp>
+        <p:nvSpPr>
+          <p:cNvPr id="7" name="TextBox 6"/>
+          <p:cNvSpPr txBox="1"/>
+          <p:nvPr/>
+        </p:nvSpPr>
+        <p:spPr>
+          <a:xfrm>
+            <a:off x="5115419" y="5166373"/>
+            <a:ext cx="1903506" cy="369332"/>
+          </a:xfrm>
+          <a:prstGeom prst="rect">
+            <a:avLst/>
+          </a:prstGeom>
+          <a:noFill/>
+        </p:spPr>
+        <p:txBody>
+          <a:bodyPr wrap="square" rtlCol="0">
+            <a:spAutoFit/>
+          </a:bodyPr>
+          <a:lstStyle/>
+          <a:p>
+            <a:r>
+              <a:rPr lang="en-US" b="1" dirty="0" smtClean="0"/>
+              <a:t>Recurring</a:t>
+            </a:r>
+            <a:endParaRPr lang="en-US" b="1" dirty="0"/>
+          </a:p>
+        </p:txBody>
+      </p:sp>
+      <p:pic>
+        <p:nvPicPr>
+          <p:cNvPr id="8" name="Picture 7" descr="Screen Shot 2018-09-16 at 14.59.24.png"/>
+          <p:cNvPicPr>
+            <a:picLocks noChangeAspect="1"/>
+          </p:cNvPicPr>
+          <p:nvPr/>
+        </p:nvPicPr>
+        <p:blipFill>
+          <a:blip r:embed="rId4">
+            <a:extLst>
+              <a:ext uri="{28A0092B-C50C-407E-A947-70E740481C1C}">
+                <a14:useLocalDpi xmlns:a14="http://schemas.microsoft.com/office/drawing/2010/main" val="0"/>
+              </a:ext>
+            </a:extLst>
+          </a:blip>
+          <a:stretch>
+            <a:fillRect/>
+          </a:stretch>
+        </p:blipFill>
+        <p:spPr>
+          <a:xfrm>
+            <a:off x="29882" y="1223564"/>
+            <a:ext cx="4341905" cy="1794553"/>
+          </a:xfrm>
+          <a:prstGeom prst="rect">
+            <a:avLst/>
+          </a:prstGeom>
+        </p:spPr>
+      </p:pic>
+      <p:sp>
+        <p:nvSpPr>
+          <p:cNvPr id="9" name="TextBox 8"/>
+          <p:cNvSpPr txBox="1"/>
+          <p:nvPr/>
+        </p:nvSpPr>
+        <p:spPr>
+          <a:xfrm>
+            <a:off x="4371788" y="1169245"/>
+            <a:ext cx="4144684" cy="1477328"/>
+          </a:xfrm>
+          <a:prstGeom prst="rect">
+            <a:avLst/>
+          </a:prstGeom>
+          <a:noFill/>
+        </p:spPr>
+        <p:txBody>
+          <a:bodyPr wrap="square" rtlCol="0">
+            <a:spAutoFit/>
+          </a:bodyPr>
+          <a:lstStyle/>
+          <a:p>
+            <a:r>
+              <a:rPr lang="en-US" b="1" dirty="0" smtClean="0"/>
+              <a:t>Gradual</a:t>
+            </a:r>
+          </a:p>
+          <a:p>
+            <a:endParaRPr lang="en-US" dirty="0"/>
+          </a:p>
+          <a:p>
+            <a:r>
+              <a:rPr lang="en-US" dirty="0" smtClean="0"/>
+              <a:t>Small anomalies introduce themselves periodically and gradually increase in duration</a:t>
+            </a:r>
+            <a:endParaRPr lang="en-US" dirty="0"/>
+          </a:p>
+        </p:txBody>
+      </p:sp>
+      <p:sp>
+        <p:nvSpPr>
+          <p:cNvPr id="10" name="Rectangle 9"/>
+          <p:cNvSpPr/>
+          <p:nvPr/>
+        </p:nvSpPr>
+        <p:spPr>
+          <a:xfrm>
+            <a:off x="5100478" y="5595469"/>
+            <a:ext cx="3834346" cy="646331"/>
+          </a:xfrm>
+          <a:prstGeom prst="rect">
+            <a:avLst/>
+          </a:prstGeom>
+        </p:spPr>
+        <p:txBody>
+          <a:bodyPr wrap="square">
+            <a:spAutoFit/>
+          </a:bodyPr>
+          <a:lstStyle/>
+          <a:p>
+            <a:r>
+              <a:rPr lang="en-US" dirty="0"/>
+              <a:t>Sudden jumps occur before returning to the background level</a:t>
+            </a:r>
+            <a:endParaRPr lang="en-US" dirty="0"/>
+          </a:p>
+        </p:txBody>
+      </p:sp>
+      <p:sp>
+        <p:nvSpPr>
+          <p:cNvPr id="11" name="Rectangle 10"/>
+          <p:cNvSpPr/>
+          <p:nvPr/>
+        </p:nvSpPr>
+        <p:spPr>
+          <a:xfrm>
+            <a:off x="3151971" y="3613666"/>
+            <a:ext cx="1343449" cy="369332"/>
+          </a:xfrm>
+          <a:prstGeom prst="rect">
+            <a:avLst/>
+          </a:prstGeom>
+        </p:spPr>
+        <p:txBody>
+          <a:bodyPr wrap="none">
+            <a:spAutoFit/>
+          </a:bodyPr>
+          <a:lstStyle/>
+          <a:p>
+            <a:r>
+              <a:rPr lang="en-US" b="1" dirty="0"/>
+              <a:t>Incremental</a:t>
+            </a:r>
+          </a:p>
+        </p:txBody>
+      </p:sp>
+    </p:spTree>
+    <p:extLst>
+      <p:ext uri="{BB962C8B-B14F-4D97-AF65-F5344CB8AC3E}">
+        <p14:creationId xmlns:p14="http://schemas.microsoft.com/office/powerpoint/2010/main" val="2818327432"/>
+      </p:ext>
+    </p:extLst>
+  </p:cSld>
+  <p:clrMapOvr>
+    <a:masterClrMapping/>
+  </p:clrMapOvr>
+  <p:timing>
+    <p:tnLst>
+      <p:par>
+        <p:cTn xmlns:p14="http://schemas.microsoft.com/office/powerpoint/2010/main" id="1" dur="indefinite" restart="never" nodeType="tmRoot"/>
+      </p:par>
+    </p:tnLst>
+  </p:timing>
 </p:sld>
 </file>
 

--- a/outlier_detection/presentation_outlier_rejection.pptx
+++ b/outlier_detection/presentation_outlier_rejection.pptx
@@ -3226,6 +3226,14 @@
               <a:rPr lang="en-US" dirty="0" err="1" smtClean="0"/>
               <a:t>Recipee</a:t>
             </a:r>
+            <a:r>
+              <a:rPr lang="en-US" dirty="0" smtClean="0"/>
+              <a:t> Non-</a:t>
+            </a:r>
+            <a:r>
+              <a:rPr lang="en-US" smtClean="0"/>
+              <a:t>stationarity</a:t>
+            </a:r>
             <a:endParaRPr lang="en-US" dirty="0"/>
           </a:p>
         </p:txBody>
@@ -3242,10 +3250,56 @@
         </p:nvSpPr>
         <p:spPr/>
         <p:txBody>
-          <a:bodyPr/>
-          <a:lstStyle/>
-          <a:p>
-            <a:endParaRPr lang="en-US" dirty="0"/>
+          <a:bodyPr>
+            <a:noAutofit/>
+          </a:bodyPr>
+          <a:lstStyle/>
+          <a:p>
+            <a:r>
+              <a:rPr lang="en-US" sz="2000" dirty="0" smtClean="0"/>
+              <a:t>Define a window length </a:t>
+            </a:r>
+            <a:r>
+              <a:rPr lang="en-US" sz="2000" i="1" dirty="0" smtClean="0"/>
+              <a:t>w</a:t>
+            </a:r>
+            <a:r>
+              <a:rPr lang="en-US" sz="2000" dirty="0" smtClean="0"/>
+              <a:t>.</a:t>
+            </a:r>
+          </a:p>
+          <a:p>
+            <a:r>
+              <a:rPr lang="en-US" sz="2000" dirty="0" smtClean="0"/>
+              <a:t>Input the latest w epochs of training time series that are known to be free of outliers.</a:t>
+            </a:r>
+          </a:p>
+          <a:p>
+            <a:r>
+              <a:rPr lang="en-US" sz="2000" dirty="0" smtClean="0"/>
+              <a:t>Compare with the latest test set of new streamed time series (also </a:t>
+            </a:r>
+            <a:r>
+              <a:rPr lang="en-US" sz="2000" i="1" dirty="0" smtClean="0"/>
+              <a:t>w</a:t>
+            </a:r>
+            <a:r>
+              <a:rPr lang="en-US" sz="2000" dirty="0" smtClean="0"/>
+              <a:t> epochs).</a:t>
+            </a:r>
+          </a:p>
+          <a:p>
+            <a:r>
+              <a:rPr lang="en-US" sz="2000" dirty="0" smtClean="0"/>
+              <a:t>If more that ~50% of the new points in the 2D feature space lie outside the confidence region, we determine the model to have evolved and define a new background level based on the test time series.</a:t>
+            </a:r>
+          </a:p>
+          <a:p>
+            <a:r>
+              <a:rPr lang="en-US" sz="2000" dirty="0" smtClean="0"/>
+              <a:t>If less than 50% of points lie outside the confidence region, flag these as outliers and do not update the background behavior.</a:t>
+            </a:r>
+            <a:endParaRPr lang="en-US" sz="2000" dirty="0"/>
           </a:p>
         </p:txBody>
       </p:sp>

--- a/outlier_detection/presentation_outlier_rejection.pptx
+++ b/outlier_detection/presentation_outlier_rejection.pptx
@@ -4,6 +4,12 @@
   <p:sldMasterIdLst>
     <p:sldMasterId id="2147483648" r:id="rId1"/>
   </p:sldMasterIdLst>
+  <p:notesMasterIdLst>
+    <p:notesMasterId r:id="rId18"/>
+  </p:notesMasterIdLst>
+  <p:handoutMasterIdLst>
+    <p:handoutMasterId r:id="rId19"/>
+  </p:handoutMasterIdLst>
   <p:sldIdLst>
     <p:sldId id="256" r:id="rId2"/>
     <p:sldId id="259" r:id="rId3"/>
@@ -15,8 +21,14 @@
     <p:sldId id="264" r:id="rId9"/>
     <p:sldId id="265" r:id="rId10"/>
     <p:sldId id="266" r:id="rId11"/>
+    <p:sldId id="267" r:id="rId12"/>
+    <p:sldId id="268" r:id="rId13"/>
+    <p:sldId id="269" r:id="rId14"/>
+    <p:sldId id="270" r:id="rId15"/>
+    <p:sldId id="271" r:id="rId16"/>
+    <p:sldId id="273" r:id="rId17"/>
   </p:sldIdLst>
-  <p:sldSz cx="9144000" cy="6858000" type="screen4x3"/>
+  <p:sldSz cx="6858000" cy="9144000" type="screen4x3"/>
   <p:notesSz cx="6858000" cy="9144000"/>
   <p:defaultTextStyle>
     <a:defPPr>
@@ -116,6 +128,610 @@
 </p:presentation>
 </file>
 
+<file path=ppt/handoutMasters/handoutMaster1.xml><?xml version="1.0" encoding="utf-8"?>
+<p:handoutMaster xmlns:a="http://schemas.openxmlformats.org/drawingml/2006/main" xmlns:r="http://schemas.openxmlformats.org/officeDocument/2006/relationships" xmlns:p="http://schemas.openxmlformats.org/presentationml/2006/main">
+  <p:cSld>
+    <p:bg>
+      <p:bgRef idx="1001">
+        <a:schemeClr val="bg1"/>
+      </p:bgRef>
+    </p:bg>
+    <p:spTree>
+      <p:nvGrpSpPr>
+        <p:cNvPr id="1" name=""/>
+        <p:cNvGrpSpPr/>
+        <p:nvPr/>
+      </p:nvGrpSpPr>
+      <p:grpSpPr>
+        <a:xfrm>
+          <a:off x="0" y="0"/>
+          <a:ext cx="0" cy="0"/>
+          <a:chOff x="0" y="0"/>
+          <a:chExt cx="0" cy="0"/>
+        </a:xfrm>
+      </p:grpSpPr>
+      <p:sp>
+        <p:nvSpPr>
+          <p:cNvPr id="2" name="Header Placeholder 1"/>
+          <p:cNvSpPr>
+            <a:spLocks noGrp="1"/>
+          </p:cNvSpPr>
+          <p:nvPr>
+            <p:ph type="hdr" sz="quarter"/>
+          </p:nvPr>
+        </p:nvSpPr>
+        <p:spPr>
+          <a:xfrm>
+            <a:off x="0" y="0"/>
+            <a:ext cx="2971800" cy="457200"/>
+          </a:xfrm>
+          <a:prstGeom prst="rect">
+            <a:avLst/>
+          </a:prstGeom>
+        </p:spPr>
+        <p:txBody>
+          <a:bodyPr vert="horz" lIns="91440" tIns="45720" rIns="91440" bIns="45720" rtlCol="0"/>
+          <a:lstStyle>
+            <a:lvl1pPr algn="l">
+              <a:defRPr sz="1200"/>
+            </a:lvl1pPr>
+          </a:lstStyle>
+          <a:p>
+            <a:endParaRPr lang="en-US"/>
+          </a:p>
+        </p:txBody>
+      </p:sp>
+      <p:sp>
+        <p:nvSpPr>
+          <p:cNvPr id="3" name="Date Placeholder 2"/>
+          <p:cNvSpPr>
+            <a:spLocks noGrp="1"/>
+          </p:cNvSpPr>
+          <p:nvPr>
+            <p:ph type="dt" sz="quarter" idx="1"/>
+          </p:nvPr>
+        </p:nvSpPr>
+        <p:spPr>
+          <a:xfrm>
+            <a:off x="3884613" y="0"/>
+            <a:ext cx="2971800" cy="457200"/>
+          </a:xfrm>
+          <a:prstGeom prst="rect">
+            <a:avLst/>
+          </a:prstGeom>
+        </p:spPr>
+        <p:txBody>
+          <a:bodyPr vert="horz" lIns="91440" tIns="45720" rIns="91440" bIns="45720" rtlCol="0"/>
+          <a:lstStyle>
+            <a:lvl1pPr algn="r">
+              <a:defRPr sz="1200"/>
+            </a:lvl1pPr>
+          </a:lstStyle>
+          <a:p>
+            <a:fld id="{2D4E7F25-41A7-1242-A3A2-D958D7EA96F8}" type="datetimeFigureOut">
+              <a:rPr lang="en-US" smtClean="0"/>
+              <a:t>18/09/18</a:t>
+            </a:fld>
+            <a:endParaRPr lang="en-US"/>
+          </a:p>
+        </p:txBody>
+      </p:sp>
+      <p:sp>
+        <p:nvSpPr>
+          <p:cNvPr id="4" name="Footer Placeholder 3"/>
+          <p:cNvSpPr>
+            <a:spLocks noGrp="1"/>
+          </p:cNvSpPr>
+          <p:nvPr>
+            <p:ph type="ftr" sz="quarter" idx="2"/>
+          </p:nvPr>
+        </p:nvSpPr>
+        <p:spPr>
+          <a:xfrm>
+            <a:off x="0" y="8685213"/>
+            <a:ext cx="2971800" cy="457200"/>
+          </a:xfrm>
+          <a:prstGeom prst="rect">
+            <a:avLst/>
+          </a:prstGeom>
+        </p:spPr>
+        <p:txBody>
+          <a:bodyPr vert="horz" lIns="91440" tIns="45720" rIns="91440" bIns="45720" rtlCol="0" anchor="b"/>
+          <a:lstStyle>
+            <a:lvl1pPr algn="l">
+              <a:defRPr sz="1200"/>
+            </a:lvl1pPr>
+          </a:lstStyle>
+          <a:p>
+            <a:endParaRPr lang="en-US"/>
+          </a:p>
+        </p:txBody>
+      </p:sp>
+      <p:sp>
+        <p:nvSpPr>
+          <p:cNvPr id="5" name="Slide Number Placeholder 4"/>
+          <p:cNvSpPr>
+            <a:spLocks noGrp="1"/>
+          </p:cNvSpPr>
+          <p:nvPr>
+            <p:ph type="sldNum" sz="quarter" idx="3"/>
+          </p:nvPr>
+        </p:nvSpPr>
+        <p:spPr>
+          <a:xfrm>
+            <a:off x="3884613" y="8685213"/>
+            <a:ext cx="2971800" cy="457200"/>
+          </a:xfrm>
+          <a:prstGeom prst="rect">
+            <a:avLst/>
+          </a:prstGeom>
+        </p:spPr>
+        <p:txBody>
+          <a:bodyPr vert="horz" lIns="91440" tIns="45720" rIns="91440" bIns="45720" rtlCol="0" anchor="b"/>
+          <a:lstStyle>
+            <a:lvl1pPr algn="r">
+              <a:defRPr sz="1200"/>
+            </a:lvl1pPr>
+          </a:lstStyle>
+          <a:p>
+            <a:fld id="{4CA139C4-71A3-0E48-ABB9-7997AE51BE2A}" type="slidenum">
+              <a:rPr lang="en-US" smtClean="0"/>
+              <a:t>‹#›</a:t>
+            </a:fld>
+            <a:endParaRPr lang="en-US"/>
+          </a:p>
+        </p:txBody>
+      </p:sp>
+    </p:spTree>
+    <p:extLst>
+      <p:ext uri="{BB962C8B-B14F-4D97-AF65-F5344CB8AC3E}">
+        <p14:creationId xmlns:p14="http://schemas.microsoft.com/office/powerpoint/2010/main" val="2217489848"/>
+      </p:ext>
+    </p:extLst>
+  </p:cSld>
+  <p:clrMap bg1="lt1" tx1="dk1" bg2="lt2" tx2="dk2" accent1="accent1" accent2="accent2" accent3="accent3" accent4="accent4" accent5="accent5" accent6="accent6" hlink="hlink" folHlink="folHlink"/>
+</p:handoutMaster>
+</file>
+
+<file path=ppt/notesMasters/notesMaster1.xml><?xml version="1.0" encoding="utf-8"?>
+<p:notesMaster xmlns:a="http://schemas.openxmlformats.org/drawingml/2006/main" xmlns:r="http://schemas.openxmlformats.org/officeDocument/2006/relationships" xmlns:p="http://schemas.openxmlformats.org/presentationml/2006/main">
+  <p:cSld>
+    <p:bg>
+      <p:bgRef idx="1001">
+        <a:schemeClr val="bg1"/>
+      </p:bgRef>
+    </p:bg>
+    <p:spTree>
+      <p:nvGrpSpPr>
+        <p:cNvPr id="1" name=""/>
+        <p:cNvGrpSpPr/>
+        <p:nvPr/>
+      </p:nvGrpSpPr>
+      <p:grpSpPr>
+        <a:xfrm>
+          <a:off x="0" y="0"/>
+          <a:ext cx="0" cy="0"/>
+          <a:chOff x="0" y="0"/>
+          <a:chExt cx="0" cy="0"/>
+        </a:xfrm>
+      </p:grpSpPr>
+      <p:sp>
+        <p:nvSpPr>
+          <p:cNvPr id="2" name="Header Placeholder 1"/>
+          <p:cNvSpPr>
+            <a:spLocks noGrp="1"/>
+          </p:cNvSpPr>
+          <p:nvPr>
+            <p:ph type="hdr" sz="quarter"/>
+          </p:nvPr>
+        </p:nvSpPr>
+        <p:spPr>
+          <a:xfrm>
+            <a:off x="0" y="0"/>
+            <a:ext cx="2971800" cy="457200"/>
+          </a:xfrm>
+          <a:prstGeom prst="rect">
+            <a:avLst/>
+          </a:prstGeom>
+        </p:spPr>
+        <p:txBody>
+          <a:bodyPr vert="horz" lIns="91440" tIns="45720" rIns="91440" bIns="45720" rtlCol="0"/>
+          <a:lstStyle>
+            <a:lvl1pPr algn="l">
+              <a:defRPr sz="1200"/>
+            </a:lvl1pPr>
+          </a:lstStyle>
+          <a:p>
+            <a:endParaRPr lang="en-US"/>
+          </a:p>
+        </p:txBody>
+      </p:sp>
+      <p:sp>
+        <p:nvSpPr>
+          <p:cNvPr id="3" name="Date Placeholder 2"/>
+          <p:cNvSpPr>
+            <a:spLocks noGrp="1"/>
+          </p:cNvSpPr>
+          <p:nvPr>
+            <p:ph type="dt" idx="1"/>
+          </p:nvPr>
+        </p:nvSpPr>
+        <p:spPr>
+          <a:xfrm>
+            <a:off x="3884613" y="0"/>
+            <a:ext cx="2971800" cy="457200"/>
+          </a:xfrm>
+          <a:prstGeom prst="rect">
+            <a:avLst/>
+          </a:prstGeom>
+        </p:spPr>
+        <p:txBody>
+          <a:bodyPr vert="horz" lIns="91440" tIns="45720" rIns="91440" bIns="45720" rtlCol="0"/>
+          <a:lstStyle>
+            <a:lvl1pPr algn="r">
+              <a:defRPr sz="1200"/>
+            </a:lvl1pPr>
+          </a:lstStyle>
+          <a:p>
+            <a:fld id="{B5934A36-16B8-1D4C-8FAA-5C0D5155C18E}" type="datetimeFigureOut">
+              <a:rPr lang="en-US" smtClean="0"/>
+              <a:t>18/09/18</a:t>
+            </a:fld>
+            <a:endParaRPr lang="en-US"/>
+          </a:p>
+        </p:txBody>
+      </p:sp>
+      <p:sp>
+        <p:nvSpPr>
+          <p:cNvPr id="4" name="Slide Image Placeholder 3"/>
+          <p:cNvSpPr>
+            <a:spLocks noGrp="1" noRot="1" noChangeAspect="1"/>
+          </p:cNvSpPr>
+          <p:nvPr>
+            <p:ph type="sldImg" idx="2"/>
+          </p:nvPr>
+        </p:nvSpPr>
+        <p:spPr>
+          <a:xfrm>
+            <a:off x="2143125" y="685800"/>
+            <a:ext cx="2571750" cy="3429000"/>
+          </a:xfrm>
+          <a:prstGeom prst="rect">
+            <a:avLst/>
+          </a:prstGeom>
+          <a:noFill/>
+          <a:ln w="12700">
+            <a:solidFill>
+              <a:prstClr val="black"/>
+            </a:solidFill>
+          </a:ln>
+        </p:spPr>
+        <p:txBody>
+          <a:bodyPr vert="horz" lIns="91440" tIns="45720" rIns="91440" bIns="45720" rtlCol="0" anchor="ctr"/>
+          <a:lstStyle/>
+          <a:p>
+            <a:endParaRPr lang="en-US"/>
+          </a:p>
+        </p:txBody>
+      </p:sp>
+      <p:sp>
+        <p:nvSpPr>
+          <p:cNvPr id="5" name="Notes Placeholder 4"/>
+          <p:cNvSpPr>
+            <a:spLocks noGrp="1"/>
+          </p:cNvSpPr>
+          <p:nvPr>
+            <p:ph type="body" sz="quarter" idx="3"/>
+          </p:nvPr>
+        </p:nvSpPr>
+        <p:spPr>
+          <a:xfrm>
+            <a:off x="685800" y="4343400"/>
+            <a:ext cx="5486400" cy="4114800"/>
+          </a:xfrm>
+          <a:prstGeom prst="rect">
+            <a:avLst/>
+          </a:prstGeom>
+        </p:spPr>
+        <p:txBody>
+          <a:bodyPr vert="horz" lIns="91440" tIns="45720" rIns="91440" bIns="45720" rtlCol="0"/>
+          <a:lstStyle/>
+          <a:p>
+            <a:pPr lvl="0"/>
+            <a:r>
+              <a:rPr lang="en-GB" smtClean="0"/>
+              <a:t>Click to edit Master text styles</a:t>
+            </a:r>
+          </a:p>
+          <a:p>
+            <a:pPr lvl="1"/>
+            <a:r>
+              <a:rPr lang="en-GB" smtClean="0"/>
+              <a:t>Second level</a:t>
+            </a:r>
+          </a:p>
+          <a:p>
+            <a:pPr lvl="2"/>
+            <a:r>
+              <a:rPr lang="en-GB" smtClean="0"/>
+              <a:t>Third level</a:t>
+            </a:r>
+          </a:p>
+          <a:p>
+            <a:pPr lvl="3"/>
+            <a:r>
+              <a:rPr lang="en-GB" smtClean="0"/>
+              <a:t>Fourth level</a:t>
+            </a:r>
+          </a:p>
+          <a:p>
+            <a:pPr lvl="4"/>
+            <a:r>
+              <a:rPr lang="en-GB" smtClean="0"/>
+              <a:t>Fifth level</a:t>
+            </a:r>
+            <a:endParaRPr lang="en-US"/>
+          </a:p>
+        </p:txBody>
+      </p:sp>
+      <p:sp>
+        <p:nvSpPr>
+          <p:cNvPr id="6" name="Footer Placeholder 5"/>
+          <p:cNvSpPr>
+            <a:spLocks noGrp="1"/>
+          </p:cNvSpPr>
+          <p:nvPr>
+            <p:ph type="ftr" sz="quarter" idx="4"/>
+          </p:nvPr>
+        </p:nvSpPr>
+        <p:spPr>
+          <a:xfrm>
+            <a:off x="0" y="8685213"/>
+            <a:ext cx="2971800" cy="457200"/>
+          </a:xfrm>
+          <a:prstGeom prst="rect">
+            <a:avLst/>
+          </a:prstGeom>
+        </p:spPr>
+        <p:txBody>
+          <a:bodyPr vert="horz" lIns="91440" tIns="45720" rIns="91440" bIns="45720" rtlCol="0" anchor="b"/>
+          <a:lstStyle>
+            <a:lvl1pPr algn="l">
+              <a:defRPr sz="1200"/>
+            </a:lvl1pPr>
+          </a:lstStyle>
+          <a:p>
+            <a:endParaRPr lang="en-US"/>
+          </a:p>
+        </p:txBody>
+      </p:sp>
+      <p:sp>
+        <p:nvSpPr>
+          <p:cNvPr id="7" name="Slide Number Placeholder 6"/>
+          <p:cNvSpPr>
+            <a:spLocks noGrp="1"/>
+          </p:cNvSpPr>
+          <p:nvPr>
+            <p:ph type="sldNum" sz="quarter" idx="5"/>
+          </p:nvPr>
+        </p:nvSpPr>
+        <p:spPr>
+          <a:xfrm>
+            <a:off x="3884613" y="8685213"/>
+            <a:ext cx="2971800" cy="457200"/>
+          </a:xfrm>
+          <a:prstGeom prst="rect">
+            <a:avLst/>
+          </a:prstGeom>
+        </p:spPr>
+        <p:txBody>
+          <a:bodyPr vert="horz" lIns="91440" tIns="45720" rIns="91440" bIns="45720" rtlCol="0" anchor="b"/>
+          <a:lstStyle>
+            <a:lvl1pPr algn="r">
+              <a:defRPr sz="1200"/>
+            </a:lvl1pPr>
+          </a:lstStyle>
+          <a:p>
+            <a:fld id="{86E1379D-9F96-4F48-9245-AB5412FF70B7}" type="slidenum">
+              <a:rPr lang="en-US" smtClean="0"/>
+              <a:t>‹#›</a:t>
+            </a:fld>
+            <a:endParaRPr lang="en-US"/>
+          </a:p>
+        </p:txBody>
+      </p:sp>
+    </p:spTree>
+    <p:extLst>
+      <p:ext uri="{BB962C8B-B14F-4D97-AF65-F5344CB8AC3E}">
+        <p14:creationId xmlns:p14="http://schemas.microsoft.com/office/powerpoint/2010/main" val="1332976776"/>
+      </p:ext>
+    </p:extLst>
+  </p:cSld>
+  <p:clrMap bg1="lt1" tx1="dk1" bg2="lt2" tx2="dk2" accent1="accent1" accent2="accent2" accent3="accent3" accent4="accent4" accent5="accent5" accent6="accent6" hlink="hlink" folHlink="folHlink"/>
+  <p:notesStyle>
+    <a:lvl1pPr marL="0" algn="l" defTabSz="457200" rtl="0" eaLnBrk="1" latinLnBrk="0" hangingPunct="1">
+      <a:defRPr sz="1200" kern="1200">
+        <a:solidFill>
+          <a:schemeClr val="tx1"/>
+        </a:solidFill>
+        <a:latin typeface="+mn-lt"/>
+        <a:ea typeface="+mn-ea"/>
+        <a:cs typeface="+mn-cs"/>
+      </a:defRPr>
+    </a:lvl1pPr>
+    <a:lvl2pPr marL="457200" algn="l" defTabSz="457200" rtl="0" eaLnBrk="1" latinLnBrk="0" hangingPunct="1">
+      <a:defRPr sz="1200" kern="1200">
+        <a:solidFill>
+          <a:schemeClr val="tx1"/>
+        </a:solidFill>
+        <a:latin typeface="+mn-lt"/>
+        <a:ea typeface="+mn-ea"/>
+        <a:cs typeface="+mn-cs"/>
+      </a:defRPr>
+    </a:lvl2pPr>
+    <a:lvl3pPr marL="914400" algn="l" defTabSz="457200" rtl="0" eaLnBrk="1" latinLnBrk="0" hangingPunct="1">
+      <a:defRPr sz="1200" kern="1200">
+        <a:solidFill>
+          <a:schemeClr val="tx1"/>
+        </a:solidFill>
+        <a:latin typeface="+mn-lt"/>
+        <a:ea typeface="+mn-ea"/>
+        <a:cs typeface="+mn-cs"/>
+      </a:defRPr>
+    </a:lvl3pPr>
+    <a:lvl4pPr marL="1371600" algn="l" defTabSz="457200" rtl="0" eaLnBrk="1" latinLnBrk="0" hangingPunct="1">
+      <a:defRPr sz="1200" kern="1200">
+        <a:solidFill>
+          <a:schemeClr val="tx1"/>
+        </a:solidFill>
+        <a:latin typeface="+mn-lt"/>
+        <a:ea typeface="+mn-ea"/>
+        <a:cs typeface="+mn-cs"/>
+      </a:defRPr>
+    </a:lvl4pPr>
+    <a:lvl5pPr marL="1828800" algn="l" defTabSz="457200" rtl="0" eaLnBrk="1" latinLnBrk="0" hangingPunct="1">
+      <a:defRPr sz="1200" kern="1200">
+        <a:solidFill>
+          <a:schemeClr val="tx1"/>
+        </a:solidFill>
+        <a:latin typeface="+mn-lt"/>
+        <a:ea typeface="+mn-ea"/>
+        <a:cs typeface="+mn-cs"/>
+      </a:defRPr>
+    </a:lvl5pPr>
+    <a:lvl6pPr marL="2286000" algn="l" defTabSz="457200" rtl="0" eaLnBrk="1" latinLnBrk="0" hangingPunct="1">
+      <a:defRPr sz="1200" kern="1200">
+        <a:solidFill>
+          <a:schemeClr val="tx1"/>
+        </a:solidFill>
+        <a:latin typeface="+mn-lt"/>
+        <a:ea typeface="+mn-ea"/>
+        <a:cs typeface="+mn-cs"/>
+      </a:defRPr>
+    </a:lvl6pPr>
+    <a:lvl7pPr marL="2743200" algn="l" defTabSz="457200" rtl="0" eaLnBrk="1" latinLnBrk="0" hangingPunct="1">
+      <a:defRPr sz="1200" kern="1200">
+        <a:solidFill>
+          <a:schemeClr val="tx1"/>
+        </a:solidFill>
+        <a:latin typeface="+mn-lt"/>
+        <a:ea typeface="+mn-ea"/>
+        <a:cs typeface="+mn-cs"/>
+      </a:defRPr>
+    </a:lvl7pPr>
+    <a:lvl8pPr marL="3200400" algn="l" defTabSz="457200" rtl="0" eaLnBrk="1" latinLnBrk="0" hangingPunct="1">
+      <a:defRPr sz="1200" kern="1200">
+        <a:solidFill>
+          <a:schemeClr val="tx1"/>
+        </a:solidFill>
+        <a:latin typeface="+mn-lt"/>
+        <a:ea typeface="+mn-ea"/>
+        <a:cs typeface="+mn-cs"/>
+      </a:defRPr>
+    </a:lvl8pPr>
+    <a:lvl9pPr marL="3657600" algn="l" defTabSz="457200" rtl="0" eaLnBrk="1" latinLnBrk="0" hangingPunct="1">
+      <a:defRPr sz="1200" kern="1200">
+        <a:solidFill>
+          <a:schemeClr val="tx1"/>
+        </a:solidFill>
+        <a:latin typeface="+mn-lt"/>
+        <a:ea typeface="+mn-ea"/>
+        <a:cs typeface="+mn-cs"/>
+      </a:defRPr>
+    </a:lvl9pPr>
+  </p:notesStyle>
+</p:notesMaster>
+</file>
+
+<file path=ppt/notesSlides/notesSlide1.xml><?xml version="1.0" encoding="utf-8"?>
+<p:notes xmlns:a="http://schemas.openxmlformats.org/drawingml/2006/main" xmlns:r="http://schemas.openxmlformats.org/officeDocument/2006/relationships" xmlns:p="http://schemas.openxmlformats.org/presentationml/2006/main">
+  <p:cSld>
+    <p:spTree>
+      <p:nvGrpSpPr>
+        <p:cNvPr id="1" name=""/>
+        <p:cNvGrpSpPr/>
+        <p:nvPr/>
+      </p:nvGrpSpPr>
+      <p:grpSpPr>
+        <a:xfrm>
+          <a:off x="0" y="0"/>
+          <a:ext cx="0" cy="0"/>
+          <a:chOff x="0" y="0"/>
+          <a:chExt cx="0" cy="0"/>
+        </a:xfrm>
+      </p:grpSpPr>
+      <p:sp>
+        <p:nvSpPr>
+          <p:cNvPr id="2" name="Slide Image Placeholder 1"/>
+          <p:cNvSpPr>
+            <a:spLocks noGrp="1" noRot="1" noChangeAspect="1"/>
+          </p:cNvSpPr>
+          <p:nvPr>
+            <p:ph type="sldImg"/>
+          </p:nvPr>
+        </p:nvSpPr>
+        <p:spPr>
+          <a:xfrm>
+            <a:off x="2143125" y="685800"/>
+            <a:ext cx="2571750" cy="3429000"/>
+          </a:xfrm>
+        </p:spPr>
+      </p:sp>
+      <p:sp>
+        <p:nvSpPr>
+          <p:cNvPr id="3" name="Notes Placeholder 2"/>
+          <p:cNvSpPr>
+            <a:spLocks noGrp="1"/>
+          </p:cNvSpPr>
+          <p:nvPr>
+            <p:ph type="body" idx="1"/>
+          </p:nvPr>
+        </p:nvSpPr>
+        <p:spPr/>
+        <p:txBody>
+          <a:bodyPr/>
+          <a:lstStyle/>
+          <a:p>
+            <a:endParaRPr lang="en-US" dirty="0"/>
+          </a:p>
+        </p:txBody>
+      </p:sp>
+      <p:sp>
+        <p:nvSpPr>
+          <p:cNvPr id="4" name="Slide Number Placeholder 3"/>
+          <p:cNvSpPr>
+            <a:spLocks noGrp="1"/>
+          </p:cNvSpPr>
+          <p:nvPr>
+            <p:ph type="sldNum" sz="quarter" idx="10"/>
+          </p:nvPr>
+        </p:nvSpPr>
+        <p:spPr/>
+        <p:txBody>
+          <a:bodyPr/>
+          <a:lstStyle/>
+          <a:p>
+            <a:fld id="{86E1379D-9F96-4F48-9245-AB5412FF70B7}" type="slidenum">
+              <a:rPr lang="en-US" smtClean="0"/>
+              <a:t>14</a:t>
+            </a:fld>
+            <a:endParaRPr lang="en-US"/>
+          </a:p>
+        </p:txBody>
+      </p:sp>
+    </p:spTree>
+    <p:extLst>
+      <p:ext uri="{BB962C8B-B14F-4D97-AF65-F5344CB8AC3E}">
+        <p14:creationId xmlns:p14="http://schemas.microsoft.com/office/powerpoint/2010/main" val="3141126218"/>
+      </p:ext>
+    </p:extLst>
+  </p:cSld>
+  <p:clrMapOvr>
+    <a:masterClrMapping/>
+  </p:clrMapOvr>
+</p:notes>
+</file>
+
 <file path=ppt/slideLayouts/slideLayout1.xml><?xml version="1.0" encoding="utf-8"?>
 <p:sldLayout xmlns:a="http://schemas.openxmlformats.org/drawingml/2006/main" xmlns:r="http://schemas.openxmlformats.org/officeDocument/2006/relationships" xmlns:p="http://schemas.openxmlformats.org/presentationml/2006/main" type="title" preserve="1">
   <p:cSld name="Title Slide">
@@ -145,8 +761,8 @@
         </p:nvSpPr>
         <p:spPr>
           <a:xfrm>
-            <a:off x="685800" y="2130425"/>
-            <a:ext cx="7772400" cy="1470025"/>
+            <a:off x="514350" y="2840568"/>
+            <a:ext cx="5829300" cy="1960033"/>
           </a:xfrm>
         </p:spPr>
         <p:txBody>
@@ -173,8 +789,8 @@
         </p:nvSpPr>
         <p:spPr>
           <a:xfrm>
-            <a:off x="1371600" y="3886200"/>
-            <a:ext cx="6400800" cy="1752600"/>
+            <a:off x="1028700" y="5181600"/>
+            <a:ext cx="4800600" cy="2336800"/>
           </a:xfrm>
         </p:spPr>
         <p:txBody>
@@ -297,7 +913,7 @@
           <a:p>
             <a:fld id="{159055E4-D836-F04A-ADB3-053F5949DAC8}" type="datetimeFigureOut">
               <a:rPr lang="en-US" smtClean="0"/>
-              <a:t>16/09/18</a:t>
+              <a:t>18/09/18</a:t>
             </a:fld>
             <a:endParaRPr lang="en-US"/>
           </a:p>
@@ -467,7 +1083,7 @@
           <a:p>
             <a:fld id="{159055E4-D836-F04A-ADB3-053F5949DAC8}" type="datetimeFigureOut">
               <a:rPr lang="en-US" smtClean="0"/>
-              <a:t>16/09/18</a:t>
+              <a:t>18/09/18</a:t>
             </a:fld>
             <a:endParaRPr lang="en-US"/>
           </a:p>
@@ -557,8 +1173,8 @@
         </p:nvSpPr>
         <p:spPr>
           <a:xfrm>
-            <a:off x="6629400" y="274638"/>
-            <a:ext cx="2057400" cy="5851525"/>
+            <a:off x="4972050" y="366185"/>
+            <a:ext cx="1543050" cy="7802033"/>
           </a:xfrm>
         </p:spPr>
         <p:txBody>
@@ -585,8 +1201,8 @@
         </p:nvSpPr>
         <p:spPr>
           <a:xfrm>
-            <a:off x="457200" y="274638"/>
-            <a:ext cx="6019800" cy="5851525"/>
+            <a:off x="342900" y="366185"/>
+            <a:ext cx="4514850" cy="7802033"/>
           </a:xfrm>
         </p:spPr>
         <p:txBody>
@@ -647,7 +1263,7 @@
           <a:p>
             <a:fld id="{159055E4-D836-F04A-ADB3-053F5949DAC8}" type="datetimeFigureOut">
               <a:rPr lang="en-US" smtClean="0"/>
-              <a:t>16/09/18</a:t>
+              <a:t>18/09/18</a:t>
             </a:fld>
             <a:endParaRPr lang="en-US"/>
           </a:p>
@@ -817,7 +1433,7 @@
           <a:p>
             <a:fld id="{159055E4-D836-F04A-ADB3-053F5949DAC8}" type="datetimeFigureOut">
               <a:rPr lang="en-US" smtClean="0"/>
-              <a:t>16/09/18</a:t>
+              <a:t>18/09/18</a:t>
             </a:fld>
             <a:endParaRPr lang="en-US"/>
           </a:p>
@@ -907,8 +1523,8 @@
         </p:nvSpPr>
         <p:spPr>
           <a:xfrm>
-            <a:off x="722313" y="4406900"/>
-            <a:ext cx="7772400" cy="1362075"/>
+            <a:off x="541735" y="5875867"/>
+            <a:ext cx="5829300" cy="1816100"/>
           </a:xfrm>
         </p:spPr>
         <p:txBody>
@@ -939,8 +1555,8 @@
         </p:nvSpPr>
         <p:spPr>
           <a:xfrm>
-            <a:off x="722313" y="2906713"/>
-            <a:ext cx="7772400" cy="1500187"/>
+            <a:off x="541735" y="3875618"/>
+            <a:ext cx="5829300" cy="2000249"/>
           </a:xfrm>
         </p:spPr>
         <p:txBody>
@@ -1063,7 +1679,7 @@
           <a:p>
             <a:fld id="{159055E4-D836-F04A-ADB3-053F5949DAC8}" type="datetimeFigureOut">
               <a:rPr lang="en-US" smtClean="0"/>
-              <a:t>16/09/18</a:t>
+              <a:t>18/09/18</a:t>
             </a:fld>
             <a:endParaRPr lang="en-US"/>
           </a:p>
@@ -1176,8 +1792,8 @@
         </p:nvSpPr>
         <p:spPr>
           <a:xfrm>
-            <a:off x="457200" y="1600200"/>
-            <a:ext cx="4038600" cy="4525963"/>
+            <a:off x="342900" y="2133601"/>
+            <a:ext cx="3028950" cy="6034617"/>
           </a:xfrm>
         </p:spPr>
         <p:txBody>
@@ -1261,8 +1877,8 @@
         </p:nvSpPr>
         <p:spPr>
           <a:xfrm>
-            <a:off x="4648200" y="1600200"/>
-            <a:ext cx="4038600" cy="4525963"/>
+            <a:off x="3486150" y="2133601"/>
+            <a:ext cx="3028950" cy="6034617"/>
           </a:xfrm>
         </p:spPr>
         <p:txBody>
@@ -1351,7 +1967,7 @@
           <a:p>
             <a:fld id="{159055E4-D836-F04A-ADB3-053F5949DAC8}" type="datetimeFigureOut">
               <a:rPr lang="en-US" smtClean="0"/>
-              <a:t>16/09/18</a:t>
+              <a:t>18/09/18</a:t>
             </a:fld>
             <a:endParaRPr lang="en-US"/>
           </a:p>
@@ -1468,8 +2084,8 @@
         </p:nvSpPr>
         <p:spPr>
           <a:xfrm>
-            <a:off x="457200" y="1535113"/>
-            <a:ext cx="4040188" cy="639762"/>
+            <a:off x="342900" y="2046817"/>
+            <a:ext cx="3030141" cy="853016"/>
           </a:xfrm>
         </p:spPr>
         <p:txBody>
@@ -1533,8 +2149,8 @@
         </p:nvSpPr>
         <p:spPr>
           <a:xfrm>
-            <a:off x="457200" y="2174875"/>
-            <a:ext cx="4040188" cy="3951288"/>
+            <a:off x="342900" y="2899833"/>
+            <a:ext cx="3030141" cy="5268384"/>
           </a:xfrm>
         </p:spPr>
         <p:txBody>
@@ -1618,8 +2234,8 @@
         </p:nvSpPr>
         <p:spPr>
           <a:xfrm>
-            <a:off x="4645025" y="1535113"/>
-            <a:ext cx="4041775" cy="639762"/>
+            <a:off x="3483769" y="2046817"/>
+            <a:ext cx="3031331" cy="853016"/>
           </a:xfrm>
         </p:spPr>
         <p:txBody>
@@ -1683,8 +2299,8 @@
         </p:nvSpPr>
         <p:spPr>
           <a:xfrm>
-            <a:off x="4645025" y="2174875"/>
-            <a:ext cx="4041775" cy="3951288"/>
+            <a:off x="3483769" y="2899833"/>
+            <a:ext cx="3031331" cy="5268384"/>
           </a:xfrm>
         </p:spPr>
         <p:txBody>
@@ -1773,7 +2389,7 @@
           <a:p>
             <a:fld id="{159055E4-D836-F04A-ADB3-053F5949DAC8}" type="datetimeFigureOut">
               <a:rPr lang="en-US" smtClean="0"/>
-              <a:t>16/09/18</a:t>
+              <a:t>18/09/18</a:t>
             </a:fld>
             <a:endParaRPr lang="en-US"/>
           </a:p>
@@ -1891,7 +2507,7 @@
           <a:p>
             <a:fld id="{159055E4-D836-F04A-ADB3-053F5949DAC8}" type="datetimeFigureOut">
               <a:rPr lang="en-US" smtClean="0"/>
-              <a:t>16/09/18</a:t>
+              <a:t>18/09/18</a:t>
             </a:fld>
             <a:endParaRPr lang="en-US"/>
           </a:p>
@@ -1986,7 +2602,7 @@
           <a:p>
             <a:fld id="{159055E4-D836-F04A-ADB3-053F5949DAC8}" type="datetimeFigureOut">
               <a:rPr lang="en-US" smtClean="0"/>
-              <a:t>16/09/18</a:t>
+              <a:t>18/09/18</a:t>
             </a:fld>
             <a:endParaRPr lang="en-US"/>
           </a:p>
@@ -2076,8 +2692,8 @@
         </p:nvSpPr>
         <p:spPr>
           <a:xfrm>
-            <a:off x="457200" y="273050"/>
-            <a:ext cx="3008313" cy="1162050"/>
+            <a:off x="342900" y="364067"/>
+            <a:ext cx="2256235" cy="1549400"/>
           </a:xfrm>
         </p:spPr>
         <p:txBody>
@@ -2108,8 +2724,8 @@
         </p:nvSpPr>
         <p:spPr>
           <a:xfrm>
-            <a:off x="3575050" y="273050"/>
-            <a:ext cx="5111750" cy="5853113"/>
+            <a:off x="2681287" y="364067"/>
+            <a:ext cx="3833813" cy="7804151"/>
           </a:xfrm>
         </p:spPr>
         <p:txBody>
@@ -2193,8 +2809,8 @@
         </p:nvSpPr>
         <p:spPr>
           <a:xfrm>
-            <a:off x="457200" y="1435100"/>
-            <a:ext cx="3008313" cy="4691063"/>
+            <a:off x="342900" y="1913467"/>
+            <a:ext cx="2256235" cy="6254751"/>
           </a:xfrm>
         </p:spPr>
         <p:txBody>
@@ -2263,7 +2879,7 @@
           <a:p>
             <a:fld id="{159055E4-D836-F04A-ADB3-053F5949DAC8}" type="datetimeFigureOut">
               <a:rPr lang="en-US" smtClean="0"/>
-              <a:t>16/09/18</a:t>
+              <a:t>18/09/18</a:t>
             </a:fld>
             <a:endParaRPr lang="en-US"/>
           </a:p>
@@ -2353,8 +2969,8 @@
         </p:nvSpPr>
         <p:spPr>
           <a:xfrm>
-            <a:off x="1792288" y="4800600"/>
-            <a:ext cx="5486400" cy="566738"/>
+            <a:off x="1344216" y="6400800"/>
+            <a:ext cx="4114800" cy="755651"/>
           </a:xfrm>
         </p:spPr>
         <p:txBody>
@@ -2385,8 +3001,8 @@
         </p:nvSpPr>
         <p:spPr>
           <a:xfrm>
-            <a:off x="1792288" y="612775"/>
-            <a:ext cx="5486400" cy="4114800"/>
+            <a:off x="1344216" y="817033"/>
+            <a:ext cx="4114800" cy="5486400"/>
           </a:xfrm>
         </p:spPr>
         <p:txBody>
@@ -2446,8 +3062,8 @@
         </p:nvSpPr>
         <p:spPr>
           <a:xfrm>
-            <a:off x="1792288" y="5367338"/>
-            <a:ext cx="5486400" cy="804862"/>
+            <a:off x="1344216" y="7156451"/>
+            <a:ext cx="4114800" cy="1073149"/>
           </a:xfrm>
         </p:spPr>
         <p:txBody>
@@ -2516,7 +3132,7 @@
           <a:p>
             <a:fld id="{159055E4-D836-F04A-ADB3-053F5949DAC8}" type="datetimeFigureOut">
               <a:rPr lang="en-US" smtClean="0"/>
-              <a:t>16/09/18</a:t>
+              <a:t>18/09/18</a:t>
             </a:fld>
             <a:endParaRPr lang="en-US"/>
           </a:p>
@@ -2611,8 +3227,8 @@
         </p:nvSpPr>
         <p:spPr>
           <a:xfrm>
-            <a:off x="457200" y="274638"/>
-            <a:ext cx="8229600" cy="1143000"/>
+            <a:off x="342900" y="366184"/>
+            <a:ext cx="6172200" cy="1524000"/>
           </a:xfrm>
           <a:prstGeom prst="rect">
             <a:avLst/>
@@ -2644,8 +3260,8 @@
         </p:nvSpPr>
         <p:spPr>
           <a:xfrm>
-            <a:off x="457200" y="1600200"/>
-            <a:ext cx="8229600" cy="4525963"/>
+            <a:off x="342900" y="2133601"/>
+            <a:ext cx="6172200" cy="6034617"/>
           </a:xfrm>
           <a:prstGeom prst="rect">
             <a:avLst/>
@@ -2706,8 +3322,8 @@
         </p:nvSpPr>
         <p:spPr>
           <a:xfrm>
-            <a:off x="457200" y="6356350"/>
-            <a:ext cx="2133600" cy="365125"/>
+            <a:off x="342900" y="8475134"/>
+            <a:ext cx="1600200" cy="486833"/>
           </a:xfrm>
           <a:prstGeom prst="rect">
             <a:avLst/>
@@ -2729,7 +3345,7 @@
           <a:p>
             <a:fld id="{159055E4-D836-F04A-ADB3-053F5949DAC8}" type="datetimeFigureOut">
               <a:rPr lang="en-US" smtClean="0"/>
-              <a:t>16/09/18</a:t>
+              <a:t>18/09/18</a:t>
             </a:fld>
             <a:endParaRPr lang="en-US"/>
           </a:p>
@@ -2747,8 +3363,8 @@
         </p:nvSpPr>
         <p:spPr>
           <a:xfrm>
-            <a:off x="3124200" y="6356350"/>
-            <a:ext cx="2895600" cy="365125"/>
+            <a:off x="2343150" y="8475134"/>
+            <a:ext cx="2171700" cy="486833"/>
           </a:xfrm>
           <a:prstGeom prst="rect">
             <a:avLst/>
@@ -2784,8 +3400,8 @@
         </p:nvSpPr>
         <p:spPr>
           <a:xfrm>
-            <a:off x="6553200" y="6356350"/>
-            <a:ext cx="2133600" cy="365125"/>
+            <a:off x="4914900" y="8475134"/>
+            <a:ext cx="1600200" cy="486833"/>
           </a:xfrm>
           <a:prstGeom prst="rect">
             <a:avLst/>
@@ -3116,8 +3732,8 @@
         </p:nvSpPr>
         <p:spPr>
           <a:xfrm>
-            <a:off x="685800" y="661133"/>
-            <a:ext cx="7772400" cy="1470025"/>
+            <a:off x="514350" y="881512"/>
+            <a:ext cx="5829300" cy="1960033"/>
           </a:xfrm>
         </p:spPr>
         <p:txBody>
@@ -3161,8 +3777,8 @@
         </p:nvSpPr>
         <p:spPr>
           <a:xfrm>
-            <a:off x="1371600" y="4762500"/>
-            <a:ext cx="6400800" cy="1752600"/>
+            <a:off x="1028700" y="6350000"/>
+            <a:ext cx="4800600" cy="2336800"/>
           </a:xfrm>
         </p:spPr>
         <p:txBody>
@@ -3316,7 +3932,7 @@
 </p:sld>
 </file>
 
-<file path=ppt/slides/slide2.xml><?xml version="1.0" encoding="utf-8"?>
+<file path=ppt/slides/slide11.xml><?xml version="1.0" encoding="utf-8"?>
 <p:sld xmlns:a="http://schemas.openxmlformats.org/drawingml/2006/main" xmlns:r="http://schemas.openxmlformats.org/officeDocument/2006/relationships" xmlns:p="http://schemas.openxmlformats.org/presentationml/2006/main">
   <p:cSld>
     <p:spTree>
@@ -3345,47 +3961,624 @@
         </p:nvSpPr>
         <p:spPr>
           <a:xfrm>
-            <a:off x="325828" y="-41836"/>
-            <a:ext cx="8229600" cy="1143000"/>
+            <a:off x="0" y="166968"/>
+            <a:ext cx="6858000" cy="1524000"/>
           </a:xfrm>
         </p:spPr>
         <p:txBody>
-          <a:bodyPr/>
-          <a:lstStyle/>
-          <a:p>
-            <a:r>
-              <a:rPr lang="en-US" dirty="0" smtClean="0"/>
-              <a:t>Review Contents</a:t>
-            </a:r>
-            <a:endParaRPr lang="en-US" dirty="0"/>
-          </a:p>
-        </p:txBody>
-      </p:sp>
-      <p:sp>
-        <p:nvSpPr>
-          <p:cNvPr id="3" name="Content Placeholder 2"/>
-          <p:cNvSpPr>
-            <a:spLocks noGrp="1"/>
-          </p:cNvSpPr>
+          <a:bodyPr>
+            <a:normAutofit/>
+          </a:bodyPr>
+          <a:lstStyle/>
+          <a:p>
+            <a:r>
+              <a:rPr lang="en-US" sz="3600" dirty="0" smtClean="0"/>
+              <a:t>Performance testing </a:t>
+            </a:r>
+            <a:r>
+              <a:rPr lang="mr-IN" sz="3600" dirty="0" smtClean="0"/>
+              <a:t>–</a:t>
+            </a:r>
+            <a:r>
+              <a:rPr lang="en-US" sz="3600" dirty="0" smtClean="0"/>
+              <a:t> Sudden non-</a:t>
+            </a:r>
+            <a:r>
+              <a:rPr lang="en-US" sz="3600" dirty="0" err="1" smtClean="0"/>
+              <a:t>stationarity</a:t>
+            </a:r>
+            <a:endParaRPr lang="en-US" sz="3600" dirty="0"/>
+          </a:p>
+        </p:txBody>
+      </p:sp>
+      <p:pic>
+        <p:nvPicPr>
+          <p:cNvPr id="4" name="Content Placeholder 3" descr="Screen Shot 2018-09-18 at 15.56.31.png"/>
+          <p:cNvPicPr>
+            <a:picLocks noGrp="1" noChangeAspect="1"/>
+          </p:cNvPicPr>
           <p:nvPr>
             <p:ph idx="1"/>
           </p:nvPr>
-        </p:nvSpPr>
+        </p:nvPicPr>
+        <p:blipFill>
+          <a:blip r:embed="rId2">
+            <a:extLst>
+              <a:ext uri="{28A0092B-C50C-407E-A947-70E740481C1C}">
+                <a14:useLocalDpi xmlns:a14="http://schemas.microsoft.com/office/drawing/2010/main" val="0"/>
+              </a:ext>
+            </a:extLst>
+          </a:blip>
+          <a:srcRect t="2312" b="2312"/>
+          <a:stretch>
+            <a:fillRect/>
+          </a:stretch>
+        </p:blipFill>
         <p:spPr>
           <a:xfrm>
-            <a:off x="457200" y="1101164"/>
-            <a:ext cx="8229600" cy="2209192"/>
+            <a:off x="757519" y="1981522"/>
+            <a:ext cx="5125570" cy="5011317"/>
           </a:xfrm>
         </p:spPr>
+      </p:pic>
+      <p:sp>
+        <p:nvSpPr>
+          <p:cNvPr id="5" name="TextBox 4"/>
+          <p:cNvSpPr txBox="1"/>
+          <p:nvPr/>
+        </p:nvSpPr>
+        <p:spPr>
+          <a:xfrm>
+            <a:off x="242047" y="7012766"/>
+            <a:ext cx="5685865" cy="1477328"/>
+          </a:xfrm>
+          <a:prstGeom prst="rect">
+            <a:avLst/>
+          </a:prstGeom>
+          <a:noFill/>
+        </p:spPr>
+        <p:txBody>
+          <a:bodyPr wrap="square" rtlCol="0">
+            <a:spAutoFit/>
+          </a:bodyPr>
+          <a:lstStyle/>
+          <a:p>
+            <a:endParaRPr lang="en-US" dirty="0"/>
+          </a:p>
+          <a:p>
+            <a:pPr marL="285750" indent="-285750">
+              <a:buFont typeface="Arial"/>
+              <a:buChar char="•"/>
+            </a:pPr>
+            <a:r>
+              <a:rPr lang="en-US" dirty="0" smtClean="0"/>
+              <a:t>The sliding window requires sometime to ‘teach’ the model the new background state. </a:t>
+            </a:r>
+            <a:r>
+              <a:rPr lang="en-US" dirty="0" smtClean="0"/>
+              <a:t>A number of false positives are therefore identified at the beginning o </a:t>
+            </a:r>
+            <a:r>
+              <a:rPr lang="en-US" dirty="0" err="1" smtClean="0"/>
+              <a:t>fa</a:t>
+            </a:r>
+            <a:r>
+              <a:rPr lang="en-US" dirty="0" smtClean="0"/>
+              <a:t> period of  new behavior.</a:t>
+            </a:r>
+            <a:endParaRPr lang="en-US" dirty="0"/>
+          </a:p>
+        </p:txBody>
+      </p:sp>
+    </p:spTree>
+    <p:extLst>
+      <p:ext uri="{BB962C8B-B14F-4D97-AF65-F5344CB8AC3E}">
+        <p14:creationId xmlns:p14="http://schemas.microsoft.com/office/powerpoint/2010/main" val="4248550474"/>
+      </p:ext>
+    </p:extLst>
+  </p:cSld>
+  <p:clrMapOvr>
+    <a:masterClrMapping/>
+  </p:clrMapOvr>
+</p:sld>
+</file>
+
+<file path=ppt/slides/slide12.xml><?xml version="1.0" encoding="utf-8"?>
+<p:sld xmlns:a="http://schemas.openxmlformats.org/drawingml/2006/main" xmlns:r="http://schemas.openxmlformats.org/officeDocument/2006/relationships" xmlns:p="http://schemas.openxmlformats.org/presentationml/2006/main">
+  <p:cSld>
+    <p:spTree>
+      <p:nvGrpSpPr>
+        <p:cNvPr id="1" name=""/>
+        <p:cNvGrpSpPr/>
+        <p:nvPr/>
+      </p:nvGrpSpPr>
+      <p:grpSpPr>
+        <a:xfrm>
+          <a:off x="0" y="0"/>
+          <a:ext cx="0" cy="0"/>
+          <a:chOff x="0" y="0"/>
+          <a:chExt cx="0" cy="0"/>
+        </a:xfrm>
+      </p:grpSpPr>
+      <p:pic>
+        <p:nvPicPr>
+          <p:cNvPr id="5" name="Content Placeholder 4" descr="Screen Shot 2018-09-18 at 16.00.31.png"/>
+          <p:cNvPicPr>
+            <a:picLocks noGrp="1" noChangeAspect="1"/>
+          </p:cNvPicPr>
+          <p:nvPr>
+            <p:ph idx="1"/>
+          </p:nvPr>
+        </p:nvPicPr>
+        <p:blipFill>
+          <a:blip r:embed="rId2">
+            <a:extLst>
+              <a:ext uri="{28A0092B-C50C-407E-A947-70E740481C1C}">
+                <a14:useLocalDpi xmlns:a14="http://schemas.microsoft.com/office/drawing/2010/main" val="0"/>
+              </a:ext>
+            </a:extLst>
+          </a:blip>
+          <a:srcRect t="1973" b="1973"/>
+          <a:stretch>
+            <a:fillRect/>
+          </a:stretch>
+        </p:blipFill>
+        <p:spPr/>
+      </p:pic>
+      <p:sp>
+        <p:nvSpPr>
+          <p:cNvPr id="4" name="Title 1"/>
+          <p:cNvSpPr>
+            <a:spLocks noGrp="1"/>
+          </p:cNvSpPr>
+          <p:nvPr>
+            <p:ph type="title"/>
+          </p:nvPr>
+        </p:nvSpPr>
+        <p:spPr>
+          <a:xfrm>
+            <a:off x="0" y="7596"/>
+            <a:ext cx="6858000" cy="1524000"/>
+          </a:xfrm>
+        </p:spPr>
         <p:txBody>
           <a:bodyPr>
-            <a:normAutofit fontScale="92500" lnSpcReduction="20000"/>
+            <a:normAutofit/>
           </a:bodyPr>
           <a:lstStyle/>
           <a:p>
             <a:r>
+              <a:rPr lang="en-US" sz="3600" dirty="0" smtClean="0"/>
+              <a:t>Performance testing </a:t>
+            </a:r>
+            <a:r>
+              <a:rPr lang="mr-IN" sz="3600" dirty="0" smtClean="0"/>
+              <a:t>–</a:t>
+            </a:r>
+            <a:r>
+              <a:rPr lang="en-US" sz="3600" dirty="0" smtClean="0"/>
+              <a:t> Gradual non-</a:t>
+            </a:r>
+            <a:r>
+              <a:rPr lang="en-US" sz="3600" dirty="0" err="1" smtClean="0"/>
+              <a:t>stationarity</a:t>
+            </a:r>
+            <a:endParaRPr lang="en-US" sz="3600" dirty="0"/>
+          </a:p>
+        </p:txBody>
+      </p:sp>
+    </p:spTree>
+    <p:extLst>
+      <p:ext uri="{BB962C8B-B14F-4D97-AF65-F5344CB8AC3E}">
+        <p14:creationId xmlns:p14="http://schemas.microsoft.com/office/powerpoint/2010/main" val="2513563381"/>
+      </p:ext>
+    </p:extLst>
+  </p:cSld>
+  <p:clrMapOvr>
+    <a:masterClrMapping/>
+  </p:clrMapOvr>
+</p:sld>
+</file>
+
+<file path=ppt/slides/slide13.xml><?xml version="1.0" encoding="utf-8"?>
+<p:sld xmlns:a="http://schemas.openxmlformats.org/drawingml/2006/main" xmlns:r="http://schemas.openxmlformats.org/officeDocument/2006/relationships" xmlns:p="http://schemas.openxmlformats.org/presentationml/2006/main">
+  <p:cSld>
+    <p:spTree>
+      <p:nvGrpSpPr>
+        <p:cNvPr id="1" name=""/>
+        <p:cNvGrpSpPr/>
+        <p:nvPr/>
+      </p:nvGrpSpPr>
+      <p:grpSpPr>
+        <a:xfrm>
+          <a:off x="0" y="0"/>
+          <a:ext cx="0" cy="0"/>
+          <a:chOff x="0" y="0"/>
+          <a:chExt cx="0" cy="0"/>
+        </a:xfrm>
+      </p:grpSpPr>
+      <p:sp>
+        <p:nvSpPr>
+          <p:cNvPr id="2" name="Title 1"/>
+          <p:cNvSpPr>
+            <a:spLocks noGrp="1"/>
+          </p:cNvSpPr>
+          <p:nvPr>
+            <p:ph type="title"/>
+          </p:nvPr>
+        </p:nvSpPr>
+        <p:spPr/>
+        <p:txBody>
+          <a:bodyPr/>
+          <a:lstStyle/>
+          <a:p>
+            <a:r>
               <a:rPr lang="en-US" dirty="0" smtClean="0"/>
-              <a:t>Concept review:</a:t>
+              <a:t>Reoccurring non-</a:t>
+            </a:r>
+            <a:r>
+              <a:rPr lang="en-US" dirty="0" err="1" smtClean="0"/>
+              <a:t>stationarity</a:t>
+            </a:r>
+            <a:endParaRPr lang="en-US" dirty="0"/>
+          </a:p>
+        </p:txBody>
+      </p:sp>
+      <p:pic>
+        <p:nvPicPr>
+          <p:cNvPr id="4" name="Content Placeholder 3" descr="Screen Shot 2018-09-18 at 16.01.07.png"/>
+          <p:cNvPicPr>
+            <a:picLocks noGrp="1" noChangeAspect="1"/>
+          </p:cNvPicPr>
+          <p:nvPr>
+            <p:ph idx="1"/>
+          </p:nvPr>
+        </p:nvPicPr>
+        <p:blipFill>
+          <a:blip r:embed="rId2">
+            <a:extLst>
+              <a:ext uri="{28A0092B-C50C-407E-A947-70E740481C1C}">
+                <a14:useLocalDpi xmlns:a14="http://schemas.microsoft.com/office/drawing/2010/main" val="0"/>
+              </a:ext>
+            </a:extLst>
+          </a:blip>
+          <a:srcRect t="2094" b="2094"/>
+          <a:stretch>
+            <a:fillRect/>
+          </a:stretch>
+        </p:blipFill>
+        <p:spPr/>
+      </p:pic>
+    </p:spTree>
+    <p:extLst>
+      <p:ext uri="{BB962C8B-B14F-4D97-AF65-F5344CB8AC3E}">
+        <p14:creationId xmlns:p14="http://schemas.microsoft.com/office/powerpoint/2010/main" val="2001858196"/>
+      </p:ext>
+    </p:extLst>
+  </p:cSld>
+  <p:clrMapOvr>
+    <a:masterClrMapping/>
+  </p:clrMapOvr>
+</p:sld>
+</file>
+
+<file path=ppt/slides/slide14.xml><?xml version="1.0" encoding="utf-8"?>
+<p:sld xmlns:a="http://schemas.openxmlformats.org/drawingml/2006/main" xmlns:r="http://schemas.openxmlformats.org/officeDocument/2006/relationships" xmlns:p="http://schemas.openxmlformats.org/presentationml/2006/main">
+  <p:cSld>
+    <p:spTree>
+      <p:nvGrpSpPr>
+        <p:cNvPr id="1" name=""/>
+        <p:cNvGrpSpPr/>
+        <p:nvPr/>
+      </p:nvGrpSpPr>
+      <p:grpSpPr>
+        <a:xfrm>
+          <a:off x="0" y="0"/>
+          <a:ext cx="0" cy="0"/>
+          <a:chOff x="0" y="0"/>
+          <a:chExt cx="0" cy="0"/>
+        </a:xfrm>
+      </p:grpSpPr>
+      <p:sp>
+        <p:nvSpPr>
+          <p:cNvPr id="2" name="Title 1"/>
+          <p:cNvSpPr>
+            <a:spLocks noGrp="1"/>
+          </p:cNvSpPr>
+          <p:nvPr>
+            <p:ph type="title"/>
+          </p:nvPr>
+        </p:nvSpPr>
+        <p:spPr>
+          <a:xfrm>
+            <a:off x="342900" y="11953"/>
+            <a:ext cx="6172200" cy="1524000"/>
+          </a:xfrm>
+        </p:spPr>
+        <p:txBody>
+          <a:bodyPr/>
+          <a:lstStyle/>
+          <a:p>
+            <a:r>
+              <a:rPr lang="en-US" dirty="0" smtClean="0"/>
+              <a:t>Reoccurring non-</a:t>
+            </a:r>
+            <a:r>
+              <a:rPr lang="en-US" dirty="0" err="1" smtClean="0"/>
+              <a:t>stationarity</a:t>
+            </a:r>
+            <a:endParaRPr lang="en-US" dirty="0"/>
+          </a:p>
+        </p:txBody>
+      </p:sp>
+      <p:pic>
+        <p:nvPicPr>
+          <p:cNvPr id="4" name="Content Placeholder 3" descr="Screen Shot 2018-09-18 at 16.01.47.png"/>
+          <p:cNvPicPr>
+            <a:picLocks noGrp="1" noChangeAspect="1"/>
+          </p:cNvPicPr>
+          <p:nvPr>
+            <p:ph idx="1"/>
+          </p:nvPr>
+        </p:nvPicPr>
+        <p:blipFill>
+          <a:blip r:embed="rId3">
+            <a:extLst>
+              <a:ext uri="{28A0092B-C50C-407E-A947-70E740481C1C}">
+                <a14:useLocalDpi xmlns:a14="http://schemas.microsoft.com/office/drawing/2010/main" val="0"/>
+              </a:ext>
+            </a:extLst>
+          </a:blip>
+          <a:srcRect t="1397" b="1397"/>
+          <a:stretch>
+            <a:fillRect/>
+          </a:stretch>
+        </p:blipFill>
+        <p:spPr>
+          <a:xfrm>
+            <a:off x="342900" y="1396504"/>
+            <a:ext cx="6172200" cy="6034617"/>
+          </a:xfrm>
+        </p:spPr>
+      </p:pic>
+      <p:sp>
+        <p:nvSpPr>
+          <p:cNvPr id="5" name="TextBox 4"/>
+          <p:cNvSpPr txBox="1"/>
+          <p:nvPr/>
+        </p:nvSpPr>
+        <p:spPr>
+          <a:xfrm>
+            <a:off x="190500" y="7431120"/>
+            <a:ext cx="6409765" cy="1231107"/>
+          </a:xfrm>
+          <a:prstGeom prst="rect">
+            <a:avLst/>
+          </a:prstGeom>
+          <a:noFill/>
+        </p:spPr>
+        <p:txBody>
+          <a:bodyPr wrap="square" rtlCol="0">
+            <a:spAutoFit/>
+          </a:bodyPr>
+          <a:lstStyle/>
+          <a:p>
+            <a:r>
+              <a:rPr lang="en-US" dirty="0" smtClean="0"/>
+              <a:t>For recurring non-</a:t>
+            </a:r>
+            <a:r>
+              <a:rPr lang="en-US" dirty="0" err="1" smtClean="0"/>
+              <a:t>stationarity</a:t>
+            </a:r>
+            <a:r>
+              <a:rPr lang="en-US" dirty="0" smtClean="0"/>
+              <a:t> the false detection positive period peaks after the rise when the model has reached its new background position (t = 500). The has identified the rising gradient as the new ‘norm’ and expects this pattern to continue.</a:t>
+            </a:r>
+            <a:endParaRPr lang="en-US" dirty="0"/>
+          </a:p>
+        </p:txBody>
+      </p:sp>
+    </p:spTree>
+    <p:extLst>
+      <p:ext uri="{BB962C8B-B14F-4D97-AF65-F5344CB8AC3E}">
+        <p14:creationId xmlns:p14="http://schemas.microsoft.com/office/powerpoint/2010/main" val="1894852247"/>
+      </p:ext>
+    </p:extLst>
+  </p:cSld>
+  <p:clrMapOvr>
+    <a:masterClrMapping/>
+  </p:clrMapOvr>
+</p:sld>
+</file>
+
+<file path=ppt/slides/slide15.xml><?xml version="1.0" encoding="utf-8"?>
+<p:sld xmlns:a="http://schemas.openxmlformats.org/drawingml/2006/main" xmlns:r="http://schemas.openxmlformats.org/officeDocument/2006/relationships" xmlns:p="http://schemas.openxmlformats.org/presentationml/2006/main">
+  <p:cSld>
+    <p:spTree>
+      <p:nvGrpSpPr>
+        <p:cNvPr id="1" name=""/>
+        <p:cNvGrpSpPr/>
+        <p:nvPr/>
+      </p:nvGrpSpPr>
+      <p:grpSpPr>
+        <a:xfrm>
+          <a:off x="0" y="0"/>
+          <a:ext cx="0" cy="0"/>
+          <a:chOff x="0" y="0"/>
+          <a:chExt cx="0" cy="0"/>
+        </a:xfrm>
+      </p:grpSpPr>
+      <p:sp>
+        <p:nvSpPr>
+          <p:cNvPr id="2" name="Title 1"/>
+          <p:cNvSpPr>
+            <a:spLocks noGrp="1"/>
+          </p:cNvSpPr>
+          <p:nvPr>
+            <p:ph type="title"/>
+          </p:nvPr>
+        </p:nvSpPr>
+        <p:spPr/>
+        <p:txBody>
+          <a:bodyPr/>
+          <a:lstStyle/>
+          <a:p>
+            <a:r>
+              <a:rPr lang="en-US" dirty="0" smtClean="0"/>
+              <a:t>Application</a:t>
+            </a:r>
+            <a:endParaRPr lang="en-US" dirty="0"/>
+          </a:p>
+        </p:txBody>
+      </p:sp>
+      <p:sp>
+        <p:nvSpPr>
+          <p:cNvPr id="3" name="Content Placeholder 2"/>
+          <p:cNvSpPr>
+            <a:spLocks noGrp="1"/>
+          </p:cNvSpPr>
+          <p:nvPr>
+            <p:ph idx="1"/>
+          </p:nvPr>
+        </p:nvSpPr>
+        <p:spPr/>
+        <p:txBody>
+          <a:bodyPr>
+            <a:normAutofit/>
+          </a:bodyPr>
+          <a:lstStyle/>
+          <a:p>
+            <a:r>
+              <a:rPr lang="en-US" sz="2400" dirty="0" smtClean="0"/>
+              <a:t>Any situation requiring outlier identification from multivariate time series data.</a:t>
+            </a:r>
+          </a:p>
+          <a:p>
+            <a:r>
+              <a:rPr lang="en-US" sz="2400" dirty="0" err="1" smtClean="0"/>
+              <a:t>Talgala</a:t>
+            </a:r>
+            <a:r>
+              <a:rPr lang="en-US" sz="2400" dirty="0" smtClean="0"/>
+              <a:t> + 18 suggests fiber optic cables attached to a system but does not elaborate on their purpose.</a:t>
+            </a:r>
+          </a:p>
+          <a:p>
+            <a:r>
+              <a:rPr lang="en-US" sz="2400" dirty="0" smtClean="0"/>
+              <a:t>Astrophysical examples include a spectrum measured at many different times to observe the chemical abundance and gas dynamics of distant galaxies. </a:t>
+            </a:r>
+          </a:p>
+          <a:p>
+            <a:r>
+              <a:rPr lang="en-US" sz="2400" dirty="0" smtClean="0"/>
+              <a:t>Industrial examples include tracking data use across a network, measuring power consumption as a function of position and time across the country, weather forecasting.</a:t>
+            </a:r>
+            <a:endParaRPr lang="en-US" sz="2400" dirty="0"/>
+          </a:p>
+        </p:txBody>
+      </p:sp>
+    </p:spTree>
+    <p:extLst>
+      <p:ext uri="{BB962C8B-B14F-4D97-AF65-F5344CB8AC3E}">
+        <p14:creationId xmlns:p14="http://schemas.microsoft.com/office/powerpoint/2010/main" val="3754419686"/>
+      </p:ext>
+    </p:extLst>
+  </p:cSld>
+  <p:clrMapOvr>
+    <a:masterClrMapping/>
+  </p:clrMapOvr>
+</p:sld>
+</file>
+
+<file path=ppt/slides/slide16.xml><?xml version="1.0" encoding="utf-8"?>
+<p:sld xmlns:a="http://schemas.openxmlformats.org/drawingml/2006/main" xmlns:r="http://schemas.openxmlformats.org/officeDocument/2006/relationships" xmlns:p="http://schemas.openxmlformats.org/presentationml/2006/main">
+  <p:cSld>
+    <p:spTree>
+      <p:nvGrpSpPr>
+        <p:cNvPr id="1" name=""/>
+        <p:cNvGrpSpPr/>
+        <p:nvPr/>
+      </p:nvGrpSpPr>
+      <p:grpSpPr>
+        <a:xfrm>
+          <a:off x="0" y="0"/>
+          <a:ext cx="0" cy="0"/>
+          <a:chOff x="0" y="0"/>
+          <a:chExt cx="0" cy="0"/>
+        </a:xfrm>
+      </p:grpSpPr>
+      <p:sp>
+        <p:nvSpPr>
+          <p:cNvPr id="2" name="Title 1"/>
+          <p:cNvSpPr>
+            <a:spLocks noGrp="1"/>
+          </p:cNvSpPr>
+          <p:nvPr>
+            <p:ph type="title"/>
+          </p:nvPr>
+        </p:nvSpPr>
+        <p:spPr>
+          <a:xfrm>
+            <a:off x="244371" y="-55781"/>
+            <a:ext cx="6172200" cy="1524000"/>
+          </a:xfrm>
+        </p:spPr>
+        <p:txBody>
+          <a:bodyPr/>
+          <a:lstStyle/>
+          <a:p>
+            <a:r>
+              <a:rPr lang="en-US" dirty="0" smtClean="0"/>
+              <a:t>Conclusion</a:t>
+            </a:r>
+            <a:endParaRPr lang="en-US" dirty="0"/>
+          </a:p>
+        </p:txBody>
+      </p:sp>
+      <p:sp>
+        <p:nvSpPr>
+          <p:cNvPr id="3" name="Content Placeholder 2"/>
+          <p:cNvSpPr>
+            <a:spLocks noGrp="1"/>
+          </p:cNvSpPr>
+          <p:nvPr>
+            <p:ph idx="1"/>
+          </p:nvPr>
+        </p:nvSpPr>
+        <p:spPr>
+          <a:xfrm>
+            <a:off x="342900" y="1627591"/>
+            <a:ext cx="6172200" cy="2945589"/>
+          </a:xfrm>
+        </p:spPr>
+        <p:txBody>
+          <a:bodyPr>
+            <a:normAutofit fontScale="70000" lnSpcReduction="20000"/>
+          </a:bodyPr>
+          <a:lstStyle/>
+          <a:p>
+            <a:r>
+              <a:rPr lang="en-US" dirty="0" smtClean="0"/>
+              <a:t>New algorithm proposed to detect anomalies in time series data using a ‘feature space ap</a:t>
+            </a:r>
+            <a:r>
+              <a:rPr lang="en-US" dirty="0" smtClean="0"/>
+              <a:t>proach’</a:t>
+            </a:r>
+          </a:p>
+          <a:p>
+            <a:endParaRPr lang="en-US" dirty="0" smtClean="0"/>
+          </a:p>
+          <a:p>
+            <a:r>
+              <a:rPr lang="en-US" dirty="0" smtClean="0"/>
+              <a:t>Concept </a:t>
+            </a:r>
+            <a:r>
+              <a:rPr lang="en-US" dirty="0" smtClean="0"/>
+              <a:t>review:</a:t>
             </a:r>
           </a:p>
           <a:p>
@@ -3450,8 +4643,8 @@
         </p:nvSpPr>
         <p:spPr>
           <a:xfrm>
-            <a:off x="457200" y="5316305"/>
-            <a:ext cx="8229600" cy="2209192"/>
+            <a:off x="342900" y="7088407"/>
+            <a:ext cx="6172200" cy="2945589"/>
           </a:xfrm>
           <a:prstGeom prst="rect">
             <a:avLst/>
@@ -3600,17 +4793,37 @@
           </a:lstStyle>
           <a:p>
             <a:r>
-              <a:rPr lang="en-US" sz="2800" dirty="0" smtClean="0"/>
-              <a:t>Performance testing on synthetic observations</a:t>
-            </a:r>
-            <a:endParaRPr lang="en-US" sz="1800" dirty="0" smtClean="0"/>
+              <a:rPr lang="en-US" sz="2000" dirty="0" smtClean="0"/>
+              <a:t>Performance testing on synthetic </a:t>
+            </a:r>
+            <a:r>
+              <a:rPr lang="en-US" sz="2000" dirty="0" smtClean="0"/>
+              <a:t>observations correctly identify outliers in evolving </a:t>
+            </a:r>
+            <a:r>
+              <a:rPr lang="en-US" sz="2000" dirty="0" err="1" smtClean="0"/>
+              <a:t>timeseries</a:t>
+            </a:r>
+            <a:r>
+              <a:rPr lang="en-US" sz="2000" dirty="0" smtClean="0"/>
+              <a:t> (non-</a:t>
+            </a:r>
+            <a:r>
+              <a:rPr lang="en-US" sz="2000" dirty="0" err="1" smtClean="0"/>
+              <a:t>stationarity</a:t>
+            </a:r>
+            <a:r>
+              <a:rPr lang="en-US" sz="2000" dirty="0" smtClean="0"/>
+              <a:t>) but with a time delay corresponding to the size of the window that flags some false positive detections.</a:t>
+            </a:r>
+            <a:endParaRPr lang="en-US" sz="1400" dirty="0" smtClean="0"/>
           </a:p>
           <a:p>
             <a:pPr marL="457200" lvl="1" indent="0">
               <a:buFont typeface="Arial"/>
               <a:buNone/>
             </a:pPr>
-            <a:endParaRPr lang="en-US" sz="1800" dirty="0" smtClean="0"/>
+            <a:endParaRPr lang="en-US" sz="1400" dirty="0" smtClean="0"/>
           </a:p>
         </p:txBody>
       </p:sp>
@@ -3624,8 +4837,8 @@
         </p:nvSpPr>
         <p:spPr>
           <a:xfrm>
-            <a:off x="609600" y="3566867"/>
-            <a:ext cx="8229600" cy="1534215"/>
+            <a:off x="457200" y="5097119"/>
+            <a:ext cx="6172200" cy="2045620"/>
           </a:xfrm>
           <a:prstGeom prst="rect">
             <a:avLst/>
@@ -3774,6 +4987,503 @@
           </a:lstStyle>
           <a:p>
             <a:r>
+              <a:rPr lang="en-US" sz="2000" dirty="0" smtClean="0"/>
+              <a:t>New algorithm for multivariate anomaly detection for time series streams:</a:t>
+            </a:r>
+          </a:p>
+          <a:p>
+            <a:pPr lvl="1"/>
+            <a:r>
+              <a:rPr lang="en-US" sz="1800" dirty="0" smtClean="0"/>
+              <a:t>Mathematical framework.</a:t>
+            </a:r>
+          </a:p>
+          <a:p>
+            <a:pPr marL="457200" lvl="1" indent="0">
+              <a:buNone/>
+            </a:pPr>
+            <a:endParaRPr lang="en-US" sz="1800" dirty="0" smtClean="0"/>
+          </a:p>
+          <a:p>
+            <a:pPr marL="457200" lvl="1" indent="0">
+              <a:buFont typeface="Arial"/>
+              <a:buNone/>
+            </a:pPr>
+            <a:endParaRPr lang="en-US" sz="1800" dirty="0" smtClean="0"/>
+          </a:p>
+        </p:txBody>
+      </p:sp>
+    </p:spTree>
+    <p:extLst>
+      <p:ext uri="{BB962C8B-B14F-4D97-AF65-F5344CB8AC3E}">
+        <p14:creationId xmlns:p14="http://schemas.microsoft.com/office/powerpoint/2010/main" val="1219958763"/>
+      </p:ext>
+    </p:extLst>
+  </p:cSld>
+  <p:clrMapOvr>
+    <a:masterClrMapping/>
+  </p:clrMapOvr>
+</p:sld>
+</file>
+
+<file path=ppt/slides/slide2.xml><?xml version="1.0" encoding="utf-8"?>
+<p:sld xmlns:a="http://schemas.openxmlformats.org/drawingml/2006/main" xmlns:r="http://schemas.openxmlformats.org/officeDocument/2006/relationships" xmlns:p="http://schemas.openxmlformats.org/presentationml/2006/main">
+  <p:cSld>
+    <p:spTree>
+      <p:nvGrpSpPr>
+        <p:cNvPr id="1" name=""/>
+        <p:cNvGrpSpPr/>
+        <p:nvPr/>
+      </p:nvGrpSpPr>
+      <p:grpSpPr>
+        <a:xfrm>
+          <a:off x="0" y="0"/>
+          <a:ext cx="0" cy="0"/>
+          <a:chOff x="0" y="0"/>
+          <a:chExt cx="0" cy="0"/>
+        </a:xfrm>
+      </p:grpSpPr>
+      <p:sp>
+        <p:nvSpPr>
+          <p:cNvPr id="2" name="Title 1"/>
+          <p:cNvSpPr>
+            <a:spLocks noGrp="1"/>
+          </p:cNvSpPr>
+          <p:nvPr>
+            <p:ph type="title"/>
+          </p:nvPr>
+        </p:nvSpPr>
+        <p:spPr>
+          <a:xfrm>
+            <a:off x="244371" y="-55781"/>
+            <a:ext cx="6172200" cy="1524000"/>
+          </a:xfrm>
+        </p:spPr>
+        <p:txBody>
+          <a:bodyPr/>
+          <a:lstStyle/>
+          <a:p>
+            <a:r>
+              <a:rPr lang="en-US" dirty="0" smtClean="0"/>
+              <a:t>Review Contents</a:t>
+            </a:r>
+            <a:endParaRPr lang="en-US" dirty="0"/>
+          </a:p>
+        </p:txBody>
+      </p:sp>
+      <p:sp>
+        <p:nvSpPr>
+          <p:cNvPr id="3" name="Content Placeholder 2"/>
+          <p:cNvSpPr>
+            <a:spLocks noGrp="1"/>
+          </p:cNvSpPr>
+          <p:nvPr>
+            <p:ph idx="1"/>
+          </p:nvPr>
+        </p:nvSpPr>
+        <p:spPr>
+          <a:xfrm>
+            <a:off x="342900" y="1468219"/>
+            <a:ext cx="6172200" cy="2945589"/>
+          </a:xfrm>
+        </p:spPr>
+        <p:txBody>
+          <a:bodyPr>
+            <a:normAutofit fontScale="92500" lnSpcReduction="10000"/>
+          </a:bodyPr>
+          <a:lstStyle/>
+          <a:p>
+            <a:r>
+              <a:rPr lang="en-US" dirty="0" smtClean="0"/>
+              <a:t>Concept review:</a:t>
+            </a:r>
+          </a:p>
+          <a:p>
+            <a:pPr lvl="1"/>
+            <a:r>
+              <a:rPr lang="en-US" sz="2000" dirty="0" smtClean="0"/>
+              <a:t>Types of </a:t>
+            </a:r>
+            <a:r>
+              <a:rPr lang="en-US" sz="2000" dirty="0" err="1" smtClean="0"/>
+              <a:t>timeseries</a:t>
+            </a:r>
+            <a:r>
+              <a:rPr lang="en-US" sz="2000" dirty="0" smtClean="0"/>
+              <a:t> observations (single/multi </a:t>
+            </a:r>
+            <a:r>
+              <a:rPr lang="en-US" sz="2000" dirty="0" err="1" smtClean="0"/>
+              <a:t>variate</a:t>
+            </a:r>
+            <a:r>
+              <a:rPr lang="en-US" sz="2000" dirty="0" smtClean="0"/>
+              <a:t>, batch, streams)</a:t>
+            </a:r>
+          </a:p>
+          <a:p>
+            <a:pPr lvl="1"/>
+            <a:r>
+              <a:rPr lang="en-US" sz="2000" dirty="0" smtClean="0"/>
+              <a:t>Types of anomalies (single contextual anomalous points, clusters of anomalies within single time series, or entire anomalous time series in multivariate data)</a:t>
+            </a:r>
+          </a:p>
+          <a:p>
+            <a:pPr lvl="1"/>
+            <a:r>
+              <a:rPr lang="en-US" sz="2000" dirty="0" smtClean="0"/>
+              <a:t>Review of extreme value distributions</a:t>
+            </a:r>
+          </a:p>
+          <a:p>
+            <a:pPr lvl="1"/>
+            <a:r>
+              <a:rPr lang="en-US" sz="2000" dirty="0" smtClean="0"/>
+              <a:t>draw backs of previous models </a:t>
+            </a:r>
+          </a:p>
+          <a:p>
+            <a:pPr marL="457200" lvl="1" indent="0">
+              <a:buNone/>
+            </a:pPr>
+            <a:endParaRPr lang="en-US" sz="2000" dirty="0"/>
+          </a:p>
+        </p:txBody>
+      </p:sp>
+      <p:sp>
+        <p:nvSpPr>
+          <p:cNvPr id="4" name="Content Placeholder 2"/>
+          <p:cNvSpPr txBox="1">
+            <a:spLocks/>
+          </p:cNvSpPr>
+          <p:nvPr/>
+        </p:nvSpPr>
+        <p:spPr>
+          <a:xfrm>
+            <a:off x="342900" y="7088407"/>
+            <a:ext cx="6172200" cy="2945589"/>
+          </a:xfrm>
+          <a:prstGeom prst="rect">
+            <a:avLst/>
+          </a:prstGeom>
+        </p:spPr>
+        <p:txBody>
+          <a:bodyPr vert="horz" lIns="91440" tIns="45720" rIns="91440" bIns="45720" rtlCol="0">
+            <a:normAutofit/>
+          </a:bodyPr>
+          <a:lstStyle>
+            <a:lvl1pPr marL="342900" indent="-342900" algn="l" defTabSz="457200" rtl="0" eaLnBrk="1" latinLnBrk="0" hangingPunct="1">
+              <a:spcBef>
+                <a:spcPct val="20000"/>
+              </a:spcBef>
+              <a:buFont typeface="Arial"/>
+              <a:buChar char="•"/>
+              <a:defRPr sz="3200" kern="1200">
+                <a:solidFill>
+                  <a:schemeClr val="tx1"/>
+                </a:solidFill>
+                <a:latin typeface="+mn-lt"/>
+                <a:ea typeface="+mn-ea"/>
+                <a:cs typeface="+mn-cs"/>
+              </a:defRPr>
+            </a:lvl1pPr>
+            <a:lvl2pPr marL="742950" indent="-285750" algn="l" defTabSz="457200" rtl="0" eaLnBrk="1" latinLnBrk="0" hangingPunct="1">
+              <a:spcBef>
+                <a:spcPct val="20000"/>
+              </a:spcBef>
+              <a:buFont typeface="Arial"/>
+              <a:buChar char="–"/>
+              <a:defRPr sz="2800" kern="1200">
+                <a:solidFill>
+                  <a:schemeClr val="tx1"/>
+                </a:solidFill>
+                <a:latin typeface="+mn-lt"/>
+                <a:ea typeface="+mn-ea"/>
+                <a:cs typeface="+mn-cs"/>
+              </a:defRPr>
+            </a:lvl2pPr>
+            <a:lvl3pPr marL="1143000" indent="-228600" algn="l" defTabSz="457200" rtl="0" eaLnBrk="1" latinLnBrk="0" hangingPunct="1">
+              <a:spcBef>
+                <a:spcPct val="20000"/>
+              </a:spcBef>
+              <a:buFont typeface="Arial"/>
+              <a:buChar char="•"/>
+              <a:defRPr sz="2400" kern="1200">
+                <a:solidFill>
+                  <a:schemeClr val="tx1"/>
+                </a:solidFill>
+                <a:latin typeface="+mn-lt"/>
+                <a:ea typeface="+mn-ea"/>
+                <a:cs typeface="+mn-cs"/>
+              </a:defRPr>
+            </a:lvl3pPr>
+            <a:lvl4pPr marL="1600200" indent="-228600" algn="l" defTabSz="457200" rtl="0" eaLnBrk="1" latinLnBrk="0" hangingPunct="1">
+              <a:spcBef>
+                <a:spcPct val="20000"/>
+              </a:spcBef>
+              <a:buFont typeface="Arial"/>
+              <a:buChar char="–"/>
+              <a:defRPr sz="2000" kern="1200">
+                <a:solidFill>
+                  <a:schemeClr val="tx1"/>
+                </a:solidFill>
+                <a:latin typeface="+mn-lt"/>
+                <a:ea typeface="+mn-ea"/>
+                <a:cs typeface="+mn-cs"/>
+              </a:defRPr>
+            </a:lvl4pPr>
+            <a:lvl5pPr marL="2057400" indent="-228600" algn="l" defTabSz="457200" rtl="0" eaLnBrk="1" latinLnBrk="0" hangingPunct="1">
+              <a:spcBef>
+                <a:spcPct val="20000"/>
+              </a:spcBef>
+              <a:buFont typeface="Arial"/>
+              <a:buChar char="»"/>
+              <a:defRPr sz="2000" kern="1200">
+                <a:solidFill>
+                  <a:schemeClr val="tx1"/>
+                </a:solidFill>
+                <a:latin typeface="+mn-lt"/>
+                <a:ea typeface="+mn-ea"/>
+                <a:cs typeface="+mn-cs"/>
+              </a:defRPr>
+            </a:lvl5pPr>
+            <a:lvl6pPr marL="2514600" indent="-228600" algn="l" defTabSz="457200" rtl="0" eaLnBrk="1" latinLnBrk="0" hangingPunct="1">
+              <a:spcBef>
+                <a:spcPct val="20000"/>
+              </a:spcBef>
+              <a:buFont typeface="Arial"/>
+              <a:buChar char="•"/>
+              <a:defRPr sz="2000" kern="1200">
+                <a:solidFill>
+                  <a:schemeClr val="tx1"/>
+                </a:solidFill>
+                <a:latin typeface="+mn-lt"/>
+                <a:ea typeface="+mn-ea"/>
+                <a:cs typeface="+mn-cs"/>
+              </a:defRPr>
+            </a:lvl6pPr>
+            <a:lvl7pPr marL="2971800" indent="-228600" algn="l" defTabSz="457200" rtl="0" eaLnBrk="1" latinLnBrk="0" hangingPunct="1">
+              <a:spcBef>
+                <a:spcPct val="20000"/>
+              </a:spcBef>
+              <a:buFont typeface="Arial"/>
+              <a:buChar char="•"/>
+              <a:defRPr sz="2000" kern="1200">
+                <a:solidFill>
+                  <a:schemeClr val="tx1"/>
+                </a:solidFill>
+                <a:latin typeface="+mn-lt"/>
+                <a:ea typeface="+mn-ea"/>
+                <a:cs typeface="+mn-cs"/>
+              </a:defRPr>
+            </a:lvl7pPr>
+            <a:lvl8pPr marL="3429000" indent="-228600" algn="l" defTabSz="457200" rtl="0" eaLnBrk="1" latinLnBrk="0" hangingPunct="1">
+              <a:spcBef>
+                <a:spcPct val="20000"/>
+              </a:spcBef>
+              <a:buFont typeface="Arial"/>
+              <a:buChar char="•"/>
+              <a:defRPr sz="2000" kern="1200">
+                <a:solidFill>
+                  <a:schemeClr val="tx1"/>
+                </a:solidFill>
+                <a:latin typeface="+mn-lt"/>
+                <a:ea typeface="+mn-ea"/>
+                <a:cs typeface="+mn-cs"/>
+              </a:defRPr>
+            </a:lvl8pPr>
+            <a:lvl9pPr marL="3886200" indent="-228600" algn="l" defTabSz="457200" rtl="0" eaLnBrk="1" latinLnBrk="0" hangingPunct="1">
+              <a:spcBef>
+                <a:spcPct val="20000"/>
+              </a:spcBef>
+              <a:buFont typeface="Arial"/>
+              <a:buChar char="•"/>
+              <a:defRPr sz="2000" kern="1200">
+                <a:solidFill>
+                  <a:schemeClr val="tx1"/>
+                </a:solidFill>
+                <a:latin typeface="+mn-lt"/>
+                <a:ea typeface="+mn-ea"/>
+                <a:cs typeface="+mn-cs"/>
+              </a:defRPr>
+            </a:lvl9pPr>
+          </a:lstStyle>
+          <a:p>
+            <a:r>
+              <a:rPr lang="en-US" sz="2800" dirty="0" smtClean="0"/>
+              <a:t>Performance testing on synthetic observations</a:t>
+            </a:r>
+            <a:endParaRPr lang="en-US" sz="1800" dirty="0" smtClean="0"/>
+          </a:p>
+          <a:p>
+            <a:pPr marL="457200" lvl="1" indent="0">
+              <a:buFont typeface="Arial"/>
+              <a:buNone/>
+            </a:pPr>
+            <a:endParaRPr lang="en-US" sz="1800" dirty="0" smtClean="0"/>
+          </a:p>
+        </p:txBody>
+      </p:sp>
+      <p:sp>
+        <p:nvSpPr>
+          <p:cNvPr id="5" name="Content Placeholder 2"/>
+          <p:cNvSpPr txBox="1">
+            <a:spLocks/>
+          </p:cNvSpPr>
+          <p:nvPr/>
+        </p:nvSpPr>
+        <p:spPr>
+          <a:xfrm>
+            <a:off x="457200" y="4755823"/>
+            <a:ext cx="6172200" cy="2045620"/>
+          </a:xfrm>
+          <a:prstGeom prst="rect">
+            <a:avLst/>
+          </a:prstGeom>
+        </p:spPr>
+        <p:txBody>
+          <a:bodyPr vert="horz" lIns="91440" tIns="45720" rIns="91440" bIns="45720" rtlCol="0">
+            <a:normAutofit/>
+          </a:bodyPr>
+          <a:lstStyle>
+            <a:lvl1pPr marL="342900" indent="-342900" algn="l" defTabSz="457200" rtl="0" eaLnBrk="1" latinLnBrk="0" hangingPunct="1">
+              <a:spcBef>
+                <a:spcPct val="20000"/>
+              </a:spcBef>
+              <a:buFont typeface="Arial"/>
+              <a:buChar char="•"/>
+              <a:defRPr sz="3200" kern="1200">
+                <a:solidFill>
+                  <a:schemeClr val="tx1"/>
+                </a:solidFill>
+                <a:latin typeface="+mn-lt"/>
+                <a:ea typeface="+mn-ea"/>
+                <a:cs typeface="+mn-cs"/>
+              </a:defRPr>
+            </a:lvl1pPr>
+            <a:lvl2pPr marL="742950" indent="-285750" algn="l" defTabSz="457200" rtl="0" eaLnBrk="1" latinLnBrk="0" hangingPunct="1">
+              <a:spcBef>
+                <a:spcPct val="20000"/>
+              </a:spcBef>
+              <a:buFont typeface="Arial"/>
+              <a:buChar char="–"/>
+              <a:defRPr sz="2800" kern="1200">
+                <a:solidFill>
+                  <a:schemeClr val="tx1"/>
+                </a:solidFill>
+                <a:latin typeface="+mn-lt"/>
+                <a:ea typeface="+mn-ea"/>
+                <a:cs typeface="+mn-cs"/>
+              </a:defRPr>
+            </a:lvl2pPr>
+            <a:lvl3pPr marL="1143000" indent="-228600" algn="l" defTabSz="457200" rtl="0" eaLnBrk="1" latinLnBrk="0" hangingPunct="1">
+              <a:spcBef>
+                <a:spcPct val="20000"/>
+              </a:spcBef>
+              <a:buFont typeface="Arial"/>
+              <a:buChar char="•"/>
+              <a:defRPr sz="2400" kern="1200">
+                <a:solidFill>
+                  <a:schemeClr val="tx1"/>
+                </a:solidFill>
+                <a:latin typeface="+mn-lt"/>
+                <a:ea typeface="+mn-ea"/>
+                <a:cs typeface="+mn-cs"/>
+              </a:defRPr>
+            </a:lvl3pPr>
+            <a:lvl4pPr marL="1600200" indent="-228600" algn="l" defTabSz="457200" rtl="0" eaLnBrk="1" latinLnBrk="0" hangingPunct="1">
+              <a:spcBef>
+                <a:spcPct val="20000"/>
+              </a:spcBef>
+              <a:buFont typeface="Arial"/>
+              <a:buChar char="–"/>
+              <a:defRPr sz="2000" kern="1200">
+                <a:solidFill>
+                  <a:schemeClr val="tx1"/>
+                </a:solidFill>
+                <a:latin typeface="+mn-lt"/>
+                <a:ea typeface="+mn-ea"/>
+                <a:cs typeface="+mn-cs"/>
+              </a:defRPr>
+            </a:lvl4pPr>
+            <a:lvl5pPr marL="2057400" indent="-228600" algn="l" defTabSz="457200" rtl="0" eaLnBrk="1" latinLnBrk="0" hangingPunct="1">
+              <a:spcBef>
+                <a:spcPct val="20000"/>
+              </a:spcBef>
+              <a:buFont typeface="Arial"/>
+              <a:buChar char="»"/>
+              <a:defRPr sz="2000" kern="1200">
+                <a:solidFill>
+                  <a:schemeClr val="tx1"/>
+                </a:solidFill>
+                <a:latin typeface="+mn-lt"/>
+                <a:ea typeface="+mn-ea"/>
+                <a:cs typeface="+mn-cs"/>
+              </a:defRPr>
+            </a:lvl5pPr>
+            <a:lvl6pPr marL="2514600" indent="-228600" algn="l" defTabSz="457200" rtl="0" eaLnBrk="1" latinLnBrk="0" hangingPunct="1">
+              <a:spcBef>
+                <a:spcPct val="20000"/>
+              </a:spcBef>
+              <a:buFont typeface="Arial"/>
+              <a:buChar char="•"/>
+              <a:defRPr sz="2000" kern="1200">
+                <a:solidFill>
+                  <a:schemeClr val="tx1"/>
+                </a:solidFill>
+                <a:latin typeface="+mn-lt"/>
+                <a:ea typeface="+mn-ea"/>
+                <a:cs typeface="+mn-cs"/>
+              </a:defRPr>
+            </a:lvl6pPr>
+            <a:lvl7pPr marL="2971800" indent="-228600" algn="l" defTabSz="457200" rtl="0" eaLnBrk="1" latinLnBrk="0" hangingPunct="1">
+              <a:spcBef>
+                <a:spcPct val="20000"/>
+              </a:spcBef>
+              <a:buFont typeface="Arial"/>
+              <a:buChar char="•"/>
+              <a:defRPr sz="2000" kern="1200">
+                <a:solidFill>
+                  <a:schemeClr val="tx1"/>
+                </a:solidFill>
+                <a:latin typeface="+mn-lt"/>
+                <a:ea typeface="+mn-ea"/>
+                <a:cs typeface="+mn-cs"/>
+              </a:defRPr>
+            </a:lvl7pPr>
+            <a:lvl8pPr marL="3429000" indent="-228600" algn="l" defTabSz="457200" rtl="0" eaLnBrk="1" latinLnBrk="0" hangingPunct="1">
+              <a:spcBef>
+                <a:spcPct val="20000"/>
+              </a:spcBef>
+              <a:buFont typeface="Arial"/>
+              <a:buChar char="•"/>
+              <a:defRPr sz="2000" kern="1200">
+                <a:solidFill>
+                  <a:schemeClr val="tx1"/>
+                </a:solidFill>
+                <a:latin typeface="+mn-lt"/>
+                <a:ea typeface="+mn-ea"/>
+                <a:cs typeface="+mn-cs"/>
+              </a:defRPr>
+            </a:lvl8pPr>
+            <a:lvl9pPr marL="3886200" indent="-228600" algn="l" defTabSz="457200" rtl="0" eaLnBrk="1" latinLnBrk="0" hangingPunct="1">
+              <a:spcBef>
+                <a:spcPct val="20000"/>
+              </a:spcBef>
+              <a:buFont typeface="Arial"/>
+              <a:buChar char="•"/>
+              <a:defRPr sz="2000" kern="1200">
+                <a:solidFill>
+                  <a:schemeClr val="tx1"/>
+                </a:solidFill>
+                <a:latin typeface="+mn-lt"/>
+                <a:ea typeface="+mn-ea"/>
+                <a:cs typeface="+mn-cs"/>
+              </a:defRPr>
+            </a:lvl9pPr>
+          </a:lstStyle>
+          <a:p>
+            <a:r>
               <a:rPr lang="en-US" sz="2800" dirty="0" smtClean="0"/>
               <a:t>New algorithm for multivariate anomaly detection for time series streams:</a:t>
             </a:r>
@@ -3852,8 +5562,8 @@
         </p:blipFill>
         <p:spPr>
           <a:xfrm>
-            <a:off x="0" y="1369114"/>
-            <a:ext cx="9144000" cy="5488886"/>
+            <a:off x="0" y="1825485"/>
+            <a:ext cx="6858000" cy="7318515"/>
           </a:xfrm>
           <a:prstGeom prst="rect">
             <a:avLst/>
@@ -3868,8 +5578,8 @@
         </p:nvSpPr>
         <p:spPr>
           <a:xfrm>
-            <a:off x="1029076" y="197038"/>
-            <a:ext cx="7269220" cy="584776"/>
+            <a:off x="771807" y="262718"/>
+            <a:ext cx="5451915" cy="1077218"/>
           </a:xfrm>
           <a:prstGeom prst="rect">
             <a:avLst/>
@@ -3942,8 +5652,8 @@
         </p:blipFill>
         <p:spPr>
           <a:xfrm>
-            <a:off x="212601" y="1804899"/>
-            <a:ext cx="8561945" cy="5122373"/>
+            <a:off x="159451" y="2406533"/>
+            <a:ext cx="6421459" cy="6829831"/>
           </a:xfrm>
           <a:prstGeom prst="rect">
             <a:avLst/>
@@ -3958,8 +5668,8 @@
         </p:nvSpPr>
         <p:spPr>
           <a:xfrm>
-            <a:off x="0" y="69605"/>
-            <a:ext cx="8793676" cy="1938992"/>
+            <a:off x="0" y="92806"/>
+            <a:ext cx="6595257" cy="2215991"/>
           </a:xfrm>
           <a:prstGeom prst="rect">
             <a:avLst/>
@@ -4036,8 +5746,8 @@
         </p:nvSpPr>
         <p:spPr>
           <a:xfrm>
-            <a:off x="457200" y="-161637"/>
-            <a:ext cx="8229600" cy="1143000"/>
+            <a:off x="342900" y="-215516"/>
+            <a:ext cx="6172200" cy="1524000"/>
           </a:xfrm>
         </p:spPr>
         <p:txBody>
@@ -4064,8 +5774,8 @@
         </p:nvSpPr>
         <p:spPr>
           <a:xfrm>
-            <a:off x="457200" y="981363"/>
-            <a:ext cx="8229600" cy="4525963"/>
+            <a:off x="342900" y="1308485"/>
+            <a:ext cx="6172200" cy="6034617"/>
           </a:xfrm>
         </p:spPr>
         <p:txBody>
@@ -4138,8 +5848,8 @@
         </p:blipFill>
         <p:spPr>
           <a:xfrm>
-            <a:off x="2540000" y="3303341"/>
-            <a:ext cx="6604000" cy="3554659"/>
+            <a:off x="1905000" y="4404456"/>
+            <a:ext cx="4953000" cy="4739545"/>
           </a:xfrm>
           <a:prstGeom prst="rect">
             <a:avLst/>
@@ -4154,8 +5864,8 @@
         </p:nvSpPr>
         <p:spPr>
           <a:xfrm>
-            <a:off x="457200" y="3948543"/>
-            <a:ext cx="1736436" cy="2308324"/>
+            <a:off x="342900" y="5264724"/>
+            <a:ext cx="1302327" cy="3416320"/>
           </a:xfrm>
           <a:prstGeom prst="rect">
             <a:avLst/>
@@ -4234,8 +5944,8 @@
         </p:nvSpPr>
         <p:spPr>
           <a:xfrm>
-            <a:off x="457200" y="-161637"/>
-            <a:ext cx="8229600" cy="1143000"/>
+            <a:off x="342900" y="-215516"/>
+            <a:ext cx="6172200" cy="1524000"/>
           </a:xfrm>
         </p:spPr>
         <p:txBody>
@@ -4258,8 +5968,8 @@
         </p:nvSpPr>
         <p:spPr>
           <a:xfrm>
-            <a:off x="457200" y="981363"/>
-            <a:ext cx="8229600" cy="2308324"/>
+            <a:off x="342900" y="1308484"/>
+            <a:ext cx="6172200" cy="2862323"/>
           </a:xfrm>
           <a:prstGeom prst="rect">
             <a:avLst/>
@@ -4372,8 +6082,8 @@
         </p:blipFill>
         <p:spPr>
           <a:xfrm>
-            <a:off x="3031837" y="3289687"/>
-            <a:ext cx="5046615" cy="3568313"/>
+            <a:off x="2273878" y="4386250"/>
+            <a:ext cx="3784961" cy="4757751"/>
           </a:xfrm>
           <a:prstGeom prst="rect">
             <a:avLst/>
@@ -4388,8 +6098,8 @@
         </p:nvSpPr>
         <p:spPr>
           <a:xfrm>
-            <a:off x="734291" y="3948543"/>
-            <a:ext cx="1736436" cy="2308324"/>
+            <a:off x="550718" y="5264724"/>
+            <a:ext cx="1302327" cy="3416320"/>
           </a:xfrm>
           <a:prstGeom prst="rect">
             <a:avLst/>
@@ -4472,8 +6182,8 @@
         </p:nvSpPr>
         <p:spPr>
           <a:xfrm>
-            <a:off x="457200" y="-279546"/>
-            <a:ext cx="8229600" cy="1143000"/>
+            <a:off x="342900" y="-372728"/>
+            <a:ext cx="6172200" cy="1524000"/>
           </a:xfrm>
         </p:spPr>
         <p:txBody>
@@ -4508,8 +6218,8 @@
         </p:nvSpPr>
         <p:spPr>
           <a:xfrm>
-            <a:off x="0" y="699652"/>
-            <a:ext cx="9144000" cy="4525963"/>
+            <a:off x="0" y="932870"/>
+            <a:ext cx="6858000" cy="6034617"/>
           </a:xfrm>
         </p:spPr>
         <p:txBody>
@@ -4614,8 +6324,8 @@
         </p:blipFill>
         <p:spPr>
           <a:xfrm>
-            <a:off x="3037614" y="2747819"/>
-            <a:ext cx="5542545" cy="4174260"/>
+            <a:off x="2278211" y="3663759"/>
+            <a:ext cx="4156909" cy="5565680"/>
           </a:xfrm>
           <a:prstGeom prst="rect">
             <a:avLst/>
@@ -4630,8 +6340,8 @@
         </p:nvSpPr>
         <p:spPr>
           <a:xfrm>
-            <a:off x="457200" y="3486725"/>
-            <a:ext cx="2580414" cy="2308324"/>
+            <a:off x="342900" y="4648967"/>
+            <a:ext cx="1935311" cy="3139321"/>
           </a:xfrm>
           <a:prstGeom prst="rect">
             <a:avLst/>
@@ -4752,8 +6462,8 @@
         </p:nvSpPr>
         <p:spPr>
           <a:xfrm>
-            <a:off x="5564909" y="1727745"/>
-            <a:ext cx="2817091" cy="369332"/>
+            <a:off x="4173682" y="2303660"/>
+            <a:ext cx="2112818" cy="369332"/>
           </a:xfrm>
           <a:prstGeom prst="rect">
             <a:avLst/>
@@ -4783,8 +6493,8 @@
         </p:nvSpPr>
         <p:spPr>
           <a:xfrm>
-            <a:off x="194235" y="1712804"/>
-            <a:ext cx="4422589" cy="923330"/>
+            <a:off x="145677" y="2283739"/>
+            <a:ext cx="3316942" cy="923330"/>
           </a:xfrm>
           <a:prstGeom prst="rect">
             <a:avLst/>
@@ -4821,8 +6531,8 @@
         </p:nvGrpSpPr>
         <p:grpSpPr>
           <a:xfrm>
-            <a:off x="0" y="2586181"/>
-            <a:ext cx="5170088" cy="3388728"/>
+            <a:off x="0" y="3448241"/>
+            <a:ext cx="3877566" cy="4518304"/>
             <a:chOff x="0" y="2586181"/>
             <a:chExt cx="5170088" cy="3388728"/>
           </a:xfrm>
@@ -4909,8 +6619,8 @@
         </p:blipFill>
         <p:spPr>
           <a:xfrm>
-            <a:off x="4826000" y="2601158"/>
-            <a:ext cx="4479637" cy="3373751"/>
+            <a:off x="3619500" y="3468211"/>
+            <a:ext cx="3359728" cy="4498335"/>
           </a:xfrm>
           <a:prstGeom prst="rect">
             <a:avLst/>
@@ -4966,8 +6676,8 @@
         </p:nvSpPr>
         <p:spPr>
           <a:xfrm>
-            <a:off x="457200" y="-281921"/>
-            <a:ext cx="8229600" cy="1143000"/>
+            <a:off x="342900" y="-375895"/>
+            <a:ext cx="6172200" cy="1524000"/>
           </a:xfrm>
         </p:spPr>
         <p:txBody>
@@ -5007,8 +6717,8 @@
         </p:blipFill>
         <p:spPr>
           <a:xfrm>
-            <a:off x="4371787" y="2797922"/>
-            <a:ext cx="5027993" cy="2026957"/>
+            <a:off x="3278841" y="3730564"/>
+            <a:ext cx="3770995" cy="2702609"/>
           </a:xfrm>
           <a:prstGeom prst="rect">
             <a:avLst/>
@@ -5023,8 +6733,8 @@
         </p:nvSpPr>
         <p:spPr>
           <a:xfrm>
-            <a:off x="29882" y="4077889"/>
-            <a:ext cx="4602943" cy="369332"/>
+            <a:off x="22412" y="5437185"/>
+            <a:ext cx="4488992" cy="369332"/>
           </a:xfrm>
           <a:prstGeom prst="rect">
             <a:avLst/>
@@ -5075,8 +6785,8 @@
         </p:blipFill>
         <p:spPr>
           <a:xfrm>
-            <a:off x="263404" y="4824879"/>
-            <a:ext cx="4852015" cy="2033121"/>
+            <a:off x="197553" y="6433173"/>
+            <a:ext cx="3639011" cy="2710828"/>
           </a:xfrm>
           <a:prstGeom prst="rect">
             <a:avLst/>
@@ -5091,8 +6801,8 @@
         </p:nvSpPr>
         <p:spPr>
           <a:xfrm>
-            <a:off x="5115419" y="5166373"/>
-            <a:ext cx="1903506" cy="369332"/>
+            <a:off x="3836564" y="6888497"/>
+            <a:ext cx="1427630" cy="369332"/>
           </a:xfrm>
           <a:prstGeom prst="rect">
             <a:avLst/>
@@ -5135,8 +6845,8 @@
         </p:blipFill>
         <p:spPr>
           <a:xfrm>
-            <a:off x="29882" y="1223564"/>
-            <a:ext cx="4341905" cy="1794553"/>
+            <a:off x="22412" y="1631419"/>
+            <a:ext cx="3256429" cy="2392737"/>
           </a:xfrm>
           <a:prstGeom prst="rect">
             <a:avLst/>
@@ -5151,8 +6861,8 @@
         </p:nvSpPr>
         <p:spPr>
           <a:xfrm>
-            <a:off x="4371788" y="1169245"/>
-            <a:ext cx="4144684" cy="1477328"/>
+            <a:off x="3278841" y="1558993"/>
+            <a:ext cx="3108513" cy="1477328"/>
           </a:xfrm>
           <a:prstGeom prst="rect">
             <a:avLst/>
@@ -5190,8 +6900,8 @@
         </p:nvSpPr>
         <p:spPr>
           <a:xfrm>
-            <a:off x="5100478" y="5595469"/>
-            <a:ext cx="3834346" cy="646331"/>
+            <a:off x="3825358" y="7460626"/>
+            <a:ext cx="2875760" cy="923330"/>
           </a:xfrm>
           <a:prstGeom prst="rect">
             <a:avLst/>
@@ -5207,7 +6917,6 @@
               <a:rPr lang="en-US" dirty="0"/>
               <a:t>Sudden jumps occur before returning to the background level</a:t>
             </a:r>
-            <a:endParaRPr lang="en-US" dirty="0"/>
           </a:p>
         </p:txBody>
       </p:sp>
@@ -5219,7 +6928,7 @@
         </p:nvSpPr>
         <p:spPr>
           <a:xfrm>
-            <a:off x="3151971" y="3613666"/>
+            <a:off x="2363979" y="4818221"/>
             <a:ext cx="1343449" cy="369332"/>
           </a:xfrm>
           <a:prstGeom prst="rect">
@@ -5577,4 +7286,644 @@
   </a:objectDefaults>
   <a:extraClrSchemeLst/>
 </a:theme>
+</file>
+
+<file path=ppt/theme/theme2.xml><?xml version="1.0" encoding="utf-8"?>
+<a:theme xmlns:a="http://schemas.openxmlformats.org/drawingml/2006/main" name="Office Theme">
+  <a:themeElements>
+    <a:clrScheme name="Office">
+      <a:dk1>
+        <a:sysClr val="windowText" lastClr="000000"/>
+      </a:dk1>
+      <a:lt1>
+        <a:sysClr val="window" lastClr="FFFFFF"/>
+      </a:lt1>
+      <a:dk2>
+        <a:srgbClr val="1F497D"/>
+      </a:dk2>
+      <a:lt2>
+        <a:srgbClr val="EEECE1"/>
+      </a:lt2>
+      <a:accent1>
+        <a:srgbClr val="4F81BD"/>
+      </a:accent1>
+      <a:accent2>
+        <a:srgbClr val="C0504D"/>
+      </a:accent2>
+      <a:accent3>
+        <a:srgbClr val="9BBB59"/>
+      </a:accent3>
+      <a:accent4>
+        <a:srgbClr val="8064A2"/>
+      </a:accent4>
+      <a:accent5>
+        <a:srgbClr val="4BACC6"/>
+      </a:accent5>
+      <a:accent6>
+        <a:srgbClr val="F79646"/>
+      </a:accent6>
+      <a:hlink>
+        <a:srgbClr val="0000FF"/>
+      </a:hlink>
+      <a:folHlink>
+        <a:srgbClr val="800080"/>
+      </a:folHlink>
+    </a:clrScheme>
+    <a:fontScheme name="Office">
+      <a:majorFont>
+        <a:latin typeface="Calibri"/>
+        <a:ea typeface=""/>
+        <a:cs typeface=""/>
+        <a:font script="Jpan" typeface="ＭＳ Ｐゴシック"/>
+        <a:font script="Hang" typeface="맑은 고딕"/>
+        <a:font script="Hans" typeface="宋体"/>
+        <a:font script="Hant" typeface="新細明體"/>
+        <a:font script="Arab" typeface="Times New Roman"/>
+        <a:font script="Hebr" typeface="Times New Roman"/>
+        <a:font script="Thai" typeface="Angsana New"/>
+        <a:font script="Ethi" typeface="Nyala"/>
+        <a:font script="Beng" typeface="Vrinda"/>
+        <a:font script="Gujr" typeface="Shruti"/>
+        <a:font script="Khmr" typeface="MoolBoran"/>
+        <a:font script="Knda" typeface="Tunga"/>
+        <a:font script="Guru" typeface="Raavi"/>
+        <a:font script="Cans" typeface="Euphemia"/>
+        <a:font script="Cher" typeface="Plantagenet Cherokee"/>
+        <a:font script="Yiii" typeface="Microsoft Yi Baiti"/>
+        <a:font script="Tibt" typeface="Microsoft Himalaya"/>
+        <a:font script="Thaa" typeface="MV Boli"/>
+        <a:font script="Deva" typeface="Mangal"/>
+        <a:font script="Telu" typeface="Gautami"/>
+        <a:font script="Taml" typeface="Latha"/>
+        <a:font script="Syrc" typeface="Estrangelo Edessa"/>
+        <a:font script="Orya" typeface="Kalinga"/>
+        <a:font script="Mlym" typeface="Kartika"/>
+        <a:font script="Laoo" typeface="DokChampa"/>
+        <a:font script="Sinh" typeface="Iskoola Pota"/>
+        <a:font script="Mong" typeface="Mongolian Baiti"/>
+        <a:font script="Viet" typeface="Times New Roman"/>
+        <a:font script="Uigh" typeface="Microsoft Uighur"/>
+        <a:font script="Geor" typeface="Sylfaen"/>
+      </a:majorFont>
+      <a:minorFont>
+        <a:latin typeface="Calibri"/>
+        <a:ea typeface=""/>
+        <a:cs typeface=""/>
+        <a:font script="Jpan" typeface="ＭＳ Ｐゴシック"/>
+        <a:font script="Hang" typeface="맑은 고딕"/>
+        <a:font script="Hans" typeface="宋体"/>
+        <a:font script="Hant" typeface="新細明體"/>
+        <a:font script="Arab" typeface="Arial"/>
+        <a:font script="Hebr" typeface="Arial"/>
+        <a:font script="Thai" typeface="Cordia New"/>
+        <a:font script="Ethi" typeface="Nyala"/>
+        <a:font script="Beng" typeface="Vrinda"/>
+        <a:font script="Gujr" typeface="Shruti"/>
+        <a:font script="Khmr" typeface="DaunPenh"/>
+        <a:font script="Knda" typeface="Tunga"/>
+        <a:font script="Guru" typeface="Raavi"/>
+        <a:font script="Cans" typeface="Euphemia"/>
+        <a:font script="Cher" typeface="Plantagenet Cherokee"/>
+        <a:font script="Yiii" typeface="Microsoft Yi Baiti"/>
+        <a:font script="Tibt" typeface="Microsoft Himalaya"/>
+        <a:font script="Thaa" typeface="MV Boli"/>
+        <a:font script="Deva" typeface="Mangal"/>
+        <a:font script="Telu" typeface="Gautami"/>
+        <a:font script="Taml" typeface="Latha"/>
+        <a:font script="Syrc" typeface="Estrangelo Edessa"/>
+        <a:font script="Orya" typeface="Kalinga"/>
+        <a:font script="Mlym" typeface="Kartika"/>
+        <a:font script="Laoo" typeface="DokChampa"/>
+        <a:font script="Sinh" typeface="Iskoola Pota"/>
+        <a:font script="Mong" typeface="Mongolian Baiti"/>
+        <a:font script="Viet" typeface="Arial"/>
+        <a:font script="Uigh" typeface="Microsoft Uighur"/>
+        <a:font script="Geor" typeface="Sylfaen"/>
+      </a:minorFont>
+    </a:fontScheme>
+    <a:fmtScheme name="Office">
+      <a:fillStyleLst>
+        <a:solidFill>
+          <a:schemeClr val="phClr"/>
+        </a:solidFill>
+        <a:gradFill rotWithShape="1">
+          <a:gsLst>
+            <a:gs pos="0">
+              <a:schemeClr val="phClr">
+                <a:tint val="50000"/>
+                <a:satMod val="300000"/>
+              </a:schemeClr>
+            </a:gs>
+            <a:gs pos="35000">
+              <a:schemeClr val="phClr">
+                <a:tint val="37000"/>
+                <a:satMod val="300000"/>
+              </a:schemeClr>
+            </a:gs>
+            <a:gs pos="100000">
+              <a:schemeClr val="phClr">
+                <a:tint val="15000"/>
+                <a:satMod val="350000"/>
+              </a:schemeClr>
+            </a:gs>
+          </a:gsLst>
+          <a:lin ang="16200000" scaled="1"/>
+        </a:gradFill>
+        <a:gradFill rotWithShape="1">
+          <a:gsLst>
+            <a:gs pos="0">
+              <a:schemeClr val="phClr">
+                <a:tint val="100000"/>
+                <a:shade val="100000"/>
+                <a:satMod val="130000"/>
+              </a:schemeClr>
+            </a:gs>
+            <a:gs pos="100000">
+              <a:schemeClr val="phClr">
+                <a:tint val="50000"/>
+                <a:shade val="100000"/>
+                <a:satMod val="350000"/>
+              </a:schemeClr>
+            </a:gs>
+          </a:gsLst>
+          <a:lin ang="16200000" scaled="0"/>
+        </a:gradFill>
+      </a:fillStyleLst>
+      <a:lnStyleLst>
+        <a:ln w="9525" cap="flat" cmpd="sng" algn="ctr">
+          <a:solidFill>
+            <a:schemeClr val="phClr">
+              <a:shade val="95000"/>
+              <a:satMod val="105000"/>
+            </a:schemeClr>
+          </a:solidFill>
+          <a:prstDash val="solid"/>
+        </a:ln>
+        <a:ln w="25400" cap="flat" cmpd="sng" algn="ctr">
+          <a:solidFill>
+            <a:schemeClr val="phClr"/>
+          </a:solidFill>
+          <a:prstDash val="solid"/>
+        </a:ln>
+        <a:ln w="38100" cap="flat" cmpd="sng" algn="ctr">
+          <a:solidFill>
+            <a:schemeClr val="phClr"/>
+          </a:solidFill>
+          <a:prstDash val="solid"/>
+        </a:ln>
+      </a:lnStyleLst>
+      <a:effectStyleLst>
+        <a:effectStyle>
+          <a:effectLst>
+            <a:outerShdw blurRad="40000" dist="20000" dir="5400000" rotWithShape="0">
+              <a:srgbClr val="000000">
+                <a:alpha val="38000"/>
+              </a:srgbClr>
+            </a:outerShdw>
+          </a:effectLst>
+        </a:effectStyle>
+        <a:effectStyle>
+          <a:effectLst>
+            <a:outerShdw blurRad="40000" dist="23000" dir="5400000" rotWithShape="0">
+              <a:srgbClr val="000000">
+                <a:alpha val="35000"/>
+              </a:srgbClr>
+            </a:outerShdw>
+          </a:effectLst>
+        </a:effectStyle>
+        <a:effectStyle>
+          <a:effectLst>
+            <a:outerShdw blurRad="40000" dist="23000" dir="5400000" rotWithShape="0">
+              <a:srgbClr val="000000">
+                <a:alpha val="35000"/>
+              </a:srgbClr>
+            </a:outerShdw>
+          </a:effectLst>
+          <a:scene3d>
+            <a:camera prst="orthographicFront">
+              <a:rot lat="0" lon="0" rev="0"/>
+            </a:camera>
+            <a:lightRig rig="threePt" dir="t">
+              <a:rot lat="0" lon="0" rev="1200000"/>
+            </a:lightRig>
+          </a:scene3d>
+          <a:sp3d>
+            <a:bevelT w="63500" h="25400"/>
+          </a:sp3d>
+        </a:effectStyle>
+      </a:effectStyleLst>
+      <a:bgFillStyleLst>
+        <a:solidFill>
+          <a:schemeClr val="phClr"/>
+        </a:solidFill>
+        <a:gradFill rotWithShape="1">
+          <a:gsLst>
+            <a:gs pos="0">
+              <a:schemeClr val="phClr">
+                <a:tint val="40000"/>
+                <a:satMod val="350000"/>
+              </a:schemeClr>
+            </a:gs>
+            <a:gs pos="40000">
+              <a:schemeClr val="phClr">
+                <a:tint val="45000"/>
+                <a:shade val="99000"/>
+                <a:satMod val="350000"/>
+              </a:schemeClr>
+            </a:gs>
+            <a:gs pos="100000">
+              <a:schemeClr val="phClr">
+                <a:shade val="20000"/>
+                <a:satMod val="255000"/>
+              </a:schemeClr>
+            </a:gs>
+          </a:gsLst>
+          <a:path path="circle">
+            <a:fillToRect l="50000" t="-80000" r="50000" b="180000"/>
+          </a:path>
+        </a:gradFill>
+        <a:gradFill rotWithShape="1">
+          <a:gsLst>
+            <a:gs pos="0">
+              <a:schemeClr val="phClr">
+                <a:tint val="80000"/>
+                <a:satMod val="300000"/>
+              </a:schemeClr>
+            </a:gs>
+            <a:gs pos="100000">
+              <a:schemeClr val="phClr">
+                <a:shade val="30000"/>
+                <a:satMod val="200000"/>
+              </a:schemeClr>
+            </a:gs>
+          </a:gsLst>
+          <a:path path="circle">
+            <a:fillToRect l="50000" t="50000" r="50000" b="50000"/>
+          </a:path>
+        </a:gradFill>
+      </a:bgFillStyleLst>
+    </a:fmtScheme>
+  </a:themeElements>
+  <a:objectDefaults>
+    <a:spDef>
+      <a:spPr/>
+      <a:bodyPr/>
+      <a:lstStyle/>
+      <a:style>
+        <a:lnRef idx="1">
+          <a:schemeClr val="accent1"/>
+        </a:lnRef>
+        <a:fillRef idx="3">
+          <a:schemeClr val="accent1"/>
+        </a:fillRef>
+        <a:effectRef idx="2">
+          <a:schemeClr val="accent1"/>
+        </a:effectRef>
+        <a:fontRef idx="minor">
+          <a:schemeClr val="lt1"/>
+        </a:fontRef>
+      </a:style>
+    </a:spDef>
+    <a:lnDef>
+      <a:spPr/>
+      <a:bodyPr/>
+      <a:lstStyle/>
+      <a:style>
+        <a:lnRef idx="2">
+          <a:schemeClr val="accent1"/>
+        </a:lnRef>
+        <a:fillRef idx="0">
+          <a:schemeClr val="accent1"/>
+        </a:fillRef>
+        <a:effectRef idx="1">
+          <a:schemeClr val="accent1"/>
+        </a:effectRef>
+        <a:fontRef idx="minor">
+          <a:schemeClr val="tx1"/>
+        </a:fontRef>
+      </a:style>
+    </a:lnDef>
+  </a:objectDefaults>
+  <a:extraClrSchemeLst/>
+</a:theme>
+</file>
+
+<file path=ppt/theme/theme3.xml><?xml version="1.0" encoding="utf-8"?>
+<a:theme xmlns:a="http://schemas.openxmlformats.org/drawingml/2006/main" name="Office Theme">
+  <a:themeElements>
+    <a:clrScheme name="Office">
+      <a:dk1>
+        <a:sysClr val="windowText" lastClr="000000"/>
+      </a:dk1>
+      <a:lt1>
+        <a:sysClr val="window" lastClr="FFFFFF"/>
+      </a:lt1>
+      <a:dk2>
+        <a:srgbClr val="1F497D"/>
+      </a:dk2>
+      <a:lt2>
+        <a:srgbClr val="EEECE1"/>
+      </a:lt2>
+      <a:accent1>
+        <a:srgbClr val="4F81BD"/>
+      </a:accent1>
+      <a:accent2>
+        <a:srgbClr val="C0504D"/>
+      </a:accent2>
+      <a:accent3>
+        <a:srgbClr val="9BBB59"/>
+      </a:accent3>
+      <a:accent4>
+        <a:srgbClr val="8064A2"/>
+      </a:accent4>
+      <a:accent5>
+        <a:srgbClr val="4BACC6"/>
+      </a:accent5>
+      <a:accent6>
+        <a:srgbClr val="F79646"/>
+      </a:accent6>
+      <a:hlink>
+        <a:srgbClr val="0000FF"/>
+      </a:hlink>
+      <a:folHlink>
+        <a:srgbClr val="800080"/>
+      </a:folHlink>
+    </a:clrScheme>
+    <a:fontScheme name="Office">
+      <a:majorFont>
+        <a:latin typeface="Calibri"/>
+        <a:ea typeface=""/>
+        <a:cs typeface=""/>
+        <a:font script="Jpan" typeface="ＭＳ Ｐゴシック"/>
+        <a:font script="Hang" typeface="맑은 고딕"/>
+        <a:font script="Hans" typeface="宋体"/>
+        <a:font script="Hant" typeface="新細明體"/>
+        <a:font script="Arab" typeface="Times New Roman"/>
+        <a:font script="Hebr" typeface="Times New Roman"/>
+        <a:font script="Thai" typeface="Angsana New"/>
+        <a:font script="Ethi" typeface="Nyala"/>
+        <a:font script="Beng" typeface="Vrinda"/>
+        <a:font script="Gujr" typeface="Shruti"/>
+        <a:font script="Khmr" typeface="MoolBoran"/>
+        <a:font script="Knda" typeface="Tunga"/>
+        <a:font script="Guru" typeface="Raavi"/>
+        <a:font script="Cans" typeface="Euphemia"/>
+        <a:font script="Cher" typeface="Plantagenet Cherokee"/>
+        <a:font script="Yiii" typeface="Microsoft Yi Baiti"/>
+        <a:font script="Tibt" typeface="Microsoft Himalaya"/>
+        <a:font script="Thaa" typeface="MV Boli"/>
+        <a:font script="Deva" typeface="Mangal"/>
+        <a:font script="Telu" typeface="Gautami"/>
+        <a:font script="Taml" typeface="Latha"/>
+        <a:font script="Syrc" typeface="Estrangelo Edessa"/>
+        <a:font script="Orya" typeface="Kalinga"/>
+        <a:font script="Mlym" typeface="Kartika"/>
+        <a:font script="Laoo" typeface="DokChampa"/>
+        <a:font script="Sinh" typeface="Iskoola Pota"/>
+        <a:font script="Mong" typeface="Mongolian Baiti"/>
+        <a:font script="Viet" typeface="Times New Roman"/>
+        <a:font script="Uigh" typeface="Microsoft Uighur"/>
+        <a:font script="Geor" typeface="Sylfaen"/>
+      </a:majorFont>
+      <a:minorFont>
+        <a:latin typeface="Calibri"/>
+        <a:ea typeface=""/>
+        <a:cs typeface=""/>
+        <a:font script="Jpan" typeface="ＭＳ Ｐゴシック"/>
+        <a:font script="Hang" typeface="맑은 고딕"/>
+        <a:font script="Hans" typeface="宋体"/>
+        <a:font script="Hant" typeface="新細明體"/>
+        <a:font script="Arab" typeface="Arial"/>
+        <a:font script="Hebr" typeface="Arial"/>
+        <a:font script="Thai" typeface="Cordia New"/>
+        <a:font script="Ethi" typeface="Nyala"/>
+        <a:font script="Beng" typeface="Vrinda"/>
+        <a:font script="Gujr" typeface="Shruti"/>
+        <a:font script="Khmr" typeface="DaunPenh"/>
+        <a:font script="Knda" typeface="Tunga"/>
+        <a:font script="Guru" typeface="Raavi"/>
+        <a:font script="Cans" typeface="Euphemia"/>
+        <a:font script="Cher" typeface="Plantagenet Cherokee"/>
+        <a:font script="Yiii" typeface="Microsoft Yi Baiti"/>
+        <a:font script="Tibt" typeface="Microsoft Himalaya"/>
+        <a:font script="Thaa" typeface="MV Boli"/>
+        <a:font script="Deva" typeface="Mangal"/>
+        <a:font script="Telu" typeface="Gautami"/>
+        <a:font script="Taml" typeface="Latha"/>
+        <a:font script="Syrc" typeface="Estrangelo Edessa"/>
+        <a:font script="Orya" typeface="Kalinga"/>
+        <a:font script="Mlym" typeface="Kartika"/>
+        <a:font script="Laoo" typeface="DokChampa"/>
+        <a:font script="Sinh" typeface="Iskoola Pota"/>
+        <a:font script="Mong" typeface="Mongolian Baiti"/>
+        <a:font script="Viet" typeface="Arial"/>
+        <a:font script="Uigh" typeface="Microsoft Uighur"/>
+        <a:font script="Geor" typeface="Sylfaen"/>
+      </a:minorFont>
+    </a:fontScheme>
+    <a:fmtScheme name="Office">
+      <a:fillStyleLst>
+        <a:solidFill>
+          <a:schemeClr val="phClr"/>
+        </a:solidFill>
+        <a:gradFill rotWithShape="1">
+          <a:gsLst>
+            <a:gs pos="0">
+              <a:schemeClr val="phClr">
+                <a:tint val="50000"/>
+                <a:satMod val="300000"/>
+              </a:schemeClr>
+            </a:gs>
+            <a:gs pos="35000">
+              <a:schemeClr val="phClr">
+                <a:tint val="37000"/>
+                <a:satMod val="300000"/>
+              </a:schemeClr>
+            </a:gs>
+            <a:gs pos="100000">
+              <a:schemeClr val="phClr">
+                <a:tint val="15000"/>
+                <a:satMod val="350000"/>
+              </a:schemeClr>
+            </a:gs>
+          </a:gsLst>
+          <a:lin ang="16200000" scaled="1"/>
+        </a:gradFill>
+        <a:gradFill rotWithShape="1">
+          <a:gsLst>
+            <a:gs pos="0">
+              <a:schemeClr val="phClr">
+                <a:tint val="100000"/>
+                <a:shade val="100000"/>
+                <a:satMod val="130000"/>
+              </a:schemeClr>
+            </a:gs>
+            <a:gs pos="100000">
+              <a:schemeClr val="phClr">
+                <a:tint val="50000"/>
+                <a:shade val="100000"/>
+                <a:satMod val="350000"/>
+              </a:schemeClr>
+            </a:gs>
+          </a:gsLst>
+          <a:lin ang="16200000" scaled="0"/>
+        </a:gradFill>
+      </a:fillStyleLst>
+      <a:lnStyleLst>
+        <a:ln w="9525" cap="flat" cmpd="sng" algn="ctr">
+          <a:solidFill>
+            <a:schemeClr val="phClr">
+              <a:shade val="95000"/>
+              <a:satMod val="105000"/>
+            </a:schemeClr>
+          </a:solidFill>
+          <a:prstDash val="solid"/>
+        </a:ln>
+        <a:ln w="25400" cap="flat" cmpd="sng" algn="ctr">
+          <a:solidFill>
+            <a:schemeClr val="phClr"/>
+          </a:solidFill>
+          <a:prstDash val="solid"/>
+        </a:ln>
+        <a:ln w="38100" cap="flat" cmpd="sng" algn="ctr">
+          <a:solidFill>
+            <a:schemeClr val="phClr"/>
+          </a:solidFill>
+          <a:prstDash val="solid"/>
+        </a:ln>
+      </a:lnStyleLst>
+      <a:effectStyleLst>
+        <a:effectStyle>
+          <a:effectLst>
+            <a:outerShdw blurRad="40000" dist="20000" dir="5400000" rotWithShape="0">
+              <a:srgbClr val="000000">
+                <a:alpha val="38000"/>
+              </a:srgbClr>
+            </a:outerShdw>
+          </a:effectLst>
+        </a:effectStyle>
+        <a:effectStyle>
+          <a:effectLst>
+            <a:outerShdw blurRad="40000" dist="23000" dir="5400000" rotWithShape="0">
+              <a:srgbClr val="000000">
+                <a:alpha val="35000"/>
+              </a:srgbClr>
+            </a:outerShdw>
+          </a:effectLst>
+        </a:effectStyle>
+        <a:effectStyle>
+          <a:effectLst>
+            <a:outerShdw blurRad="40000" dist="23000" dir="5400000" rotWithShape="0">
+              <a:srgbClr val="000000">
+                <a:alpha val="35000"/>
+              </a:srgbClr>
+            </a:outerShdw>
+          </a:effectLst>
+          <a:scene3d>
+            <a:camera prst="orthographicFront">
+              <a:rot lat="0" lon="0" rev="0"/>
+            </a:camera>
+            <a:lightRig rig="threePt" dir="t">
+              <a:rot lat="0" lon="0" rev="1200000"/>
+            </a:lightRig>
+          </a:scene3d>
+          <a:sp3d>
+            <a:bevelT w="63500" h="25400"/>
+          </a:sp3d>
+        </a:effectStyle>
+      </a:effectStyleLst>
+      <a:bgFillStyleLst>
+        <a:solidFill>
+          <a:schemeClr val="phClr"/>
+        </a:solidFill>
+        <a:gradFill rotWithShape="1">
+          <a:gsLst>
+            <a:gs pos="0">
+              <a:schemeClr val="phClr">
+                <a:tint val="40000"/>
+                <a:satMod val="350000"/>
+              </a:schemeClr>
+            </a:gs>
+            <a:gs pos="40000">
+              <a:schemeClr val="phClr">
+                <a:tint val="45000"/>
+                <a:shade val="99000"/>
+                <a:satMod val="350000"/>
+              </a:schemeClr>
+            </a:gs>
+            <a:gs pos="100000">
+              <a:schemeClr val="phClr">
+                <a:shade val="20000"/>
+                <a:satMod val="255000"/>
+              </a:schemeClr>
+            </a:gs>
+          </a:gsLst>
+          <a:path path="circle">
+            <a:fillToRect l="50000" t="-80000" r="50000" b="180000"/>
+          </a:path>
+        </a:gradFill>
+        <a:gradFill rotWithShape="1">
+          <a:gsLst>
+            <a:gs pos="0">
+              <a:schemeClr val="phClr">
+                <a:tint val="80000"/>
+                <a:satMod val="300000"/>
+              </a:schemeClr>
+            </a:gs>
+            <a:gs pos="100000">
+              <a:schemeClr val="phClr">
+                <a:shade val="30000"/>
+                <a:satMod val="200000"/>
+              </a:schemeClr>
+            </a:gs>
+          </a:gsLst>
+          <a:path path="circle">
+            <a:fillToRect l="50000" t="50000" r="50000" b="50000"/>
+          </a:path>
+        </a:gradFill>
+      </a:bgFillStyleLst>
+    </a:fmtScheme>
+  </a:themeElements>
+  <a:objectDefaults>
+    <a:spDef>
+      <a:spPr/>
+      <a:bodyPr/>
+      <a:lstStyle/>
+      <a:style>
+        <a:lnRef idx="1">
+          <a:schemeClr val="accent1"/>
+        </a:lnRef>
+        <a:fillRef idx="3">
+          <a:schemeClr val="accent1"/>
+        </a:fillRef>
+        <a:effectRef idx="2">
+          <a:schemeClr val="accent1"/>
+        </a:effectRef>
+        <a:fontRef idx="minor">
+          <a:schemeClr val="lt1"/>
+        </a:fontRef>
+      </a:style>
+    </a:spDef>
+    <a:lnDef>
+      <a:spPr/>
+      <a:bodyPr/>
+      <a:lstStyle/>
+      <a:style>
+        <a:lnRef idx="2">
+          <a:schemeClr val="accent1"/>
+        </a:lnRef>
+        <a:fillRef idx="0">
+          <a:schemeClr val="accent1"/>
+        </a:fillRef>
+        <a:effectRef idx="1">
+          <a:schemeClr val="accent1"/>
+        </a:effectRef>
+        <a:fontRef idx="minor">
+          <a:schemeClr val="tx1"/>
+        </a:fontRef>
+      </a:style>
+    </a:lnDef>
+  </a:objectDefaults>
+  <a:extraClrSchemeLst/>
+</a:theme>
 </file>